--- a/mqp_poster.pptx
+++ b/mqp_poster.pptx
@@ -161,10 +161,9 @@
           <a:lstStyle/>
           <a:p>
             <a:r>
-              <a:rPr lang="en-US" smtClean="0"/>
+              <a:rPr lang="en-US"/>
               <a:t>Click to edit Master title style</a:t>
             </a:r>
-            <a:endParaRPr lang="en-US"/>
           </a:p>
         </p:txBody>
       </p:sp>
@@ -280,10 +279,9 @@
           </a:lstStyle>
           <a:p>
             <a:r>
-              <a:rPr lang="en-US" smtClean="0"/>
+              <a:rPr lang="en-US"/>
               <a:t>Click to edit Master subtitle style</a:t>
             </a:r>
-            <a:endParaRPr lang="en-US"/>
           </a:p>
         </p:txBody>
       </p:sp>
@@ -304,7 +302,7 @@
           <a:p>
             <a:fld id="{608AD488-8197-41BF-AA78-15689F5CA829}" type="datetimeFigureOut">
               <a:rPr lang="en-US" smtClean="0"/>
-              <a:t>4/12/2016</a:t>
+              <a:t>4/14/16</a:t>
             </a:fld>
             <a:endParaRPr lang="en-US"/>
           </a:p>
@@ -398,10 +396,9 @@
           <a:lstStyle/>
           <a:p>
             <a:r>
-              <a:rPr lang="en-US" smtClean="0"/>
+              <a:rPr lang="en-US"/>
               <a:t>Click to edit Master title style</a:t>
             </a:r>
-            <a:endParaRPr lang="en-US"/>
           </a:p>
         </p:txBody>
       </p:sp>
@@ -422,38 +419,37 @@
           <a:p>
             <a:pPr lvl="0"/>
             <a:r>
-              <a:rPr lang="en-US" smtClean="0"/>
+              <a:rPr lang="en-US"/>
               <a:t>Click to edit Master text styles</a:t>
             </a:r>
           </a:p>
           <a:p>
             <a:pPr lvl="1"/>
             <a:r>
-              <a:rPr lang="en-US" smtClean="0"/>
+              <a:rPr lang="en-US"/>
               <a:t>Second level</a:t>
             </a:r>
           </a:p>
           <a:p>
             <a:pPr lvl="2"/>
             <a:r>
-              <a:rPr lang="en-US" smtClean="0"/>
+              <a:rPr lang="en-US"/>
               <a:t>Third level</a:t>
             </a:r>
           </a:p>
           <a:p>
             <a:pPr lvl="3"/>
             <a:r>
-              <a:rPr lang="en-US" smtClean="0"/>
+              <a:rPr lang="en-US"/>
               <a:t>Fourth level</a:t>
             </a:r>
           </a:p>
           <a:p>
             <a:pPr lvl="4"/>
             <a:r>
-              <a:rPr lang="en-US" smtClean="0"/>
+              <a:rPr lang="en-US"/>
               <a:t>Fifth level</a:t>
             </a:r>
-            <a:endParaRPr lang="en-US"/>
           </a:p>
         </p:txBody>
       </p:sp>
@@ -474,7 +470,7 @@
           <a:p>
             <a:fld id="{608AD488-8197-41BF-AA78-15689F5CA829}" type="datetimeFigureOut">
               <a:rPr lang="en-US" smtClean="0"/>
-              <a:t>4/12/2016</a:t>
+              <a:t>4/14/16</a:t>
             </a:fld>
             <a:endParaRPr lang="en-US"/>
           </a:p>
@@ -573,10 +569,9 @@
           <a:lstStyle/>
           <a:p>
             <a:r>
-              <a:rPr lang="en-US" smtClean="0"/>
+              <a:rPr lang="en-US"/>
               <a:t>Click to edit Master title style</a:t>
             </a:r>
-            <a:endParaRPr lang="en-US"/>
           </a:p>
         </p:txBody>
       </p:sp>
@@ -602,38 +597,37 @@
           <a:p>
             <a:pPr lvl="0"/>
             <a:r>
-              <a:rPr lang="en-US" smtClean="0"/>
+              <a:rPr lang="en-US"/>
               <a:t>Click to edit Master text styles</a:t>
             </a:r>
           </a:p>
           <a:p>
             <a:pPr lvl="1"/>
             <a:r>
-              <a:rPr lang="en-US" smtClean="0"/>
+              <a:rPr lang="en-US"/>
               <a:t>Second level</a:t>
             </a:r>
           </a:p>
           <a:p>
             <a:pPr lvl="2"/>
             <a:r>
-              <a:rPr lang="en-US" smtClean="0"/>
+              <a:rPr lang="en-US"/>
               <a:t>Third level</a:t>
             </a:r>
           </a:p>
           <a:p>
             <a:pPr lvl="3"/>
             <a:r>
-              <a:rPr lang="en-US" smtClean="0"/>
+              <a:rPr lang="en-US"/>
               <a:t>Fourth level</a:t>
             </a:r>
           </a:p>
           <a:p>
             <a:pPr lvl="4"/>
             <a:r>
-              <a:rPr lang="en-US" smtClean="0"/>
+              <a:rPr lang="en-US"/>
               <a:t>Fifth level</a:t>
             </a:r>
-            <a:endParaRPr lang="en-US"/>
           </a:p>
         </p:txBody>
       </p:sp>
@@ -654,7 +648,7 @@
           <a:p>
             <a:fld id="{608AD488-8197-41BF-AA78-15689F5CA829}" type="datetimeFigureOut">
               <a:rPr lang="en-US" smtClean="0"/>
-              <a:t>4/12/2016</a:t>
+              <a:t>4/14/16</a:t>
             </a:fld>
             <a:endParaRPr lang="en-US"/>
           </a:p>
@@ -748,10 +742,9 @@
           <a:lstStyle/>
           <a:p>
             <a:r>
-              <a:rPr lang="en-US" smtClean="0"/>
+              <a:rPr lang="en-US"/>
               <a:t>Click to edit Master title style</a:t>
             </a:r>
-            <a:endParaRPr lang="en-US"/>
           </a:p>
         </p:txBody>
       </p:sp>
@@ -772,38 +765,37 @@
           <a:p>
             <a:pPr lvl="0"/>
             <a:r>
-              <a:rPr lang="en-US" smtClean="0"/>
+              <a:rPr lang="en-US"/>
               <a:t>Click to edit Master text styles</a:t>
             </a:r>
           </a:p>
           <a:p>
             <a:pPr lvl="1"/>
             <a:r>
-              <a:rPr lang="en-US" smtClean="0"/>
+              <a:rPr lang="en-US"/>
               <a:t>Second level</a:t>
             </a:r>
           </a:p>
           <a:p>
             <a:pPr lvl="2"/>
             <a:r>
-              <a:rPr lang="en-US" smtClean="0"/>
+              <a:rPr lang="en-US"/>
               <a:t>Third level</a:t>
             </a:r>
           </a:p>
           <a:p>
             <a:pPr lvl="3"/>
             <a:r>
-              <a:rPr lang="en-US" smtClean="0"/>
+              <a:rPr lang="en-US"/>
               <a:t>Fourth level</a:t>
             </a:r>
           </a:p>
           <a:p>
             <a:pPr lvl="4"/>
             <a:r>
-              <a:rPr lang="en-US" smtClean="0"/>
+              <a:rPr lang="en-US"/>
               <a:t>Fifth level</a:t>
             </a:r>
-            <a:endParaRPr lang="en-US"/>
           </a:p>
         </p:txBody>
       </p:sp>
@@ -824,7 +816,7 @@
           <a:p>
             <a:fld id="{608AD488-8197-41BF-AA78-15689F5CA829}" type="datetimeFigureOut">
               <a:rPr lang="en-US" smtClean="0"/>
-              <a:t>4/12/2016</a:t>
+              <a:t>4/14/16</a:t>
             </a:fld>
             <a:endParaRPr lang="en-US"/>
           </a:p>
@@ -927,10 +919,9 @@
           </a:lstStyle>
           <a:p>
             <a:r>
-              <a:rPr lang="en-US" smtClean="0"/>
+              <a:rPr lang="en-US"/>
               <a:t>Click to edit Master title style</a:t>
             </a:r>
-            <a:endParaRPr lang="en-US"/>
           </a:p>
         </p:txBody>
       </p:sp>
@@ -1047,7 +1038,7 @@
           <a:p>
             <a:pPr lvl="0"/>
             <a:r>
-              <a:rPr lang="en-US" smtClean="0"/>
+              <a:rPr lang="en-US"/>
               <a:t>Click to edit Master text styles</a:t>
             </a:r>
           </a:p>
@@ -1070,7 +1061,7 @@
           <a:p>
             <a:fld id="{608AD488-8197-41BF-AA78-15689F5CA829}" type="datetimeFigureOut">
               <a:rPr lang="en-US" smtClean="0"/>
-              <a:t>4/12/2016</a:t>
+              <a:t>4/14/16</a:t>
             </a:fld>
             <a:endParaRPr lang="en-US"/>
           </a:p>
@@ -1164,10 +1155,9 @@
           <a:lstStyle/>
           <a:p>
             <a:r>
-              <a:rPr lang="en-US" smtClean="0"/>
+              <a:rPr lang="en-US"/>
               <a:t>Click to edit Master title style</a:t>
             </a:r>
-            <a:endParaRPr lang="en-US"/>
           </a:p>
         </p:txBody>
       </p:sp>
@@ -1221,38 +1211,37 @@
           <a:p>
             <a:pPr lvl="0"/>
             <a:r>
-              <a:rPr lang="en-US" smtClean="0"/>
+              <a:rPr lang="en-US"/>
               <a:t>Click to edit Master text styles</a:t>
             </a:r>
           </a:p>
           <a:p>
             <a:pPr lvl="1"/>
             <a:r>
-              <a:rPr lang="en-US" smtClean="0"/>
+              <a:rPr lang="en-US"/>
               <a:t>Second level</a:t>
             </a:r>
           </a:p>
           <a:p>
             <a:pPr lvl="2"/>
             <a:r>
-              <a:rPr lang="en-US" smtClean="0"/>
+              <a:rPr lang="en-US"/>
               <a:t>Third level</a:t>
             </a:r>
           </a:p>
           <a:p>
             <a:pPr lvl="3"/>
             <a:r>
-              <a:rPr lang="en-US" smtClean="0"/>
+              <a:rPr lang="en-US"/>
               <a:t>Fourth level</a:t>
             </a:r>
           </a:p>
           <a:p>
             <a:pPr lvl="4"/>
             <a:r>
-              <a:rPr lang="en-US" smtClean="0"/>
+              <a:rPr lang="en-US"/>
               <a:t>Fifth level</a:t>
             </a:r>
-            <a:endParaRPr lang="en-US"/>
           </a:p>
         </p:txBody>
       </p:sp>
@@ -1306,38 +1295,37 @@
           <a:p>
             <a:pPr lvl="0"/>
             <a:r>
-              <a:rPr lang="en-US" smtClean="0"/>
+              <a:rPr lang="en-US"/>
               <a:t>Click to edit Master text styles</a:t>
             </a:r>
           </a:p>
           <a:p>
             <a:pPr lvl="1"/>
             <a:r>
-              <a:rPr lang="en-US" smtClean="0"/>
+              <a:rPr lang="en-US"/>
               <a:t>Second level</a:t>
             </a:r>
           </a:p>
           <a:p>
             <a:pPr lvl="2"/>
             <a:r>
-              <a:rPr lang="en-US" smtClean="0"/>
+              <a:rPr lang="en-US"/>
               <a:t>Third level</a:t>
             </a:r>
           </a:p>
           <a:p>
             <a:pPr lvl="3"/>
             <a:r>
-              <a:rPr lang="en-US" smtClean="0"/>
+              <a:rPr lang="en-US"/>
               <a:t>Fourth level</a:t>
             </a:r>
           </a:p>
           <a:p>
             <a:pPr lvl="4"/>
             <a:r>
-              <a:rPr lang="en-US" smtClean="0"/>
+              <a:rPr lang="en-US"/>
               <a:t>Fifth level</a:t>
             </a:r>
-            <a:endParaRPr lang="en-US"/>
           </a:p>
         </p:txBody>
       </p:sp>
@@ -1358,7 +1346,7 @@
           <a:p>
             <a:fld id="{608AD488-8197-41BF-AA78-15689F5CA829}" type="datetimeFigureOut">
               <a:rPr lang="en-US" smtClean="0"/>
-              <a:t>4/12/2016</a:t>
+              <a:t>4/14/16</a:t>
             </a:fld>
             <a:endParaRPr lang="en-US"/>
           </a:p>
@@ -1456,10 +1444,9 @@
           </a:lstStyle>
           <a:p>
             <a:r>
-              <a:rPr lang="en-US" smtClean="0"/>
+              <a:rPr lang="en-US"/>
               <a:t>Click to edit Master title style</a:t>
             </a:r>
-            <a:endParaRPr lang="en-US"/>
           </a:p>
         </p:txBody>
       </p:sp>
@@ -1522,7 +1509,7 @@
           <a:p>
             <a:pPr lvl="0"/>
             <a:r>
-              <a:rPr lang="en-US" smtClean="0"/>
+              <a:rPr lang="en-US"/>
               <a:t>Click to edit Master text styles</a:t>
             </a:r>
           </a:p>
@@ -1578,38 +1565,37 @@
           <a:p>
             <a:pPr lvl="0"/>
             <a:r>
-              <a:rPr lang="en-US" smtClean="0"/>
+              <a:rPr lang="en-US"/>
               <a:t>Click to edit Master text styles</a:t>
             </a:r>
           </a:p>
           <a:p>
             <a:pPr lvl="1"/>
             <a:r>
-              <a:rPr lang="en-US" smtClean="0"/>
+              <a:rPr lang="en-US"/>
               <a:t>Second level</a:t>
             </a:r>
           </a:p>
           <a:p>
             <a:pPr lvl="2"/>
             <a:r>
-              <a:rPr lang="en-US" smtClean="0"/>
+              <a:rPr lang="en-US"/>
               <a:t>Third level</a:t>
             </a:r>
           </a:p>
           <a:p>
             <a:pPr lvl="3"/>
             <a:r>
-              <a:rPr lang="en-US" smtClean="0"/>
+              <a:rPr lang="en-US"/>
               <a:t>Fourth level</a:t>
             </a:r>
           </a:p>
           <a:p>
             <a:pPr lvl="4"/>
             <a:r>
-              <a:rPr lang="en-US" smtClean="0"/>
+              <a:rPr lang="en-US"/>
               <a:t>Fifth level</a:t>
             </a:r>
-            <a:endParaRPr lang="en-US"/>
           </a:p>
         </p:txBody>
       </p:sp>
@@ -1672,7 +1658,7 @@
           <a:p>
             <a:pPr lvl="0"/>
             <a:r>
-              <a:rPr lang="en-US" smtClean="0"/>
+              <a:rPr lang="en-US"/>
               <a:t>Click to edit Master text styles</a:t>
             </a:r>
           </a:p>
@@ -1728,38 +1714,37 @@
           <a:p>
             <a:pPr lvl="0"/>
             <a:r>
-              <a:rPr lang="en-US" smtClean="0"/>
+              <a:rPr lang="en-US"/>
               <a:t>Click to edit Master text styles</a:t>
             </a:r>
           </a:p>
           <a:p>
             <a:pPr lvl="1"/>
             <a:r>
-              <a:rPr lang="en-US" smtClean="0"/>
+              <a:rPr lang="en-US"/>
               <a:t>Second level</a:t>
             </a:r>
           </a:p>
           <a:p>
             <a:pPr lvl="2"/>
             <a:r>
-              <a:rPr lang="en-US" smtClean="0"/>
+              <a:rPr lang="en-US"/>
               <a:t>Third level</a:t>
             </a:r>
           </a:p>
           <a:p>
             <a:pPr lvl="3"/>
             <a:r>
-              <a:rPr lang="en-US" smtClean="0"/>
+              <a:rPr lang="en-US"/>
               <a:t>Fourth level</a:t>
             </a:r>
           </a:p>
           <a:p>
             <a:pPr lvl="4"/>
             <a:r>
-              <a:rPr lang="en-US" smtClean="0"/>
+              <a:rPr lang="en-US"/>
               <a:t>Fifth level</a:t>
             </a:r>
-            <a:endParaRPr lang="en-US"/>
           </a:p>
         </p:txBody>
       </p:sp>
@@ -1780,7 +1765,7 @@
           <a:p>
             <a:fld id="{608AD488-8197-41BF-AA78-15689F5CA829}" type="datetimeFigureOut">
               <a:rPr lang="en-US" smtClean="0"/>
-              <a:t>4/12/2016</a:t>
+              <a:t>4/14/16</a:t>
             </a:fld>
             <a:endParaRPr lang="en-US"/>
           </a:p>
@@ -1874,10 +1859,9 @@
           <a:lstStyle/>
           <a:p>
             <a:r>
-              <a:rPr lang="en-US" smtClean="0"/>
+              <a:rPr lang="en-US"/>
               <a:t>Click to edit Master title style</a:t>
             </a:r>
-            <a:endParaRPr lang="en-US"/>
           </a:p>
         </p:txBody>
       </p:sp>
@@ -1898,7 +1882,7 @@
           <a:p>
             <a:fld id="{608AD488-8197-41BF-AA78-15689F5CA829}" type="datetimeFigureOut">
               <a:rPr lang="en-US" smtClean="0"/>
-              <a:t>4/12/2016</a:t>
+              <a:t>4/14/16</a:t>
             </a:fld>
             <a:endParaRPr lang="en-US"/>
           </a:p>
@@ -1993,7 +1977,7 @@
           <a:p>
             <a:fld id="{608AD488-8197-41BF-AA78-15689F5CA829}" type="datetimeFigureOut">
               <a:rPr lang="en-US" smtClean="0"/>
-              <a:t>4/12/2016</a:t>
+              <a:t>4/14/16</a:t>
             </a:fld>
             <a:endParaRPr lang="en-US"/>
           </a:p>
@@ -2096,10 +2080,9 @@
           </a:lstStyle>
           <a:p>
             <a:r>
-              <a:rPr lang="en-US" smtClean="0"/>
+              <a:rPr lang="en-US"/>
               <a:t>Click to edit Master title style</a:t>
             </a:r>
-            <a:endParaRPr lang="en-US"/>
           </a:p>
         </p:txBody>
       </p:sp>
@@ -2153,38 +2136,37 @@
           <a:p>
             <a:pPr lvl="0"/>
             <a:r>
-              <a:rPr lang="en-US" smtClean="0"/>
+              <a:rPr lang="en-US"/>
               <a:t>Click to edit Master text styles</a:t>
             </a:r>
           </a:p>
           <a:p>
             <a:pPr lvl="1"/>
             <a:r>
-              <a:rPr lang="en-US" smtClean="0"/>
+              <a:rPr lang="en-US"/>
               <a:t>Second level</a:t>
             </a:r>
           </a:p>
           <a:p>
             <a:pPr lvl="2"/>
             <a:r>
-              <a:rPr lang="en-US" smtClean="0"/>
+              <a:rPr lang="en-US"/>
               <a:t>Third level</a:t>
             </a:r>
           </a:p>
           <a:p>
             <a:pPr lvl="3"/>
             <a:r>
-              <a:rPr lang="en-US" smtClean="0"/>
+              <a:rPr lang="en-US"/>
               <a:t>Fourth level</a:t>
             </a:r>
           </a:p>
           <a:p>
             <a:pPr lvl="4"/>
             <a:r>
-              <a:rPr lang="en-US" smtClean="0"/>
+              <a:rPr lang="en-US"/>
               <a:t>Fifth level</a:t>
             </a:r>
-            <a:endParaRPr lang="en-US"/>
           </a:p>
         </p:txBody>
       </p:sp>
@@ -2247,7 +2229,7 @@
           <a:p>
             <a:pPr lvl="0"/>
             <a:r>
-              <a:rPr lang="en-US" smtClean="0"/>
+              <a:rPr lang="en-US"/>
               <a:t>Click to edit Master text styles</a:t>
             </a:r>
           </a:p>
@@ -2270,7 +2252,7 @@
           <a:p>
             <a:fld id="{608AD488-8197-41BF-AA78-15689F5CA829}" type="datetimeFigureOut">
               <a:rPr lang="en-US" smtClean="0"/>
-              <a:t>4/12/2016</a:t>
+              <a:t>4/14/16</a:t>
             </a:fld>
             <a:endParaRPr lang="en-US"/>
           </a:p>
@@ -2373,10 +2355,9 @@
           </a:lstStyle>
           <a:p>
             <a:r>
-              <a:rPr lang="en-US" smtClean="0"/>
+              <a:rPr lang="en-US"/>
               <a:t>Click to edit Master title style</a:t>
             </a:r>
-            <a:endParaRPr lang="en-US"/>
           </a:p>
         </p:txBody>
       </p:sp>
@@ -2500,7 +2481,7 @@
           <a:p>
             <a:pPr lvl="0"/>
             <a:r>
-              <a:rPr lang="en-US" smtClean="0"/>
+              <a:rPr lang="en-US"/>
               <a:t>Click to edit Master text styles</a:t>
             </a:r>
           </a:p>
@@ -2523,7 +2504,7 @@
           <a:p>
             <a:fld id="{608AD488-8197-41BF-AA78-15689F5CA829}" type="datetimeFigureOut">
               <a:rPr lang="en-US" smtClean="0"/>
-              <a:t>4/12/2016</a:t>
+              <a:t>4/14/16</a:t>
             </a:fld>
             <a:endParaRPr lang="en-US"/>
           </a:p>
@@ -2632,10 +2613,9 @@
           <a:lstStyle/>
           <a:p>
             <a:r>
-              <a:rPr lang="en-US" smtClean="0"/>
+              <a:rPr lang="en-US"/>
               <a:t>Click to edit Master title style</a:t>
             </a:r>
-            <a:endParaRPr lang="en-US"/>
           </a:p>
         </p:txBody>
       </p:sp>
@@ -2666,38 +2646,37 @@
           <a:p>
             <a:pPr lvl="0"/>
             <a:r>
-              <a:rPr lang="en-US" smtClean="0"/>
+              <a:rPr lang="en-US"/>
               <a:t>Click to edit Master text styles</a:t>
             </a:r>
           </a:p>
           <a:p>
             <a:pPr lvl="1"/>
             <a:r>
-              <a:rPr lang="en-US" smtClean="0"/>
+              <a:rPr lang="en-US"/>
               <a:t>Second level</a:t>
             </a:r>
           </a:p>
           <a:p>
             <a:pPr lvl="2"/>
             <a:r>
-              <a:rPr lang="en-US" smtClean="0"/>
+              <a:rPr lang="en-US"/>
               <a:t>Third level</a:t>
             </a:r>
           </a:p>
           <a:p>
             <a:pPr lvl="3"/>
             <a:r>
-              <a:rPr lang="en-US" smtClean="0"/>
+              <a:rPr lang="en-US"/>
               <a:t>Fourth level</a:t>
             </a:r>
           </a:p>
           <a:p>
             <a:pPr lvl="4"/>
             <a:r>
-              <a:rPr lang="en-US" smtClean="0"/>
+              <a:rPr lang="en-US"/>
               <a:t>Fifth level</a:t>
             </a:r>
-            <a:endParaRPr lang="en-US"/>
           </a:p>
         </p:txBody>
       </p:sp>
@@ -2736,7 +2715,7 @@
           <a:p>
             <a:fld id="{608AD488-8197-41BF-AA78-15689F5CA829}" type="datetimeFigureOut">
               <a:rPr lang="en-US" smtClean="0"/>
-              <a:t>4/12/2016</a:t>
+              <a:t>4/14/16</a:t>
             </a:fld>
             <a:endParaRPr lang="en-US"/>
           </a:p>
@@ -4039,61 +4018,69 @@
           <a:lstStyle/>
           <a:p>
             <a:r>
-              <a:rPr lang="en-US" sz="8000" b="1" dirty="0" smtClean="0">
+              <a:rPr lang="en-US" sz="8000" b="1" dirty="0">
                 <a:latin typeface="Arial" panose="020B0604020202020204" pitchFamily="34" charset="0"/>
                 <a:cs typeface="Arial" panose="020B0604020202020204" pitchFamily="34" charset="0"/>
               </a:rPr>
               <a:t>Data  MATTERS:  </a:t>
             </a:r>
             <a:r>
-              <a:rPr lang="en-US" sz="6800" b="1" dirty="0" smtClean="0">
+              <a:rPr lang="en-US" sz="6800" b="1" dirty="0">
                 <a:latin typeface="Arial" panose="020B0604020202020204" pitchFamily="34" charset="0"/>
                 <a:cs typeface="Arial" panose="020B0604020202020204" pitchFamily="34" charset="0"/>
               </a:rPr>
               <a:t/>
             </a:r>
             <a:br>
-              <a:rPr lang="en-US" sz="6800" b="1" dirty="0" smtClean="0">
+              <a:rPr lang="en-US" sz="6800" b="1" dirty="0">
                 <a:latin typeface="Arial" panose="020B0604020202020204" pitchFamily="34" charset="0"/>
                 <a:cs typeface="Arial" panose="020B0604020202020204" pitchFamily="34" charset="0"/>
               </a:rPr>
             </a:br>
             <a:r>
-              <a:rPr lang="en-US" sz="6800" b="1" dirty="0" smtClean="0">
+              <a:rPr lang="en-US" sz="6800" b="1" dirty="0">
                 <a:latin typeface="Arial" panose="020B0604020202020204" pitchFamily="34" charset="0"/>
                 <a:cs typeface="Arial" panose="020B0604020202020204" pitchFamily="34" charset="0"/>
               </a:rPr>
               <a:t>Customizing Economic Indices to Measure State Competitiveness</a:t>
             </a:r>
             <a:r>
-              <a:rPr lang="en-US" sz="6600" b="1" dirty="0" smtClean="0">
+              <a:rPr lang="en-US" sz="6600" b="1" dirty="0">
                 <a:latin typeface="Arial" panose="020B0604020202020204" pitchFamily="34" charset="0"/>
                 <a:cs typeface="Arial" panose="020B0604020202020204" pitchFamily="34" charset="0"/>
               </a:rPr>
-              <a:t/>
-            </a:r>
-            <a:br>
-              <a:rPr lang="en-US" sz="6600" b="1" dirty="0" smtClean="0">
+              <a:t>	          </a:t>
+            </a:r>
+            <a:r>
+              <a:rPr lang="en-US" sz="3200" dirty="0" err="1">
                 <a:latin typeface="Arial" panose="020B0604020202020204" pitchFamily="34" charset="0"/>
                 <a:cs typeface="Arial" panose="020B0604020202020204" pitchFamily="34" charset="0"/>
               </a:rPr>
-            </a:br>
-            <a:r>
-              <a:rPr lang="en-US" sz="3200" dirty="0" smtClean="0">
-                <a:latin typeface="Arial" panose="020B0604020202020204" pitchFamily="34" charset="0"/>
-                <a:cs typeface="Arial" panose="020B0604020202020204" pitchFamily="34" charset="0"/>
-              </a:rPr>
-              <a:t>	Advisor</a:t>
+              <a:t>Dmytro</a:t>
             </a:r>
             <a:r>
               <a:rPr lang="en-US" sz="3200" dirty="0">
                 <a:latin typeface="Arial" panose="020B0604020202020204" pitchFamily="34" charset="0"/>
                 <a:cs typeface="Arial" panose="020B0604020202020204" pitchFamily="34" charset="0"/>
               </a:rPr>
-              <a:t>: Professor Elke </a:t>
-            </a:r>
-            <a:r>
-              <a:rPr lang="en-US" sz="3200" dirty="0" err="1" smtClean="0">
+              <a:t> </a:t>
+            </a:r>
+            <a:r>
+              <a:rPr lang="en-US" sz="3200" dirty="0" err="1">
+                <a:latin typeface="Arial" panose="020B0604020202020204" pitchFamily="34" charset="0"/>
+                <a:cs typeface="Arial" panose="020B0604020202020204" pitchFamily="34" charset="0"/>
+              </a:rPr>
+              <a:t>Bogatov</a:t>
+            </a:r>
+            <a:r>
+              <a:rPr lang="en-US" sz="3200" dirty="0">
+                <a:latin typeface="Arial" panose="020B0604020202020204" pitchFamily="34" charset="0"/>
+                <a:cs typeface="Arial" panose="020B0604020202020204" pitchFamily="34" charset="0"/>
+              </a:rPr>
+              <a:t> and Jillian Hennessy 	Advisor: Professor Elke </a:t>
+            </a:r>
+            <a:r>
+              <a:rPr lang="en-US" sz="3200" dirty="0" err="1">
                 <a:latin typeface="Arial" panose="020B0604020202020204" pitchFamily="34" charset="0"/>
                 <a:cs typeface="Arial" panose="020B0604020202020204" pitchFamily="34" charset="0"/>
               </a:rPr>
@@ -4104,14 +4091,7 @@
                 <a:latin typeface="Arial" panose="020B0604020202020204" pitchFamily="34" charset="0"/>
                 <a:cs typeface="Arial" panose="020B0604020202020204" pitchFamily="34" charset="0"/>
               </a:rPr>
-              <a:t>	</a:t>
-            </a:r>
-            <a:r>
-              <a:rPr lang="en-US" sz="3200" dirty="0" smtClean="0">
-                <a:latin typeface="Arial" panose="020B0604020202020204" pitchFamily="34" charset="0"/>
-                <a:cs typeface="Arial" panose="020B0604020202020204" pitchFamily="34" charset="0"/>
-              </a:rPr>
-              <a:t>Department of Computer Science</a:t>
+              <a:t>	Department of Computer Science</a:t>
             </a:r>
             <a:r>
               <a:rPr lang="en-US" sz="4800" dirty="0">
@@ -4127,13 +4107,13 @@
               </a:rPr>
             </a:br>
             <a:r>
-              <a:rPr lang="en-US" sz="8200" b="1" dirty="0" smtClean="0">
+              <a:rPr lang="en-US" sz="8200" b="1" dirty="0">
                 <a:latin typeface="Calibri" panose="020F0502020204030204" pitchFamily="34" charset="0"/>
               </a:rPr>
               <a:t/>
             </a:r>
             <a:br>
-              <a:rPr lang="en-US" sz="8200" b="1" dirty="0" smtClean="0">
+              <a:rPr lang="en-US" sz="8200" b="1" dirty="0">
                 <a:latin typeface="Calibri" panose="020F0502020204030204" pitchFamily="34" charset="0"/>
               </a:rPr>
             </a:br>
@@ -4194,16 +4174,12 @@
           <a:p>
             <a:pPr marL="0" lvl="1" algn="ctr"/>
             <a:r>
-              <a:rPr lang="en-US" sz="5400" b="1" dirty="0" smtClean="0">
+              <a:rPr lang="en-US" sz="5400" b="1" dirty="0">
                 <a:latin typeface="Arial" panose="020B0604020202020204" pitchFamily="34" charset="0"/>
                 <a:cs typeface="Arial" panose="020B0604020202020204" pitchFamily="34" charset="0"/>
               </a:rPr>
-              <a:t>WEB-BASED DASHBOARD  </a:t>
-            </a:r>
-            <a:endParaRPr lang="en-US" sz="5400" b="1" dirty="0">
-              <a:latin typeface="Arial" panose="020B0604020202020204" pitchFamily="34" charset="0"/>
-              <a:cs typeface="Arial" panose="020B0604020202020204" pitchFamily="34" charset="0"/>
-            </a:endParaRPr>
+              <a:t>DATA EXPLORATION</a:t>
+            </a:r>
           </a:p>
         </p:txBody>
       </p:sp>
@@ -4314,7 +4290,7 @@
                 <a:spcPts val="100"/>
               </a:spcAft>
             </a:pPr>
-            <a:endParaRPr lang="en-US" sz="2800" b="1" dirty="0" smtClean="0">
+            <a:endParaRPr lang="en-US" sz="2800" b="1" dirty="0">
               <a:latin typeface="Times New Roman" panose="02020603050405020304" pitchFamily="18" charset="0"/>
               <a:cs typeface="Times New Roman" panose="02020603050405020304" pitchFamily="18" charset="0"/>
             </a:endParaRPr>
@@ -4348,7 +4324,7 @@
                 <a:spcPts val="100"/>
               </a:spcAft>
             </a:pPr>
-            <a:endParaRPr lang="en-US" sz="2800" dirty="0" smtClean="0">
+            <a:endParaRPr lang="en-US" sz="2800" dirty="0">
               <a:latin typeface="Times New Roman" panose="02020603050405020304" pitchFamily="18" charset="0"/>
               <a:cs typeface="Times New Roman" panose="02020603050405020304" pitchFamily="18" charset="0"/>
             </a:endParaRPr>
@@ -4413,16 +4389,12 @@
           <a:p>
             <a:pPr algn="ctr"/>
             <a:r>
-              <a:rPr lang="en-US" sz="5400" b="1" dirty="0" smtClean="0">
+              <a:rPr lang="en-US" sz="5400" b="1" dirty="0">
                 <a:latin typeface="Arial" panose="020B0604020202020204" pitchFamily="34" charset="0"/>
                 <a:cs typeface="Arial" panose="020B0604020202020204" pitchFamily="34" charset="0"/>
               </a:rPr>
-              <a:t>METRIC BUILDER</a:t>
-            </a:r>
-            <a:endParaRPr lang="en-US" sz="5400" b="1" dirty="0">
-              <a:latin typeface="Arial" panose="020B0604020202020204" pitchFamily="34" charset="0"/>
-              <a:cs typeface="Arial" panose="020B0604020202020204" pitchFamily="34" charset="0"/>
-            </a:endParaRPr>
+              <a:t>CUSTOMIZED METRIC BUILDER</a:t>
+            </a:r>
           </a:p>
         </p:txBody>
       </p:sp>
@@ -4769,16 +4741,12 @@
           <a:p>
             <a:pPr algn="ctr"/>
             <a:r>
-              <a:rPr lang="en-US" sz="5400" b="1" dirty="0" smtClean="0">
+              <a:rPr lang="en-US" sz="5400" b="1" dirty="0">
                 <a:latin typeface="Arial" panose="020B0604020202020204" pitchFamily="34" charset="0"/>
                 <a:cs typeface="Arial" panose="020B0604020202020204" pitchFamily="34" charset="0"/>
               </a:rPr>
               <a:t>MOTIVATION</a:t>
             </a:r>
-            <a:endParaRPr lang="en-US" sz="5400" b="1" dirty="0">
-              <a:latin typeface="Arial" panose="020B0604020202020204" pitchFamily="34" charset="0"/>
-              <a:cs typeface="Arial" panose="020B0604020202020204" pitchFamily="34" charset="0"/>
-            </a:endParaRPr>
           </a:p>
         </p:txBody>
       </p:sp>
@@ -4820,7 +4788,7 @@
         <p:spPr>
           <a:xfrm>
             <a:off x="1280517" y="5792603"/>
-            <a:ext cx="12792374" cy="5509200"/>
+            <a:ext cx="12792374" cy="6124754"/>
           </a:xfrm>
           <a:prstGeom prst="rect">
             <a:avLst/>
@@ -4835,20 +4803,14 @@
           <a:p>
             <a:pPr marL="0" lvl="1" algn="ctr"/>
             <a:r>
-              <a:rPr lang="en-US" sz="3200" b="1" dirty="0" smtClean="0">
+              <a:rPr lang="en-US" sz="3600" b="1" dirty="0">
                 <a:cs typeface="Times New Roman" panose="02020603050405020304" pitchFamily="18" charset="0"/>
               </a:rPr>
-              <a:t>Data that impacts Massachusetts’ economic </a:t>
-            </a:r>
-            <a:r>
-              <a:rPr lang="en-US" sz="3200" b="1" dirty="0">
-                <a:cs typeface="Times New Roman" panose="02020603050405020304" pitchFamily="18" charset="0"/>
-              </a:rPr>
-              <a:t>health </a:t>
-            </a:r>
-          </a:p>
-          <a:p>
-            <a:endParaRPr lang="en-US" sz="3200" dirty="0" smtClean="0">
+              <a:t>Data that impacts Massachusetts’ economic health </a:t>
+            </a:r>
+          </a:p>
+          <a:p>
+            <a:endParaRPr lang="en-US" sz="3600" dirty="0">
               <a:cs typeface="Times New Roman" panose="02020603050405020304" pitchFamily="18" charset="0"/>
             </a:endParaRPr>
           </a:p>
@@ -4858,10 +4820,10 @@
               <a:buChar char="•"/>
             </a:pPr>
             <a:r>
-              <a:rPr lang="en-US" sz="3200" dirty="0" smtClean="0">
+              <a:rPr lang="en-US" sz="3200" dirty="0">
                 <a:cs typeface="Times New Roman" panose="02020603050405020304" pitchFamily="18" charset="0"/>
               </a:rPr>
-              <a:t>Incorporate data from across many diverse online sources into one platform for exploration, visualization and analytics.</a:t>
+              <a:t>Incorporate data from across many diverse online sources into one platform for extraction, exploration, visualization and analytics.</a:t>
             </a:r>
           </a:p>
           <a:p>
@@ -4882,25 +4844,7 @@
               <a:rPr lang="en-US" sz="3200" dirty="0">
                 <a:cs typeface="Times New Roman" panose="02020603050405020304" pitchFamily="18" charset="0"/>
               </a:rPr>
-              <a:t>Provide access to high fidelity </a:t>
-            </a:r>
-            <a:r>
-              <a:rPr lang="en-US" sz="3200" dirty="0" smtClean="0">
-                <a:cs typeface="Times New Roman" panose="02020603050405020304" pitchFamily="18" charset="0"/>
-              </a:rPr>
-              <a:t>cost</a:t>
-            </a:r>
-            <a:r>
-              <a:rPr lang="en-US" sz="3200" dirty="0">
-                <a:cs typeface="Times New Roman" panose="02020603050405020304" pitchFamily="18" charset="0"/>
-              </a:rPr>
-              <a:t>, talent and economic metrics, as well as independent national </a:t>
-            </a:r>
-            <a:r>
-              <a:rPr lang="en-US" sz="3200" dirty="0" smtClean="0">
-                <a:cs typeface="Times New Roman" panose="02020603050405020304" pitchFamily="18" charset="0"/>
-              </a:rPr>
-              <a:t>rankings.</a:t>
+              <a:t>Provide access to high fidelity cost, talent and economic metrics, as well as independent national rankings and be able to use these metrics as a part of their own economic indicators.</a:t>
             </a:r>
           </a:p>
           <a:p>
@@ -4918,7 +4862,7 @@
               <a:buChar char="•"/>
             </a:pPr>
             <a:r>
-              <a:rPr lang="en-US" sz="3200" dirty="0" smtClean="0">
+              <a:rPr lang="en-US" sz="3200" dirty="0">
                 <a:cs typeface="Times New Roman" panose="02020603050405020304" pitchFamily="18" charset="0"/>
               </a:rPr>
               <a:t>Help business leaders and policy makers evaluate </a:t>
@@ -4926,7 +4870,7 @@
           </a:p>
           <a:p>
             <a:r>
-              <a:rPr lang="en-US" sz="3200" dirty="0" smtClean="0">
+              <a:rPr lang="en-US" sz="3200" dirty="0">
                 <a:cs typeface="Times New Roman" panose="02020603050405020304" pitchFamily="18" charset="0"/>
               </a:rPr>
               <a:t>     the competitive position of Massachusetts among </a:t>
@@ -4934,7 +4878,7 @@
           </a:p>
           <a:p>
             <a:r>
-              <a:rPr lang="en-US" sz="3200" dirty="0" smtClean="0">
+              <a:rPr lang="en-US" sz="3200" dirty="0">
                 <a:cs typeface="Times New Roman" panose="02020603050405020304" pitchFamily="18" charset="0"/>
               </a:rPr>
               <a:t>     top technology states in the nation.</a:t>
@@ -4997,16 +4941,12 @@
           <a:p>
             <a:pPr marL="0" lvl="1" algn="ctr"/>
             <a:r>
-              <a:rPr lang="en-US" sz="5400" b="1" dirty="0" smtClean="0">
+              <a:rPr lang="en-US" sz="5400" b="1" dirty="0">
                 <a:latin typeface="Arial" panose="020B0604020202020204" pitchFamily="34" charset="0"/>
                 <a:cs typeface="Arial" panose="020B0604020202020204" pitchFamily="34" charset="0"/>
               </a:rPr>
-              <a:t>DATA EXPLORATION</a:t>
-            </a:r>
-            <a:endParaRPr lang="en-US" sz="5400" b="1" dirty="0">
-              <a:latin typeface="Arial" panose="020B0604020202020204" pitchFamily="34" charset="0"/>
-              <a:cs typeface="Arial" panose="020B0604020202020204" pitchFamily="34" charset="0"/>
-            </a:endParaRPr>
+              <a:t>PUBLIC FACING API</a:t>
+            </a:r>
           </a:p>
         </p:txBody>
       </p:sp>
@@ -5043,48 +4983,6 @@
       </p:cxnSp>
       <p:sp>
         <p:nvSpPr>
-          <p:cNvPr id="39" name="TextBox 38"/>
-          <p:cNvSpPr txBox="1"/>
-          <p:nvPr/>
-        </p:nvSpPr>
-        <p:spPr>
-          <a:xfrm>
-            <a:off x="30025486" y="5803989"/>
-            <a:ext cx="12385990" cy="1015663"/>
-          </a:xfrm>
-          <a:prstGeom prst="rect">
-            <a:avLst/>
-          </a:prstGeom>
-          <a:noFill/>
-        </p:spPr>
-        <p:txBody>
-          <a:bodyPr wrap="square" rtlCol="0">
-            <a:spAutoFit/>
-          </a:bodyPr>
-          <a:lstStyle/>
-          <a:p>
-            <a:pPr algn="ctr"/>
-            <a:r>
-              <a:rPr lang="en-US" sz="3200" b="1" dirty="0"/>
-              <a:t>T</a:t>
-            </a:r>
-            <a:r>
-              <a:rPr lang="en-US" sz="3200" b="1" dirty="0" smtClean="0"/>
-              <a:t>ools </a:t>
-            </a:r>
-            <a:r>
-              <a:rPr lang="en-US" sz="3200" b="1" dirty="0"/>
-              <a:t>to find meaningful insights in data </a:t>
-            </a:r>
-            <a:endParaRPr lang="en-US" sz="3200" b="1" dirty="0" smtClean="0"/>
-          </a:p>
-          <a:p>
-            <a:endParaRPr lang="en-US" sz="2800" dirty="0"/>
-          </a:p>
-        </p:txBody>
-      </p:sp>
-      <p:sp>
-        <p:nvSpPr>
           <p:cNvPr id="82" name="Cloud 24"/>
           <p:cNvSpPr/>
           <p:nvPr/>
@@ -5124,20 +5022,12 @@
           <a:p>
             <a:pPr algn="ctr"/>
             <a:r>
-              <a:rPr lang="en-US" sz="3600" b="1" dirty="0" smtClean="0">
-                <a:solidFill>
-                  <a:prstClr val="black"/>
-                </a:solidFill>
-              </a:rPr>
-              <a:t>Online </a:t>
-            </a:r>
-            <a:r>
               <a:rPr lang="en-US" sz="3600" b="1" dirty="0">
                 <a:solidFill>
                   <a:prstClr val="black"/>
                 </a:solidFill>
               </a:rPr>
-              <a:t>Sources</a:t>
+              <a:t>Online Sources</a:t>
             </a:r>
           </a:p>
         </p:txBody>
@@ -5387,13 +5277,8 @@
               <a:pPr algn="ctr"/>
               <a:r>
                 <a:rPr lang="en-US" sz="3600" b="1" dirty="0"/>
-                <a:t>D</a:t>
+                <a:t>Database</a:t>
               </a:r>
-              <a:r>
-                <a:rPr lang="en-US" sz="3600" b="1" dirty="0" smtClean="0"/>
-                <a:t>atabase</a:t>
-              </a:r>
-              <a:endParaRPr lang="en-US" sz="3600" b="1" dirty="0"/>
             </a:p>
           </p:txBody>
         </p:sp>
@@ -5522,34 +5407,10 @@
                 <a:p>
                   <a:pPr algn="ctr"/>
                   <a:r>
-                    <a:rPr lang="en-US" sz="2800" dirty="0" smtClean="0">
-                      <a:cs typeface="Arial" panose="020B0604020202020204" pitchFamily="34" charset="0"/>
-                    </a:rPr>
-                    <a:t>Number </a:t>
-                  </a:r>
-                  <a:r>
                     <a:rPr lang="en-US" sz="2800" dirty="0">
                       <a:cs typeface="Arial" panose="020B0604020202020204" pitchFamily="34" charset="0"/>
                     </a:rPr>
-                    <a:t>of Master’s Degrees awarded in </a:t>
-                  </a:r>
-                  <a:r>
-                    <a:rPr lang="en-US" sz="2800" dirty="0" smtClean="0">
-                      <a:cs typeface="Arial" panose="020B0604020202020204" pitchFamily="34" charset="0"/>
-                    </a:rPr>
-                    <a:t>STEM fields across </a:t>
-                  </a:r>
-                  <a:r>
-                    <a:rPr lang="en-US" sz="2800" dirty="0">
-                      <a:cs typeface="Arial" panose="020B0604020202020204" pitchFamily="34" charset="0"/>
-                    </a:rPr>
-                    <a:t>selected </a:t>
-                  </a:r>
-                  <a:r>
-                    <a:rPr lang="en-US" sz="2800" dirty="0" smtClean="0">
-                      <a:cs typeface="Arial" panose="020B0604020202020204" pitchFamily="34" charset="0"/>
-                    </a:rPr>
-                    <a:t>states</a:t>
+                    <a:t>Number of Master’s Degrees awarded in STEM fields across selected states</a:t>
                   </a:r>
                 </a:p>
               </p:txBody>
@@ -5608,38 +5469,11 @@
                 <a:p>
                   <a:pPr algn="ctr"/>
                   <a:r>
-                    <a:rPr lang="en-US" sz="2800" dirty="0" smtClean="0">
-                      <a:cs typeface="Arial" panose="020B0604020202020204" pitchFamily="34" charset="0"/>
-                    </a:rPr>
-                    <a:t>Percentage </a:t>
-                  </a:r>
-                  <a:r>
                     <a:rPr lang="en-US" sz="2800" dirty="0">
                       <a:cs typeface="Arial" panose="020B0604020202020204" pitchFamily="34" charset="0"/>
                     </a:rPr>
-                    <a:t>of High </a:t>
+                    <a:t>Percentage of High Tech in Total Employment</a:t>
                   </a:r>
-                  <a:r>
-                    <a:rPr lang="en-US" sz="2800" dirty="0" smtClean="0">
-                      <a:cs typeface="Arial" panose="020B0604020202020204" pitchFamily="34" charset="0"/>
-                    </a:rPr>
-                    <a:t>Tech in </a:t>
-                  </a:r>
-                  <a:r>
-                    <a:rPr lang="en-US" sz="2800" dirty="0">
-                      <a:cs typeface="Arial" panose="020B0604020202020204" pitchFamily="34" charset="0"/>
-                    </a:rPr>
-                    <a:t>Total </a:t>
-                  </a:r>
-                  <a:r>
-                    <a:rPr lang="en-US" sz="2800" dirty="0" smtClean="0">
-                      <a:cs typeface="Arial" panose="020B0604020202020204" pitchFamily="34" charset="0"/>
-                    </a:rPr>
-                    <a:t>Employment</a:t>
-                  </a:r>
-                  <a:endParaRPr lang="en-US" sz="2800" dirty="0">
-                    <a:cs typeface="Arial" panose="020B0604020202020204" pitchFamily="34" charset="0"/>
-                  </a:endParaRPr>
                 </a:p>
                 <a:p>
                   <a:pPr algn="ctr"/>
@@ -5647,25 +5481,7 @@
                     <a:rPr lang="en-US" sz="2800" dirty="0">
                       <a:cs typeface="Arial" panose="020B0604020202020204" pitchFamily="34" charset="0"/>
                     </a:rPr>
-                    <a:t>a</a:t>
-                  </a:r>
-                  <a:r>
-                    <a:rPr lang="en-US" sz="2800" dirty="0" smtClean="0">
-                      <a:cs typeface="Arial" panose="020B0604020202020204" pitchFamily="34" charset="0"/>
-                    </a:rPr>
-                    <a:t>cross the </a:t>
-                  </a:r>
-                  <a:r>
-                    <a:rPr lang="en-US" sz="2800" dirty="0">
-                      <a:cs typeface="Arial" panose="020B0604020202020204" pitchFamily="34" charset="0"/>
-                    </a:rPr>
-                    <a:t>U</a:t>
-                  </a:r>
-                  <a:r>
-                    <a:rPr lang="en-US" sz="2800" dirty="0" smtClean="0">
-                      <a:cs typeface="Arial" panose="020B0604020202020204" pitchFamily="34" charset="0"/>
-                    </a:rPr>
-                    <a:t>nited States</a:t>
+                    <a:t>across the United States</a:t>
                   </a:r>
                 </a:p>
               </p:txBody>
@@ -5770,16 +5586,12 @@
             <a:p>
               <a:pPr algn="ctr"/>
               <a:r>
-                <a:rPr lang="en-US" sz="5400" b="1" dirty="0" smtClean="0">
+                <a:rPr lang="en-US" sz="5400" b="1" dirty="0">
                   <a:latin typeface="Arial" panose="020B0604020202020204" pitchFamily="34" charset="0"/>
                   <a:cs typeface="Arial" panose="020B0604020202020204" pitchFamily="34" charset="0"/>
                 </a:rPr>
                 <a:t>EVALUATION</a:t>
               </a:r>
-              <a:endParaRPr lang="en-US" sz="5400" b="1" dirty="0">
-                <a:latin typeface="Arial" panose="020B0604020202020204" pitchFamily="34" charset="0"/>
-                <a:cs typeface="Arial" panose="020B0604020202020204" pitchFamily="34" charset="0"/>
-              </a:endParaRPr>
             </a:p>
           </p:txBody>
         </p:sp>
@@ -5824,7 +5636,7 @@
         <p:spPr>
           <a:xfrm>
             <a:off x="30410772" y="25172168"/>
-            <a:ext cx="11121333" cy="3970318"/>
+            <a:ext cx="11121333" cy="3539430"/>
           </a:xfrm>
           <a:prstGeom prst="rect">
             <a:avLst/>
@@ -5842,25 +5654,17 @@
               <a:buChar char="•"/>
             </a:pPr>
             <a:r>
-              <a:rPr lang="en-US" sz="2800" b="1" dirty="0" smtClean="0"/>
-              <a:t>The Massachusetts </a:t>
-            </a:r>
-            <a:r>
               <a:rPr lang="en-US" sz="2800" b="1" dirty="0"/>
-              <a:t>High Technology Council </a:t>
+              <a:t>Massachusetts High Technology Council </a:t>
             </a:r>
             <a:r>
               <a:rPr lang="en-US" sz="2800" dirty="0"/>
-              <a:t>for making this project possible and working with Worcester Polytechnic Institute to create and grow </a:t>
-            </a:r>
-            <a:r>
-              <a:rPr lang="en-US" sz="2800" dirty="0" smtClean="0"/>
-              <a:t>MATTERS</a:t>
+              <a:t>for making this project possible by bringing stakeholders together and working with Worcester Polytechnic Institute as technology partner</a:t>
             </a:r>
           </a:p>
           <a:p>
             <a:pPr algn="just"/>
-            <a:endParaRPr lang="en-US" sz="2800" dirty="0" smtClean="0"/>
+            <a:endParaRPr lang="en-US" sz="2800" dirty="0"/>
           </a:p>
           <a:p>
             <a:pPr marL="457200" indent="-457200" algn="just">
@@ -5868,28 +5672,12 @@
               <a:buChar char="•"/>
             </a:pPr>
             <a:r>
-              <a:rPr lang="en-US" sz="2800" b="1" dirty="0" smtClean="0"/>
-              <a:t>Professor </a:t>
-            </a:r>
-            <a:r>
               <a:rPr lang="en-US" sz="2800" b="1" dirty="0"/>
-              <a:t>Elke </a:t>
-            </a:r>
-            <a:r>
-              <a:rPr lang="en-US" sz="2800" b="1" dirty="0" err="1"/>
-              <a:t>Rundensteiner</a:t>
-            </a:r>
-            <a:r>
-              <a:rPr lang="en-US" sz="2800" b="1" dirty="0"/>
-              <a:t> </a:t>
+              <a:t>Professor Elke Rundensteiner </a:t>
             </a:r>
             <a:r>
               <a:rPr lang="en-US" sz="2800" dirty="0"/>
-              <a:t>from WPI for her assistance and guidance throughout the entire </a:t>
-            </a:r>
-            <a:r>
-              <a:rPr lang="en-US" sz="2800" dirty="0" smtClean="0"/>
-              <a:t>project</a:t>
+              <a:t>for her guidance throughout project</a:t>
             </a:r>
           </a:p>
           <a:p>
@@ -5902,22 +5690,17 @@
               <a:buChar char="•"/>
             </a:pPr>
             <a:r>
-              <a:rPr lang="en-US" sz="2800" b="1" dirty="0" smtClean="0"/>
-              <a:t>Caitlin </a:t>
-            </a:r>
-            <a:r>
               <a:rPr lang="en-US" sz="2800" b="1" dirty="0"/>
-              <a:t>Kuhlman </a:t>
+              <a:t>Caitlin Kuhlman </a:t>
+            </a:r>
+            <a:r>
+              <a:rPr lang="en-US" sz="2800" dirty="0" smtClean="0"/>
+              <a:t>PhD </a:t>
             </a:r>
             <a:r>
               <a:rPr lang="en-US" sz="2800" dirty="0"/>
-              <a:t>from WPI for her help throughout the project and providing guidance and feedback on all aspects of the </a:t>
-            </a:r>
-            <a:r>
-              <a:rPr lang="en-US" sz="2800" dirty="0" smtClean="0"/>
-              <a:t>project</a:t>
-            </a:r>
-            <a:endParaRPr lang="en-US" sz="2800" dirty="0"/>
+              <a:t>student from WPI for her assistance on all aspects of the project</a:t>
+            </a:r>
           </a:p>
         </p:txBody>
       </p:sp>
@@ -6167,16 +5950,12 @@
             <a:p>
               <a:pPr algn="ctr"/>
               <a:r>
-                <a:rPr lang="en-US" sz="5400" b="1" dirty="0" smtClean="0">
+                <a:rPr lang="en-US" sz="5400" b="1" dirty="0">
                   <a:latin typeface="Arial" panose="020B0604020202020204" pitchFamily="34" charset="0"/>
                   <a:cs typeface="Arial" panose="020B0604020202020204" pitchFamily="34" charset="0"/>
                 </a:rPr>
                 <a:t>ACKNOWLEDGEMENTS</a:t>
               </a:r>
-              <a:endParaRPr lang="en-US" sz="5400" b="1" dirty="0">
-                <a:latin typeface="Arial" panose="020B0604020202020204" pitchFamily="34" charset="0"/>
-                <a:cs typeface="Arial" panose="020B0604020202020204" pitchFamily="34" charset="0"/>
-              </a:endParaRPr>
             </a:p>
           </p:txBody>
         </p:sp>
@@ -6220,7 +5999,7 @@
         </p:nvSpPr>
         <p:spPr>
           <a:xfrm>
-            <a:off x="15038550" y="18228001"/>
+            <a:off x="15038550" y="18780566"/>
             <a:ext cx="13644418" cy="9075783"/>
           </a:xfrm>
           <a:prstGeom prst="rect">
@@ -6296,16 +6075,12 @@
             <a:p>
               <a:pPr algn="ctr"/>
               <a:r>
-                <a:rPr lang="en-US" sz="5400" b="1" dirty="0" smtClean="0">
+                <a:rPr lang="en-US" sz="5400" b="1" dirty="0">
                   <a:latin typeface="Arial" panose="020B0604020202020204" pitchFamily="34" charset="0"/>
                   <a:cs typeface="Arial" panose="020B0604020202020204" pitchFamily="34" charset="0"/>
                 </a:rPr>
-                <a:t>PUBLIC FACING API</a:t>
+                <a:t>API DOCUMENTATION</a:t>
               </a:r>
-              <a:endParaRPr lang="en-US" sz="5400" b="1" dirty="0">
-                <a:latin typeface="Arial" panose="020B0604020202020204" pitchFamily="34" charset="0"/>
-                <a:cs typeface="Arial" panose="020B0604020202020204" pitchFamily="34" charset="0"/>
-              </a:endParaRPr>
             </a:p>
           </p:txBody>
         </p:sp>
@@ -6480,14 +6255,500 @@
         </p:blipFill>
         <p:spPr>
           <a:xfrm>
-            <a:off x="29624067" y="15203049"/>
-            <a:ext cx="11755638" cy="7298136"/>
+            <a:off x="30315910" y="15113620"/>
+            <a:ext cx="11560752" cy="7177147"/>
           </a:xfrm>
           <a:prstGeom prst="rect">
             <a:avLst/>
           </a:prstGeom>
         </p:spPr>
       </p:pic>
+      <p:pic>
+        <p:nvPicPr>
+          <p:cNvPr id="6" name="Picture 5"/>
+          <p:cNvPicPr>
+            <a:picLocks noChangeAspect="1"/>
+          </p:cNvPicPr>
+          <p:nvPr/>
+        </p:nvPicPr>
+        <p:blipFill rotWithShape="1">
+          <a:blip r:embed="rId26">
+            <a:extLst>
+              <a:ext uri="{28A0092B-C50C-407E-A947-70E740481C1C}">
+                <a14:useLocalDpi xmlns:a14="http://schemas.microsoft.com/office/drawing/2010/main" val="0"/>
+              </a:ext>
+            </a:extLst>
+          </a:blip>
+          <a:srcRect t="15865" r="16116" b="-4615"/>
+          <a:stretch/>
+        </p:blipFill>
+        <p:spPr>
+          <a:xfrm>
+            <a:off x="15215807" y="14515719"/>
+            <a:ext cx="9985390" cy="7477338"/>
+          </a:xfrm>
+          <a:prstGeom prst="rect">
+            <a:avLst/>
+          </a:prstGeom>
+        </p:spPr>
+      </p:pic>
+      <p:sp>
+        <p:nvSpPr>
+          <p:cNvPr id="8" name="TextBox 7"/>
+          <p:cNvSpPr txBox="1"/>
+          <p:nvPr/>
+        </p:nvSpPr>
+        <p:spPr>
+          <a:xfrm>
+            <a:off x="30136635" y="5469812"/>
+            <a:ext cx="11609275" cy="5509200"/>
+          </a:xfrm>
+          <a:prstGeom prst="rect">
+            <a:avLst/>
+          </a:prstGeom>
+          <a:noFill/>
+        </p:spPr>
+        <p:txBody>
+          <a:bodyPr wrap="square" rtlCol="0">
+            <a:spAutoFit/>
+          </a:bodyPr>
+          <a:lstStyle/>
+          <a:p>
+            <a:pPr marL="457200" indent="-457200">
+              <a:buFont typeface="Arial" charset="0"/>
+              <a:buChar char="•"/>
+            </a:pPr>
+            <a:r>
+              <a:rPr lang="en-US" sz="3200" b="1" dirty="0" smtClean="0"/>
+              <a:t>Application Program Interface </a:t>
+            </a:r>
+            <a:r>
+              <a:rPr lang="en-US" sz="3200" b="1" dirty="0"/>
+              <a:t>(API) </a:t>
+            </a:r>
+            <a:r>
+              <a:rPr lang="en-US" sz="3200" b="1" dirty="0" smtClean="0"/>
+              <a:t>- </a:t>
+            </a:r>
+            <a:r>
+              <a:rPr lang="en-US" sz="3200" b="1" dirty="0"/>
+              <a:t>code that allows two software programs to communicate with each other</a:t>
+            </a:r>
+          </a:p>
+          <a:p>
+            <a:pPr marL="457200" indent="-457200">
+              <a:buFont typeface="Arial" charset="0"/>
+              <a:buChar char="•"/>
+            </a:pPr>
+            <a:endParaRPr lang="en-US" sz="3200" b="1" dirty="0"/>
+          </a:p>
+          <a:p>
+            <a:pPr marL="457200" indent="-457200">
+              <a:buFont typeface="Arial" charset="0"/>
+              <a:buChar char="•"/>
+            </a:pPr>
+            <a:r>
+              <a:rPr lang="en-US" sz="3200" b="1" dirty="0" smtClean="0"/>
+              <a:t>Allows other software systems to make use of MATTERS data and analytics</a:t>
+            </a:r>
+          </a:p>
+          <a:p>
+            <a:pPr marL="457200" indent="-457200">
+              <a:buFont typeface="Arial" charset="0"/>
+              <a:buChar char="•"/>
+            </a:pPr>
+            <a:endParaRPr lang="en-US" sz="3200" b="1" dirty="0" smtClean="0"/>
+          </a:p>
+          <a:p>
+            <a:pPr marL="457200" indent="-457200">
+              <a:buFont typeface="Arial" charset="0"/>
+              <a:buChar char="•"/>
+            </a:pPr>
+            <a:r>
+              <a:rPr lang="en-US" sz="3200" b="1" dirty="0" smtClean="0"/>
+              <a:t>API controller returns states and metrics information, as well as data for requested metrics, states and years.</a:t>
+            </a:r>
+          </a:p>
+          <a:p>
+            <a:pPr marL="457200" indent="-457200">
+              <a:buFont typeface="Arial" charset="0"/>
+              <a:buChar char="•"/>
+            </a:pPr>
+            <a:endParaRPr lang="en-US" sz="3200" b="1" dirty="0" smtClean="0"/>
+          </a:p>
+          <a:p>
+            <a:pPr marL="457200" indent="-457200">
+              <a:buFont typeface="Arial" charset="0"/>
+              <a:buChar char="•"/>
+            </a:pPr>
+            <a:r>
+              <a:rPr lang="en-US" sz="3200" b="1" dirty="0" smtClean="0"/>
+              <a:t>End users are programmers – they can easily use MATTERS data in their software</a:t>
+            </a:r>
+            <a:endParaRPr lang="en-US" sz="3200" dirty="0"/>
+          </a:p>
+        </p:txBody>
+      </p:sp>
+      <p:pic>
+        <p:nvPicPr>
+          <p:cNvPr id="2" name="Picture 1"/>
+          <p:cNvPicPr>
+            <a:picLocks noChangeAspect="1"/>
+          </p:cNvPicPr>
+          <p:nvPr/>
+        </p:nvPicPr>
+        <p:blipFill rotWithShape="1">
+          <a:blip r:embed="rId27">
+            <a:extLst>
+              <a:ext uri="{28A0092B-C50C-407E-A947-70E740481C1C}">
+                <a14:useLocalDpi xmlns:a14="http://schemas.microsoft.com/office/drawing/2010/main" val="0"/>
+              </a:ext>
+            </a:extLst>
+          </a:blip>
+          <a:srcRect t="-2" b="47829"/>
+          <a:stretch/>
+        </p:blipFill>
+        <p:spPr>
+          <a:xfrm>
+            <a:off x="19837544" y="17460483"/>
+            <a:ext cx="8394700" cy="5669280"/>
+          </a:xfrm>
+          <a:prstGeom prst="rect">
+            <a:avLst/>
+          </a:prstGeom>
+          <a:ln>
+            <a:solidFill>
+              <a:schemeClr val="bg1">
+                <a:lumMod val="65000"/>
+              </a:schemeClr>
+            </a:solidFill>
+          </a:ln>
+        </p:spPr>
+      </p:pic>
+      <p:sp>
+        <p:nvSpPr>
+          <p:cNvPr id="12" name="TextBox 11"/>
+          <p:cNvSpPr txBox="1"/>
+          <p:nvPr/>
+        </p:nvSpPr>
+        <p:spPr>
+          <a:xfrm>
+            <a:off x="15518968" y="14028253"/>
+            <a:ext cx="4661247" cy="584775"/>
+          </a:xfrm>
+          <a:prstGeom prst="rect">
+            <a:avLst/>
+          </a:prstGeom>
+          <a:noFill/>
+        </p:spPr>
+        <p:txBody>
+          <a:bodyPr wrap="square" rtlCol="0">
+            <a:spAutoFit/>
+          </a:bodyPr>
+          <a:lstStyle/>
+          <a:p>
+            <a:r>
+              <a:rPr lang="en-US" sz="3200" dirty="0"/>
+              <a:t>Outputting extracted data</a:t>
+            </a:r>
+          </a:p>
+        </p:txBody>
+      </p:sp>
+      <p:sp>
+        <p:nvSpPr>
+          <p:cNvPr id="14" name="TextBox 13"/>
+          <p:cNvSpPr txBox="1"/>
+          <p:nvPr/>
+        </p:nvSpPr>
+        <p:spPr>
+          <a:xfrm>
+            <a:off x="16075009" y="23831254"/>
+            <a:ext cx="9126188" cy="584775"/>
+          </a:xfrm>
+          <a:prstGeom prst="rect">
+            <a:avLst/>
+          </a:prstGeom>
+          <a:noFill/>
+        </p:spPr>
+        <p:txBody>
+          <a:bodyPr wrap="square" rtlCol="0">
+            <a:spAutoFit/>
+          </a:bodyPr>
+          <a:lstStyle/>
+          <a:p>
+            <a:r>
+              <a:rPr lang="en-US" sz="3200" dirty="0"/>
+              <a:t>Visualizing custom made metrics in the Data Explorer</a:t>
+            </a:r>
+          </a:p>
+        </p:txBody>
+      </p:sp>
+      <p:sp>
+        <p:nvSpPr>
+          <p:cNvPr id="17" name="TextBox 16"/>
+          <p:cNvSpPr txBox="1"/>
+          <p:nvPr/>
+        </p:nvSpPr>
+        <p:spPr>
+          <a:xfrm>
+            <a:off x="16852474" y="13066012"/>
+            <a:ext cx="10443288" cy="584775"/>
+          </a:xfrm>
+          <a:prstGeom prst="rect">
+            <a:avLst/>
+          </a:prstGeom>
+          <a:noFill/>
+        </p:spPr>
+        <p:txBody>
+          <a:bodyPr wrap="square" rtlCol="0">
+            <a:spAutoFit/>
+          </a:bodyPr>
+          <a:lstStyle/>
+          <a:p>
+            <a:r>
+              <a:rPr lang="en-US" sz="3200" dirty="0"/>
+              <a:t>MATTERS’ custom talent index displayed on home page</a:t>
+            </a:r>
+          </a:p>
+        </p:txBody>
+      </p:sp>
+      <p:sp>
+        <p:nvSpPr>
+          <p:cNvPr id="93" name="TextBox 92"/>
+          <p:cNvSpPr txBox="1"/>
+          <p:nvPr/>
+        </p:nvSpPr>
+        <p:spPr>
+          <a:xfrm>
+            <a:off x="1512146" y="24913183"/>
+            <a:ext cx="12792374" cy="6494085"/>
+          </a:xfrm>
+          <a:prstGeom prst="rect">
+            <a:avLst/>
+          </a:prstGeom>
+          <a:noFill/>
+        </p:spPr>
+        <p:txBody>
+          <a:bodyPr wrap="square" rtlCol="0">
+            <a:spAutoFit/>
+          </a:bodyPr>
+          <a:lstStyle/>
+          <a:p>
+            <a:pPr marL="0" lvl="1" algn="ctr"/>
+            <a:r>
+              <a:rPr lang="en-US" sz="3200" b="1" dirty="0">
+                <a:cs typeface="Times New Roman" panose="02020603050405020304" pitchFamily="18" charset="0"/>
+              </a:rPr>
+              <a:t>Metric Builder and API Documentation User Studies</a:t>
+            </a:r>
+          </a:p>
+          <a:p>
+            <a:endParaRPr lang="en-US" sz="3200" dirty="0">
+              <a:cs typeface="Times New Roman" panose="02020603050405020304" pitchFamily="18" charset="0"/>
+            </a:endParaRPr>
+          </a:p>
+          <a:p>
+            <a:pPr marL="457200" indent="-457200">
+              <a:buFont typeface="Arial" panose="020B0604020202020204" pitchFamily="34" charset="0"/>
+              <a:buChar char="•"/>
+            </a:pPr>
+            <a:r>
+              <a:rPr lang="en-US" sz="3200" dirty="0">
+                <a:cs typeface="Times New Roman" panose="02020603050405020304" pitchFamily="18" charset="0"/>
+              </a:rPr>
+              <a:t>14 WPI students took part in a user study to test both the Metric Builder and API Documentation</a:t>
+            </a:r>
+          </a:p>
+          <a:p>
+            <a:pPr marL="457200" indent="-457200">
+              <a:buFont typeface="Arial" panose="020B0604020202020204" pitchFamily="34" charset="0"/>
+              <a:buChar char="•"/>
+            </a:pPr>
+            <a:endParaRPr lang="en-US" sz="3200" dirty="0">
+              <a:cs typeface="Times New Roman" panose="02020603050405020304" pitchFamily="18" charset="0"/>
+            </a:endParaRPr>
+          </a:p>
+          <a:p>
+            <a:pPr marL="457200" indent="-457200">
+              <a:buFont typeface="Arial" panose="020B0604020202020204" pitchFamily="34" charset="0"/>
+              <a:buChar char="•"/>
+            </a:pPr>
+            <a:r>
+              <a:rPr lang="en-US" sz="3200" dirty="0">
+                <a:cs typeface="Times New Roman" panose="02020603050405020304" pitchFamily="18" charset="0"/>
+              </a:rPr>
+              <a:t>Students rated the ease of use of both features through a survey and provided additional feedback</a:t>
+            </a:r>
+          </a:p>
+          <a:p>
+            <a:pPr marL="457200" indent="-457200">
+              <a:buFont typeface="Arial" panose="020B0604020202020204" pitchFamily="34" charset="0"/>
+              <a:buChar char="•"/>
+            </a:pPr>
+            <a:endParaRPr lang="en-US" sz="3200" dirty="0">
+              <a:cs typeface="Times New Roman" panose="02020603050405020304" pitchFamily="18" charset="0"/>
+            </a:endParaRPr>
+          </a:p>
+          <a:p>
+            <a:pPr marL="457200" indent="-457200">
+              <a:buFont typeface="Arial" panose="020B0604020202020204" pitchFamily="34" charset="0"/>
+              <a:buChar char="•"/>
+            </a:pPr>
+            <a:r>
+              <a:rPr lang="en-US" sz="3200" dirty="0">
+                <a:cs typeface="Times New Roman" panose="02020603050405020304" pitchFamily="18" charset="0"/>
+              </a:rPr>
+              <a:t>As a result of the user feedback, the API Documentation link was put in an easier to locate place at the footer, and the way to edit a custom metric was made more clear</a:t>
+            </a:r>
+          </a:p>
+          <a:p>
+            <a:pPr marL="457200" indent="-457200">
+              <a:buFont typeface="Arial" panose="020B0604020202020204" pitchFamily="34" charset="0"/>
+              <a:buChar char="•"/>
+            </a:pPr>
+            <a:endParaRPr lang="en-US" sz="3200" dirty="0">
+              <a:cs typeface="Times New Roman" panose="02020603050405020304" pitchFamily="18" charset="0"/>
+            </a:endParaRPr>
+          </a:p>
+          <a:p>
+            <a:pPr marL="457200" indent="-457200">
+              <a:buFont typeface="Arial" panose="020B0604020202020204" pitchFamily="34" charset="0"/>
+              <a:buChar char="•"/>
+            </a:pPr>
+            <a:r>
+              <a:rPr lang="en-US" sz="3200" dirty="0">
+                <a:cs typeface="Times New Roman" panose="02020603050405020304" pitchFamily="18" charset="0"/>
+              </a:rPr>
+              <a:t>Overall our features were found to be highly intuitive</a:t>
+            </a:r>
+          </a:p>
+        </p:txBody>
+      </p:sp>
+      <p:pic>
+        <p:nvPicPr>
+          <p:cNvPr id="20" name="Picture 19"/>
+          <p:cNvPicPr>
+            <a:picLocks noChangeAspect="1"/>
+          </p:cNvPicPr>
+          <p:nvPr/>
+        </p:nvPicPr>
+        <p:blipFill>
+          <a:blip r:embed="rId28"/>
+          <a:stretch>
+            <a:fillRect/>
+          </a:stretch>
+        </p:blipFill>
+        <p:spPr>
+          <a:xfrm>
+            <a:off x="15940582" y="24547809"/>
+            <a:ext cx="11662726" cy="6025893"/>
+          </a:xfrm>
+          <a:prstGeom prst="rect">
+            <a:avLst/>
+          </a:prstGeom>
+        </p:spPr>
+      </p:pic>
+      <p:sp>
+        <p:nvSpPr>
+          <p:cNvPr id="21" name="TextBox 20"/>
+          <p:cNvSpPr txBox="1"/>
+          <p:nvPr/>
+        </p:nvSpPr>
+        <p:spPr>
+          <a:xfrm>
+            <a:off x="1276234" y="15154620"/>
+            <a:ext cx="3254002" cy="6986528"/>
+          </a:xfrm>
+          <a:prstGeom prst="rect">
+            <a:avLst/>
+          </a:prstGeom>
+          <a:noFill/>
+        </p:spPr>
+        <p:txBody>
+          <a:bodyPr wrap="square" rtlCol="0">
+            <a:spAutoFit/>
+          </a:bodyPr>
+          <a:lstStyle/>
+          <a:p>
+            <a:pPr marL="342900" indent="-342900">
+              <a:buFont typeface="Arial" panose="020B0604020202020204" pitchFamily="34" charset="0"/>
+              <a:buChar char="•"/>
+            </a:pPr>
+            <a:r>
+              <a:rPr lang="en-US" sz="2800" dirty="0"/>
+              <a:t>Create custom indices using pre-existing metrics</a:t>
+            </a:r>
+          </a:p>
+          <a:p>
+            <a:pPr marL="342900" indent="-342900">
+              <a:buFont typeface="Arial" panose="020B0604020202020204" pitchFamily="34" charset="0"/>
+              <a:buChar char="•"/>
+            </a:pPr>
+            <a:endParaRPr lang="en-US" sz="2800" dirty="0"/>
+          </a:p>
+          <a:p>
+            <a:pPr marL="342900" indent="-342900">
+              <a:buFont typeface="Arial" panose="020B0604020202020204" pitchFamily="34" charset="0"/>
+              <a:buChar char="•"/>
+            </a:pPr>
+            <a:r>
+              <a:rPr lang="en-US" sz="2800" dirty="0"/>
+              <a:t>Assign weights to components and normalize</a:t>
+            </a:r>
+          </a:p>
+          <a:p>
+            <a:pPr marL="342900" indent="-342900">
+              <a:buFont typeface="Arial" panose="020B0604020202020204" pitchFamily="34" charset="0"/>
+              <a:buChar char="•"/>
+            </a:pPr>
+            <a:endParaRPr lang="en-US" sz="2800" dirty="0"/>
+          </a:p>
+          <a:p>
+            <a:pPr marL="342900" indent="-342900">
+              <a:buFont typeface="Arial" panose="020B0604020202020204" pitchFamily="34" charset="0"/>
+              <a:buChar char="•"/>
+            </a:pPr>
+            <a:r>
+              <a:rPr lang="en-US" sz="2800" dirty="0"/>
+              <a:t>Edit or delete your metric</a:t>
+            </a:r>
+          </a:p>
+          <a:p>
+            <a:pPr marL="342900" indent="-342900">
+              <a:buFont typeface="Arial" panose="020B0604020202020204" pitchFamily="34" charset="0"/>
+              <a:buChar char="•"/>
+            </a:pPr>
+            <a:endParaRPr lang="en-US" sz="2800" dirty="0"/>
+          </a:p>
+          <a:p>
+            <a:pPr marL="342900" indent="-342900">
+              <a:buFont typeface="Arial" panose="020B0604020202020204" pitchFamily="34" charset="0"/>
+              <a:buChar char="•"/>
+            </a:pPr>
+            <a:r>
+              <a:rPr lang="en-US" sz="2800" dirty="0"/>
+              <a:t>Save your metric</a:t>
+            </a:r>
+          </a:p>
+          <a:p>
+            <a:pPr marL="342900" indent="-342900">
+              <a:buFont typeface="Arial" panose="020B0604020202020204" pitchFamily="34" charset="0"/>
+              <a:buChar char="•"/>
+            </a:pPr>
+            <a:endParaRPr lang="en-US" sz="2800" dirty="0"/>
+          </a:p>
+          <a:p>
+            <a:pPr marL="342900" indent="-342900">
+              <a:buFont typeface="Arial" panose="020B0604020202020204" pitchFamily="34" charset="0"/>
+              <a:buChar char="•"/>
+            </a:pPr>
+            <a:r>
+              <a:rPr lang="en-US" sz="2800" dirty="0"/>
+              <a:t>Visualize your custom metric seamlessly</a:t>
+            </a:r>
+          </a:p>
+        </p:txBody>
+      </p:sp>
     </p:spTree>
     <p:extLst>
       <p:ext uri="{BB962C8B-B14F-4D97-AF65-F5344CB8AC3E}">
@@ -6498,13 +6759,6 @@
   <p:clrMapOvr>
     <a:masterClrMapping/>
   </p:clrMapOvr>
-  <p:timing>
-    <p:tnLst>
-      <p:par>
-        <p:cTn id="1" dur="indefinite" restart="never" nodeType="tmRoot"/>
-      </p:par>
-    </p:tnLst>
-  </p:timing>
 </p:sld>
 </file>
 

--- a/mqp_poster.pptx
+++ b/mqp_poster.pptx
@@ -302,7 +302,7 @@
           <a:p>
             <a:fld id="{608AD488-8197-41BF-AA78-15689F5CA829}" type="datetimeFigureOut">
               <a:rPr lang="en-US" smtClean="0"/>
-              <a:t>4/14/16</a:t>
+              <a:t>4/14/2016</a:t>
             </a:fld>
             <a:endParaRPr lang="en-US"/>
           </a:p>
@@ -470,7 +470,7 @@
           <a:p>
             <a:fld id="{608AD488-8197-41BF-AA78-15689F5CA829}" type="datetimeFigureOut">
               <a:rPr lang="en-US" smtClean="0"/>
-              <a:t>4/14/16</a:t>
+              <a:t>4/14/2016</a:t>
             </a:fld>
             <a:endParaRPr lang="en-US"/>
           </a:p>
@@ -648,7 +648,7 @@
           <a:p>
             <a:fld id="{608AD488-8197-41BF-AA78-15689F5CA829}" type="datetimeFigureOut">
               <a:rPr lang="en-US" smtClean="0"/>
-              <a:t>4/14/16</a:t>
+              <a:t>4/14/2016</a:t>
             </a:fld>
             <a:endParaRPr lang="en-US"/>
           </a:p>
@@ -816,7 +816,7 @@
           <a:p>
             <a:fld id="{608AD488-8197-41BF-AA78-15689F5CA829}" type="datetimeFigureOut">
               <a:rPr lang="en-US" smtClean="0"/>
-              <a:t>4/14/16</a:t>
+              <a:t>4/14/2016</a:t>
             </a:fld>
             <a:endParaRPr lang="en-US"/>
           </a:p>
@@ -1061,7 +1061,7 @@
           <a:p>
             <a:fld id="{608AD488-8197-41BF-AA78-15689F5CA829}" type="datetimeFigureOut">
               <a:rPr lang="en-US" smtClean="0"/>
-              <a:t>4/14/16</a:t>
+              <a:t>4/14/2016</a:t>
             </a:fld>
             <a:endParaRPr lang="en-US"/>
           </a:p>
@@ -1346,7 +1346,7 @@
           <a:p>
             <a:fld id="{608AD488-8197-41BF-AA78-15689F5CA829}" type="datetimeFigureOut">
               <a:rPr lang="en-US" smtClean="0"/>
-              <a:t>4/14/16</a:t>
+              <a:t>4/14/2016</a:t>
             </a:fld>
             <a:endParaRPr lang="en-US"/>
           </a:p>
@@ -1765,7 +1765,7 @@
           <a:p>
             <a:fld id="{608AD488-8197-41BF-AA78-15689F5CA829}" type="datetimeFigureOut">
               <a:rPr lang="en-US" smtClean="0"/>
-              <a:t>4/14/16</a:t>
+              <a:t>4/14/2016</a:t>
             </a:fld>
             <a:endParaRPr lang="en-US"/>
           </a:p>
@@ -1882,7 +1882,7 @@
           <a:p>
             <a:fld id="{608AD488-8197-41BF-AA78-15689F5CA829}" type="datetimeFigureOut">
               <a:rPr lang="en-US" smtClean="0"/>
-              <a:t>4/14/16</a:t>
+              <a:t>4/14/2016</a:t>
             </a:fld>
             <a:endParaRPr lang="en-US"/>
           </a:p>
@@ -1977,7 +1977,7 @@
           <a:p>
             <a:fld id="{608AD488-8197-41BF-AA78-15689F5CA829}" type="datetimeFigureOut">
               <a:rPr lang="en-US" smtClean="0"/>
-              <a:t>4/14/16</a:t>
+              <a:t>4/14/2016</a:t>
             </a:fld>
             <a:endParaRPr lang="en-US"/>
           </a:p>
@@ -2252,7 +2252,7 @@
           <a:p>
             <a:fld id="{608AD488-8197-41BF-AA78-15689F5CA829}" type="datetimeFigureOut">
               <a:rPr lang="en-US" smtClean="0"/>
-              <a:t>4/14/16</a:t>
+              <a:t>4/14/2016</a:t>
             </a:fld>
             <a:endParaRPr lang="en-US"/>
           </a:p>
@@ -2504,7 +2504,7 @@
           <a:p>
             <a:fld id="{608AD488-8197-41BF-AA78-15689F5CA829}" type="datetimeFigureOut">
               <a:rPr lang="en-US" smtClean="0"/>
-              <a:t>4/14/16</a:t>
+              <a:t>4/14/2016</a:t>
             </a:fld>
             <a:endParaRPr lang="en-US"/>
           </a:p>
@@ -2715,7 +2715,7 @@
           <a:p>
             <a:fld id="{608AD488-8197-41BF-AA78-15689F5CA829}" type="datetimeFigureOut">
               <a:rPr lang="en-US" smtClean="0"/>
-              <a:t>4/14/16</a:t>
+              <a:t>4/14/2016</a:t>
             </a:fld>
             <a:endParaRPr lang="en-US"/>
           </a:p>
@@ -4788,7 +4788,7 @@
         <p:spPr>
           <a:xfrm>
             <a:off x="1280517" y="5792603"/>
-            <a:ext cx="12792374" cy="6124754"/>
+            <a:ext cx="12792374" cy="5632311"/>
           </a:xfrm>
           <a:prstGeom prst="rect">
             <a:avLst/>
@@ -4844,8 +4844,23 @@
               <a:rPr lang="en-US" sz="3200" dirty="0">
                 <a:cs typeface="Times New Roman" panose="02020603050405020304" pitchFamily="18" charset="0"/>
               </a:rPr>
-              <a:t>Provide access to high fidelity cost, talent and economic metrics, as well as independent national rankings and be able to use these metrics as a part of their own economic indicators.</a:t>
-            </a:r>
+              <a:t>Provide access to </a:t>
+            </a:r>
+            <a:r>
+              <a:rPr lang="en-US" sz="3200" dirty="0" smtClean="0">
+                <a:cs typeface="Times New Roman" panose="02020603050405020304" pitchFamily="18" charset="0"/>
+              </a:rPr>
+              <a:t>pre-existing metrics </a:t>
+            </a:r>
+            <a:r>
+              <a:rPr lang="en-US" sz="3200" dirty="0" smtClean="0">
+                <a:cs typeface="Times New Roman" panose="02020603050405020304" pitchFamily="18" charset="0"/>
+              </a:rPr>
+              <a:t>and be able to use these metrics as a part of their own economic indicators.</a:t>
+            </a:r>
+            <a:endParaRPr lang="en-US" sz="3200" dirty="0">
+              <a:cs typeface="Times New Roman" panose="02020603050405020304" pitchFamily="18" charset="0"/>
+            </a:endParaRPr>
           </a:p>
           <a:p>
             <a:pPr marL="457200" indent="-457200">
@@ -6710,8 +6725,13 @@
             </a:pPr>
             <a:r>
               <a:rPr lang="en-US" sz="2800" dirty="0"/>
-              <a:t>Edit or delete your metric</a:t>
-            </a:r>
+              <a:t>Edit or delete your </a:t>
+            </a:r>
+            <a:r>
+              <a:rPr lang="en-US" sz="2800" dirty="0" smtClean="0"/>
+              <a:t>metric</a:t>
+            </a:r>
+            <a:endParaRPr lang="en-US" sz="2800" dirty="0"/>
           </a:p>
           <a:p>
             <a:pPr marL="342900" indent="-342900">
@@ -6744,7 +6764,19 @@
             </a:pPr>
             <a:r>
               <a:rPr lang="en-US" sz="2800" dirty="0"/>
-              <a:t>Visualize your custom metric seamlessly</a:t>
+              <a:t>Visualize your custom </a:t>
+            </a:r>
+            <a:r>
+              <a:rPr lang="en-US" sz="2800" dirty="0" smtClean="0"/>
+              <a:t>metric</a:t>
+            </a:r>
+            <a:r>
+              <a:rPr lang="en-US" sz="2800" dirty="0" smtClean="0"/>
+              <a:t> </a:t>
+            </a:r>
+            <a:r>
+              <a:rPr lang="en-US" sz="2800" dirty="0"/>
+              <a:t>seamlessly</a:t>
             </a:r>
           </a:p>
         </p:txBody>

--- a/mqp_poster.pptx
+++ b/mqp_poster.pptx
@@ -4236,7 +4236,7 @@
         </p:blipFill>
         <p:spPr>
           <a:xfrm>
-            <a:off x="33104408" y="29698768"/>
+            <a:off x="33111326" y="30320058"/>
             <a:ext cx="5853002" cy="1509748"/>
           </a:xfrm>
           <a:prstGeom prst="rect">
@@ -4850,13 +4850,7 @@
               <a:rPr lang="en-US" sz="3200" dirty="0" smtClean="0">
                 <a:cs typeface="Times New Roman" panose="02020603050405020304" pitchFamily="18" charset="0"/>
               </a:rPr>
-              <a:t>pre-existing metrics </a:t>
-            </a:r>
-            <a:r>
-              <a:rPr lang="en-US" sz="3200" dirty="0" smtClean="0">
-                <a:cs typeface="Times New Roman" panose="02020603050405020304" pitchFamily="18" charset="0"/>
-              </a:rPr>
-              <a:t>and be able to use these metrics as a part of their own economic indicators.</a:t>
+              <a:t>pre-existing metrics and be able to use these metrics as a part of their own economic indicators.</a:t>
             </a:r>
             <a:endParaRPr lang="en-US" sz="3200" dirty="0">
               <a:cs typeface="Times New Roman" panose="02020603050405020304" pitchFamily="18" charset="0"/>
@@ -5650,8 +5644,8 @@
         </p:nvSpPr>
         <p:spPr>
           <a:xfrm>
-            <a:off x="30410772" y="25172168"/>
-            <a:ext cx="11121333" cy="3539430"/>
+            <a:off x="30087310" y="24821534"/>
+            <a:ext cx="11121333" cy="5693866"/>
           </a:xfrm>
           <a:prstGeom prst="rect">
             <a:avLst/>
@@ -5664,13 +5658,46 @@
           </a:bodyPr>
           <a:lstStyle/>
           <a:p>
+            <a:pPr algn="just"/>
+            <a:r>
+              <a:rPr lang="en-US" sz="2800" b="1" dirty="0" smtClean="0"/>
+              <a:t>Impact:</a:t>
+            </a:r>
+          </a:p>
+          <a:p>
             <a:pPr marL="457200" indent="-457200" algn="just">
               <a:buFont typeface="Arial" panose="020B0604020202020204" pitchFamily="34" charset="0"/>
               <a:buChar char="•"/>
             </a:pPr>
             <a:r>
+              <a:rPr lang="en-US" sz="2800" dirty="0" smtClean="0"/>
+              <a:t>MATTERS usability extended key features to be deployed to public domain as MATTERS 2.0</a:t>
+            </a:r>
+          </a:p>
+          <a:p>
+            <a:pPr algn="just"/>
+            <a:endParaRPr lang="en-US" sz="2800" b="1" dirty="0" smtClean="0"/>
+          </a:p>
+          <a:p>
+            <a:pPr algn="just"/>
+            <a:r>
+              <a:rPr lang="en-US" sz="2800" b="1" dirty="0" smtClean="0"/>
+              <a:t>Acknowledgements:</a:t>
+            </a:r>
+            <a:endParaRPr lang="en-US" sz="2800" b="1" dirty="0" smtClean="0"/>
+          </a:p>
+          <a:p>
+            <a:pPr marL="457200" indent="-457200" algn="just">
+              <a:buFont typeface="Arial" panose="020B0604020202020204" pitchFamily="34" charset="0"/>
+              <a:buChar char="•"/>
+            </a:pPr>
+            <a:r>
+              <a:rPr lang="en-US" sz="2800" b="1" dirty="0" smtClean="0"/>
+              <a:t>Massachusetts </a:t>
+            </a:r>
+            <a:r>
               <a:rPr lang="en-US" sz="2800" b="1" dirty="0"/>
-              <a:t>Massachusetts High Technology Council </a:t>
+              <a:t>High Technology Council </a:t>
             </a:r>
             <a:r>
               <a:rPr lang="en-US" sz="2800" dirty="0"/>
@@ -5965,12 +5992,16 @@
             <a:p>
               <a:pPr algn="ctr"/>
               <a:r>
-                <a:rPr lang="en-US" sz="5400" b="1" dirty="0">
+                <a:rPr lang="en-US" sz="5400" b="1" dirty="0" smtClean="0">
                   <a:latin typeface="Arial" panose="020B0604020202020204" pitchFamily="34" charset="0"/>
                   <a:cs typeface="Arial" panose="020B0604020202020204" pitchFamily="34" charset="0"/>
                 </a:rPr>
-                <a:t>ACKNOWLEDGEMENTS</a:t>
+                <a:t>IMPACT &amp; ACKNOWLEDGEMENTS</a:t>
               </a:r>
+              <a:endParaRPr lang="en-US" sz="5400" b="1" dirty="0">
+                <a:latin typeface="Arial" panose="020B0604020202020204" pitchFamily="34" charset="0"/>
+                <a:cs typeface="Arial" panose="020B0604020202020204" pitchFamily="34" charset="0"/>
+              </a:endParaRPr>
             </a:p>
           </p:txBody>
         </p:sp>
@@ -6334,19 +6365,19 @@
               <a:buChar char="•"/>
             </a:pPr>
             <a:r>
-              <a:rPr lang="en-US" sz="3200" b="1" dirty="0" smtClean="0"/>
+              <a:rPr lang="en-US" sz="3200" dirty="0" smtClean="0"/>
               <a:t>Application Program Interface </a:t>
             </a:r>
             <a:r>
-              <a:rPr lang="en-US" sz="3200" b="1" dirty="0"/>
+              <a:rPr lang="en-US" sz="3200" dirty="0"/>
               <a:t>(API) </a:t>
             </a:r>
             <a:r>
-              <a:rPr lang="en-US" sz="3200" b="1" dirty="0" smtClean="0"/>
+              <a:rPr lang="en-US" sz="3200" dirty="0" smtClean="0"/>
               <a:t>- </a:t>
             </a:r>
             <a:r>
-              <a:rPr lang="en-US" sz="3200" b="1" dirty="0"/>
+              <a:rPr lang="en-US" sz="3200" dirty="0"/>
               <a:t>code that allows two software programs to communicate with each other</a:t>
             </a:r>
           </a:p>
@@ -6355,7 +6386,7 @@
               <a:buFont typeface="Arial" charset="0"/>
               <a:buChar char="•"/>
             </a:pPr>
-            <a:endParaRPr lang="en-US" sz="3200" b="1" dirty="0"/>
+            <a:endParaRPr lang="en-US" sz="3200" dirty="0"/>
           </a:p>
           <a:p>
             <a:pPr marL="457200" indent="-457200">
@@ -6363,7 +6394,7 @@
               <a:buChar char="•"/>
             </a:pPr>
             <a:r>
-              <a:rPr lang="en-US" sz="3200" b="1" dirty="0" smtClean="0"/>
+              <a:rPr lang="en-US" sz="3200" dirty="0" smtClean="0"/>
               <a:t>Allows other software systems to make use of MATTERS data and analytics</a:t>
             </a:r>
           </a:p>
@@ -6372,7 +6403,7 @@
               <a:buFont typeface="Arial" charset="0"/>
               <a:buChar char="•"/>
             </a:pPr>
-            <a:endParaRPr lang="en-US" sz="3200" b="1" dirty="0" smtClean="0"/>
+            <a:endParaRPr lang="en-US" sz="3200" dirty="0" smtClean="0"/>
           </a:p>
           <a:p>
             <a:pPr marL="457200" indent="-457200">
@@ -6380,7 +6411,7 @@
               <a:buChar char="•"/>
             </a:pPr>
             <a:r>
-              <a:rPr lang="en-US" sz="3200" b="1" dirty="0" smtClean="0"/>
+              <a:rPr lang="en-US" sz="3200" dirty="0" smtClean="0"/>
               <a:t>API controller returns states and metrics information, as well as data for requested metrics, states and years.</a:t>
             </a:r>
           </a:p>
@@ -6389,7 +6420,7 @@
               <a:buFont typeface="Arial" charset="0"/>
               <a:buChar char="•"/>
             </a:pPr>
-            <a:endParaRPr lang="en-US" sz="3200" b="1" dirty="0" smtClean="0"/>
+            <a:endParaRPr lang="en-US" sz="3200" dirty="0" smtClean="0"/>
           </a:p>
           <a:p>
             <a:pPr marL="457200" indent="-457200">
@@ -6397,7 +6428,7 @@
               <a:buChar char="•"/>
             </a:pPr>
             <a:r>
-              <a:rPr lang="en-US" sz="3200" b="1" dirty="0" smtClean="0"/>
+              <a:rPr lang="en-US" sz="3200" dirty="0" smtClean="0"/>
               <a:t>End users are programmers – they can easily use MATTERS data in their software</a:t>
             </a:r>
             <a:endParaRPr lang="en-US" sz="3200" dirty="0"/>
@@ -6536,7 +6567,7 @@
         <p:spPr>
           <a:xfrm>
             <a:off x="1512146" y="24913183"/>
-            <a:ext cx="12792374" cy="6494085"/>
+            <a:ext cx="12792374" cy="6001643"/>
           </a:xfrm>
           <a:prstGeom prst="rect">
             <a:avLst/>
@@ -6596,46 +6627,56 @@
             </a:r>
           </a:p>
           <a:p>
-            <a:pPr marL="457200" indent="-457200">
-              <a:buFont typeface="Arial" panose="020B0604020202020204" pitchFamily="34" charset="0"/>
-              <a:buChar char="•"/>
+            <a:endParaRPr lang="en-US" sz="3200" dirty="0" smtClean="0">
+              <a:cs typeface="Times New Roman" panose="02020603050405020304" pitchFamily="18" charset="0"/>
+            </a:endParaRPr>
+          </a:p>
+          <a:p>
+            <a:r>
+              <a:rPr lang="en-US" sz="3200" b="1" dirty="0" smtClean="0">
+                <a:cs typeface="Times New Roman" panose="02020603050405020304" pitchFamily="18" charset="0"/>
+              </a:rPr>
+              <a:t>Results:</a:t>
+            </a:r>
+          </a:p>
+          <a:p>
+            <a:pPr marL="514350" indent="-514350">
+              <a:buFont typeface="+mj-lt"/>
+              <a:buAutoNum type="arabicPeriod"/>
             </a:pPr>
+            <a:r>
+              <a:rPr lang="en-US" sz="3200" dirty="0" smtClean="0">
+                <a:cs typeface="Times New Roman" panose="02020603050405020304" pitchFamily="18" charset="0"/>
+              </a:rPr>
+              <a:t>Overall, found to be very intuitive</a:t>
+            </a:r>
+          </a:p>
+          <a:p>
+            <a:pPr marL="514350" indent="-514350">
+              <a:buFont typeface="+mj-lt"/>
+              <a:buAutoNum type="arabicPeriod"/>
+            </a:pPr>
+            <a:r>
+              <a:rPr lang="en-US" sz="3200" dirty="0" smtClean="0">
+                <a:cs typeface="Times New Roman" panose="02020603050405020304" pitchFamily="18" charset="0"/>
+              </a:rPr>
+              <a:t>API Documentation link was put in an easier to locate place at the footer</a:t>
+            </a:r>
+          </a:p>
+          <a:p>
+            <a:pPr marL="514350" indent="-514350">
+              <a:buFont typeface="+mj-lt"/>
+              <a:buAutoNum type="arabicPeriod"/>
+            </a:pPr>
+            <a:r>
+              <a:rPr lang="en-US" sz="3200" dirty="0" smtClean="0">
+                <a:cs typeface="Times New Roman" panose="02020603050405020304" pitchFamily="18" charset="0"/>
+              </a:rPr>
+              <a:t>Edit feature of custom metric made easier to find from Explorer page</a:t>
+            </a:r>
             <a:endParaRPr lang="en-US" sz="3200" dirty="0">
               <a:cs typeface="Times New Roman" panose="02020603050405020304" pitchFamily="18" charset="0"/>
             </a:endParaRPr>
-          </a:p>
-          <a:p>
-            <a:pPr marL="457200" indent="-457200">
-              <a:buFont typeface="Arial" panose="020B0604020202020204" pitchFamily="34" charset="0"/>
-              <a:buChar char="•"/>
-            </a:pPr>
-            <a:r>
-              <a:rPr lang="en-US" sz="3200" dirty="0">
-                <a:cs typeface="Times New Roman" panose="02020603050405020304" pitchFamily="18" charset="0"/>
-              </a:rPr>
-              <a:t>As a result of the user feedback, the API Documentation link was put in an easier to locate place at the footer, and the way to edit a custom metric was made more clear</a:t>
-            </a:r>
-          </a:p>
-          <a:p>
-            <a:pPr marL="457200" indent="-457200">
-              <a:buFont typeface="Arial" panose="020B0604020202020204" pitchFamily="34" charset="0"/>
-              <a:buChar char="•"/>
-            </a:pPr>
-            <a:endParaRPr lang="en-US" sz="3200" dirty="0">
-              <a:cs typeface="Times New Roman" panose="02020603050405020304" pitchFamily="18" charset="0"/>
-            </a:endParaRPr>
-          </a:p>
-          <a:p>
-            <a:pPr marL="457200" indent="-457200">
-              <a:buFont typeface="Arial" panose="020B0604020202020204" pitchFamily="34" charset="0"/>
-              <a:buChar char="•"/>
-            </a:pPr>
-            <a:r>
-              <a:rPr lang="en-US" sz="3200" dirty="0">
-                <a:cs typeface="Times New Roman" panose="02020603050405020304" pitchFamily="18" charset="0"/>
-              </a:rPr>
-              <a:t>Overall our features were found to be highly intuitive</a:t>
-            </a:r>
           </a:p>
         </p:txBody>
       </p:sp>
@@ -6768,11 +6809,7 @@
             </a:r>
             <a:r>
               <a:rPr lang="en-US" sz="2800" dirty="0" smtClean="0"/>
-              <a:t>metric</a:t>
-            </a:r>
-            <a:r>
-              <a:rPr lang="en-US" sz="2800" dirty="0" smtClean="0"/>
-              <a:t> </a:t>
+              <a:t>metric </a:t>
             </a:r>
             <a:r>
               <a:rPr lang="en-US" sz="2800" dirty="0"/>

--- a/mqp_poster.pptx
+++ b/mqp_poster.pptx
@@ -3704,297 +3704,6 @@
           </a:p>
         </p:txBody>
       </p:sp>
-      <p:grpSp>
-        <p:nvGrpSpPr>
-          <p:cNvPr id="16" name="Group 15"/>
-          <p:cNvGrpSpPr/>
-          <p:nvPr/>
-        </p:nvGrpSpPr>
-        <p:grpSpPr>
-          <a:xfrm>
-            <a:off x="54651603" y="-8134014"/>
-            <a:ext cx="27785212" cy="19201370"/>
-            <a:chOff x="15123391" y="4611800"/>
-            <a:chExt cx="27785212" cy="18185589"/>
-          </a:xfrm>
-        </p:grpSpPr>
-        <p:sp>
-          <p:nvSpPr>
-            <p:cNvPr id="91" name="Rounded Rectangle 90"/>
-            <p:cNvSpPr/>
-            <p:nvPr/>
-          </p:nvSpPr>
-          <p:spPr>
-            <a:xfrm>
-              <a:off x="29264185" y="13915791"/>
-              <a:ext cx="13644418" cy="8881598"/>
-            </a:xfrm>
-            <a:prstGeom prst="roundRect">
-              <a:avLst/>
-            </a:prstGeom>
-            <a:solidFill>
-              <a:schemeClr val="bg1"/>
-            </a:solidFill>
-            <a:ln>
-              <a:noFill/>
-            </a:ln>
-          </p:spPr>
-          <p:style>
-            <a:lnRef idx="2">
-              <a:schemeClr val="accent1">
-                <a:shade val="50000"/>
-              </a:schemeClr>
-            </a:lnRef>
-            <a:fillRef idx="1">
-              <a:schemeClr val="accent1"/>
-            </a:fillRef>
-            <a:effectRef idx="0">
-              <a:schemeClr val="accent1"/>
-            </a:effectRef>
-            <a:fontRef idx="minor">
-              <a:schemeClr val="lt1"/>
-            </a:fontRef>
-          </p:style>
-          <p:txBody>
-            <a:bodyPr rtlCol="0" anchor="ctr"/>
-            <a:lstStyle/>
-            <a:p>
-              <a:pPr algn="ctr"/>
-              <a:endParaRPr lang="en-US"/>
-            </a:p>
-          </p:txBody>
-        </p:sp>
-        <p:sp>
-          <p:nvSpPr>
-            <p:cNvPr id="11" name="Rectangle 10"/>
-            <p:cNvSpPr/>
-            <p:nvPr/>
-          </p:nvSpPr>
-          <p:spPr>
-            <a:xfrm>
-              <a:off x="15123391" y="7450589"/>
-              <a:ext cx="27785212" cy="11558836"/>
-            </a:xfrm>
-            <a:prstGeom prst="rect">
-              <a:avLst/>
-            </a:prstGeom>
-            <a:solidFill>
-              <a:schemeClr val="bg1"/>
-            </a:solidFill>
-            <a:ln>
-              <a:noFill/>
-            </a:ln>
-          </p:spPr>
-          <p:style>
-            <a:lnRef idx="2">
-              <a:schemeClr val="accent1">
-                <a:shade val="50000"/>
-              </a:schemeClr>
-            </a:lnRef>
-            <a:fillRef idx="1">
-              <a:schemeClr val="accent1"/>
-            </a:fillRef>
-            <a:effectRef idx="0">
-              <a:schemeClr val="accent1"/>
-            </a:effectRef>
-            <a:fontRef idx="minor">
-              <a:schemeClr val="lt1"/>
-            </a:fontRef>
-          </p:style>
-          <p:txBody>
-            <a:bodyPr rtlCol="0" anchor="ctr"/>
-            <a:lstStyle/>
-            <a:p>
-              <a:pPr algn="ctr"/>
-              <a:endParaRPr lang="en-US"/>
-            </a:p>
-          </p:txBody>
-        </p:sp>
-        <p:sp>
-          <p:nvSpPr>
-            <p:cNvPr id="88" name="Rounded Rectangle 87"/>
-            <p:cNvSpPr/>
-            <p:nvPr/>
-          </p:nvSpPr>
-          <p:spPr>
-            <a:xfrm>
-              <a:off x="15123391" y="4611800"/>
-              <a:ext cx="13644418" cy="8881598"/>
-            </a:xfrm>
-            <a:prstGeom prst="roundRect">
-              <a:avLst/>
-            </a:prstGeom>
-            <a:solidFill>
-              <a:schemeClr val="bg1"/>
-            </a:solidFill>
-            <a:ln>
-              <a:noFill/>
-            </a:ln>
-          </p:spPr>
-          <p:style>
-            <a:lnRef idx="2">
-              <a:schemeClr val="accent1">
-                <a:shade val="50000"/>
-              </a:schemeClr>
-            </a:lnRef>
-            <a:fillRef idx="1">
-              <a:schemeClr val="accent1"/>
-            </a:fillRef>
-            <a:effectRef idx="0">
-              <a:schemeClr val="accent1"/>
-            </a:effectRef>
-            <a:fontRef idx="minor">
-              <a:schemeClr val="lt1"/>
-            </a:fontRef>
-          </p:style>
-          <p:txBody>
-            <a:bodyPr rtlCol="0" anchor="ctr"/>
-            <a:lstStyle/>
-            <a:p>
-              <a:pPr algn="ctr"/>
-              <a:endParaRPr lang="en-US"/>
-            </a:p>
-          </p:txBody>
-        </p:sp>
-        <p:sp>
-          <p:nvSpPr>
-            <p:cNvPr id="89" name="Rounded Rectangle 88"/>
-            <p:cNvSpPr/>
-            <p:nvPr/>
-          </p:nvSpPr>
-          <p:spPr>
-            <a:xfrm>
-              <a:off x="29264185" y="4611800"/>
-              <a:ext cx="13644418" cy="8881598"/>
-            </a:xfrm>
-            <a:prstGeom prst="roundRect">
-              <a:avLst/>
-            </a:prstGeom>
-            <a:solidFill>
-              <a:schemeClr val="bg1"/>
-            </a:solidFill>
-            <a:ln>
-              <a:noFill/>
-            </a:ln>
-          </p:spPr>
-          <p:style>
-            <a:lnRef idx="2">
-              <a:schemeClr val="accent1">
-                <a:shade val="50000"/>
-              </a:schemeClr>
-            </a:lnRef>
-            <a:fillRef idx="1">
-              <a:schemeClr val="accent1"/>
-            </a:fillRef>
-            <a:effectRef idx="0">
-              <a:schemeClr val="accent1"/>
-            </a:effectRef>
-            <a:fontRef idx="minor">
-              <a:schemeClr val="lt1"/>
-            </a:fontRef>
-          </p:style>
-          <p:txBody>
-            <a:bodyPr rtlCol="0" anchor="ctr"/>
-            <a:lstStyle/>
-            <a:p>
-              <a:pPr algn="ctr"/>
-              <a:endParaRPr lang="en-US"/>
-            </a:p>
-          </p:txBody>
-        </p:sp>
-        <p:sp>
-          <p:nvSpPr>
-            <p:cNvPr id="90" name="Rounded Rectangle 89"/>
-            <p:cNvSpPr/>
-            <p:nvPr/>
-          </p:nvSpPr>
-          <p:spPr>
-            <a:xfrm>
-              <a:off x="15123391" y="13915791"/>
-              <a:ext cx="13644418" cy="8881598"/>
-            </a:xfrm>
-            <a:prstGeom prst="roundRect">
-              <a:avLst/>
-            </a:prstGeom>
-            <a:solidFill>
-              <a:schemeClr val="bg1"/>
-            </a:solidFill>
-            <a:ln>
-              <a:noFill/>
-            </a:ln>
-          </p:spPr>
-          <p:style>
-            <a:lnRef idx="2">
-              <a:schemeClr val="accent1">
-                <a:shade val="50000"/>
-              </a:schemeClr>
-            </a:lnRef>
-            <a:fillRef idx="1">
-              <a:schemeClr val="accent1"/>
-            </a:fillRef>
-            <a:effectRef idx="0">
-              <a:schemeClr val="accent1"/>
-            </a:effectRef>
-            <a:fontRef idx="minor">
-              <a:schemeClr val="lt1"/>
-            </a:fontRef>
-          </p:style>
-          <p:txBody>
-            <a:bodyPr rtlCol="0" anchor="ctr"/>
-            <a:lstStyle/>
-            <a:p>
-              <a:pPr algn="ctr"/>
-              <a:endParaRPr lang="en-US"/>
-            </a:p>
-          </p:txBody>
-        </p:sp>
-        <p:sp>
-          <p:nvSpPr>
-            <p:cNvPr id="10" name="Rectangle 9"/>
-            <p:cNvSpPr/>
-            <p:nvPr/>
-          </p:nvSpPr>
-          <p:spPr>
-            <a:xfrm>
-              <a:off x="21945600" y="4611800"/>
-              <a:ext cx="14122315" cy="18185589"/>
-            </a:xfrm>
-            <a:prstGeom prst="rect">
-              <a:avLst/>
-            </a:prstGeom>
-            <a:solidFill>
-              <a:schemeClr val="bg1"/>
-            </a:solidFill>
-            <a:ln>
-              <a:noFill/>
-            </a:ln>
-          </p:spPr>
-          <p:style>
-            <a:lnRef idx="2">
-              <a:schemeClr val="accent1">
-                <a:shade val="50000"/>
-              </a:schemeClr>
-            </a:lnRef>
-            <a:fillRef idx="1">
-              <a:schemeClr val="accent1"/>
-            </a:fillRef>
-            <a:effectRef idx="0">
-              <a:schemeClr val="accent1"/>
-            </a:effectRef>
-            <a:fontRef idx="minor">
-              <a:schemeClr val="lt1"/>
-            </a:fontRef>
-          </p:style>
-          <p:txBody>
-            <a:bodyPr rtlCol="0" anchor="ctr"/>
-            <a:lstStyle/>
-            <a:p>
-              <a:pPr algn="ctr"/>
-              <a:endParaRPr lang="en-US"/>
-            </a:p>
-          </p:txBody>
-        </p:sp>
-      </p:grpSp>
       <p:sp>
         <p:nvSpPr>
           <p:cNvPr id="4" name="Title 3"/>
@@ -4429,294 +4138,6 @@
           </a:fontRef>
         </p:style>
       </p:cxnSp>
-      <p:pic>
-        <p:nvPicPr>
-          <p:cNvPr id="80" name="Picture 2"/>
-          <p:cNvPicPr>
-            <a:picLocks noChangeAspect="1" noChangeArrowheads="1"/>
-          </p:cNvPicPr>
-          <p:nvPr/>
-        </p:nvPicPr>
-        <p:blipFill>
-          <a:blip r:embed="rId4" cstate="print">
-            <a:extLst>
-              <a:ext uri="{28A0092B-C50C-407E-A947-70E740481C1C}">
-                <a14:useLocalDpi xmlns:a14="http://schemas.microsoft.com/office/drawing/2010/main" val="0"/>
-              </a:ext>
-            </a:extLst>
-          </a:blip>
-          <a:srcRect/>
-          <a:stretch>
-            <a:fillRect/>
-          </a:stretch>
-        </p:blipFill>
-        <p:spPr bwMode="auto">
-          <a:xfrm>
-            <a:off x="45063392" y="32138314"/>
-            <a:ext cx="2080056" cy="886023"/>
-          </a:xfrm>
-          <a:prstGeom prst="rect">
-            <a:avLst/>
-          </a:prstGeom>
-          <a:noFill/>
-          <a:ln>
-            <a:noFill/>
-          </a:ln>
-          <a:extLst>
-            <a:ext uri="{909E8E84-426E-40DD-AFC4-6F175D3DCCD1}">
-              <a14:hiddenFill xmlns:a14="http://schemas.microsoft.com/office/drawing/2010/main">
-                <a:solidFill>
-                  <a:schemeClr val="accent1"/>
-                </a:solidFill>
-              </a14:hiddenFill>
-            </a:ext>
-            <a:ext uri="{91240B29-F687-4F45-9708-019B960494DF}">
-              <a14:hiddenLine xmlns:a14="http://schemas.microsoft.com/office/drawing/2010/main" w="9525">
-                <a:solidFill>
-                  <a:schemeClr val="tx1"/>
-                </a:solidFill>
-                <a:miter lim="800000"/>
-                <a:headEnd/>
-                <a:tailEnd/>
-              </a14:hiddenLine>
-            </a:ext>
-          </a:extLst>
-        </p:spPr>
-      </p:pic>
-      <p:pic>
-        <p:nvPicPr>
-          <p:cNvPr id="86" name="Picture 85"/>
-          <p:cNvPicPr>
-            <a:picLocks noChangeAspect="1"/>
-          </p:cNvPicPr>
-          <p:nvPr/>
-        </p:nvPicPr>
-        <p:blipFill>
-          <a:blip r:embed="rId5">
-            <a:extLst>
-              <a:ext uri="{28A0092B-C50C-407E-A947-70E740481C1C}">
-                <a14:useLocalDpi xmlns:a14="http://schemas.microsoft.com/office/drawing/2010/main" val="0"/>
-              </a:ext>
-            </a:extLst>
-          </a:blip>
-          <a:stretch>
-            <a:fillRect/>
-          </a:stretch>
-        </p:blipFill>
-        <p:spPr>
-          <a:xfrm>
-            <a:off x="56367544" y="28423824"/>
-            <a:ext cx="1874359" cy="1607623"/>
-          </a:xfrm>
-          <a:prstGeom prst="rect">
-            <a:avLst/>
-          </a:prstGeom>
-        </p:spPr>
-      </p:pic>
-      <p:pic>
-        <p:nvPicPr>
-          <p:cNvPr id="94" name="Picture 9"/>
-          <p:cNvPicPr>
-            <a:picLocks noChangeAspect="1" noChangeArrowheads="1"/>
-          </p:cNvPicPr>
-          <p:nvPr/>
-        </p:nvPicPr>
-        <p:blipFill>
-          <a:blip r:embed="rId6" cstate="print">
-            <a:extLst>
-              <a:ext uri="{28A0092B-C50C-407E-A947-70E740481C1C}">
-                <a14:useLocalDpi xmlns:a14="http://schemas.microsoft.com/office/drawing/2010/main" val="0"/>
-              </a:ext>
-            </a:extLst>
-          </a:blip>
-          <a:srcRect/>
-          <a:stretch>
-            <a:fillRect/>
-          </a:stretch>
-        </p:blipFill>
-        <p:spPr bwMode="auto">
-          <a:xfrm>
-            <a:off x="45173524" y="30583563"/>
-            <a:ext cx="1765714" cy="1286074"/>
-          </a:xfrm>
-          <a:prstGeom prst="rect">
-            <a:avLst/>
-          </a:prstGeom>
-          <a:noFill/>
-          <a:ln>
-            <a:noFill/>
-          </a:ln>
-          <a:extLst>
-            <a:ext uri="{909E8E84-426E-40DD-AFC4-6F175D3DCCD1}">
-              <a14:hiddenFill xmlns:a14="http://schemas.microsoft.com/office/drawing/2010/main">
-                <a:solidFill>
-                  <a:schemeClr val="accent1"/>
-                </a:solidFill>
-              </a14:hiddenFill>
-            </a:ext>
-            <a:ext uri="{91240B29-F687-4F45-9708-019B960494DF}">
-              <a14:hiddenLine xmlns:a14="http://schemas.microsoft.com/office/drawing/2010/main" w="9525">
-                <a:solidFill>
-                  <a:schemeClr val="tx1"/>
-                </a:solidFill>
-                <a:miter lim="800000"/>
-                <a:headEnd/>
-                <a:tailEnd/>
-              </a14:hiddenLine>
-            </a:ext>
-          </a:extLst>
-        </p:spPr>
-      </p:pic>
-      <p:pic>
-        <p:nvPicPr>
-          <p:cNvPr id="98" name="Picture 97"/>
-          <p:cNvPicPr>
-            <a:picLocks noChangeAspect="1"/>
-          </p:cNvPicPr>
-          <p:nvPr/>
-        </p:nvPicPr>
-        <p:blipFill>
-          <a:blip r:embed="rId7" cstate="print">
-            <a:extLst>
-              <a:ext uri="{28A0092B-C50C-407E-A947-70E740481C1C}">
-                <a14:useLocalDpi xmlns:a14="http://schemas.microsoft.com/office/drawing/2010/main" val="0"/>
-              </a:ext>
-            </a:extLst>
-          </a:blip>
-          <a:stretch>
-            <a:fillRect/>
-          </a:stretch>
-        </p:blipFill>
-        <p:spPr>
-          <a:xfrm>
-            <a:off x="45267602" y="33446958"/>
-            <a:ext cx="1671636" cy="1671636"/>
-          </a:xfrm>
-          <a:prstGeom prst="rect">
-            <a:avLst/>
-          </a:prstGeom>
-        </p:spPr>
-      </p:pic>
-      <p:pic>
-        <p:nvPicPr>
-          <p:cNvPr id="99" name="Picture 98"/>
-          <p:cNvPicPr>
-            <a:picLocks noChangeAspect="1"/>
-          </p:cNvPicPr>
-          <p:nvPr/>
-        </p:nvPicPr>
-        <p:blipFill>
-          <a:blip r:embed="rId8">
-            <a:extLst>
-              <a:ext uri="{28A0092B-C50C-407E-A947-70E740481C1C}">
-                <a14:useLocalDpi xmlns:a14="http://schemas.microsoft.com/office/drawing/2010/main" val="0"/>
-              </a:ext>
-            </a:extLst>
-          </a:blip>
-          <a:stretch>
-            <a:fillRect/>
-          </a:stretch>
-        </p:blipFill>
-        <p:spPr>
-          <a:xfrm>
-            <a:off x="56271817" y="30414191"/>
-            <a:ext cx="2080057" cy="852823"/>
-          </a:xfrm>
-          <a:prstGeom prst="rect">
-            <a:avLst/>
-          </a:prstGeom>
-        </p:spPr>
-      </p:pic>
-      <p:pic>
-        <p:nvPicPr>
-          <p:cNvPr id="115" name="Picture 114"/>
-          <p:cNvPicPr>
-            <a:picLocks noChangeAspect="1"/>
-          </p:cNvPicPr>
-          <p:nvPr/>
-        </p:nvPicPr>
-        <p:blipFill>
-          <a:blip r:embed="rId9">
-            <a:extLst>
-              <a:ext uri="{28A0092B-C50C-407E-A947-70E740481C1C}">
-                <a14:useLocalDpi xmlns:a14="http://schemas.microsoft.com/office/drawing/2010/main" val="0"/>
-              </a:ext>
-            </a:extLst>
-          </a:blip>
-          <a:stretch>
-            <a:fillRect/>
-          </a:stretch>
-        </p:blipFill>
-        <p:spPr>
-          <a:xfrm>
-            <a:off x="56463872" y="32138314"/>
-            <a:ext cx="1681701" cy="1681701"/>
-          </a:xfrm>
-          <a:prstGeom prst="rect">
-            <a:avLst/>
-          </a:prstGeom>
-        </p:spPr>
-      </p:pic>
-      <p:pic>
-        <p:nvPicPr>
-          <p:cNvPr id="117" name="Picture 116"/>
-          <p:cNvPicPr>
-            <a:picLocks noChangeAspect="1"/>
-          </p:cNvPicPr>
-          <p:nvPr/>
-        </p:nvPicPr>
-        <p:blipFill>
-          <a:blip r:embed="rId10">
-            <a:extLst>
-              <a:ext uri="{28A0092B-C50C-407E-A947-70E740481C1C}">
-                <a14:useLocalDpi xmlns:a14="http://schemas.microsoft.com/office/drawing/2010/main" val="0"/>
-              </a:ext>
-            </a:extLst>
-          </a:blip>
-          <a:stretch>
-            <a:fillRect/>
-          </a:stretch>
-        </p:blipFill>
-        <p:spPr>
-          <a:xfrm>
-            <a:off x="45262800" y="28384366"/>
-            <a:ext cx="1676438" cy="1686538"/>
-          </a:xfrm>
-          <a:prstGeom prst="rect">
-            <a:avLst/>
-          </a:prstGeom>
-        </p:spPr>
-      </p:pic>
-      <p:pic>
-        <p:nvPicPr>
-          <p:cNvPr id="121" name="Picture 120"/>
-          <p:cNvPicPr>
-            <a:picLocks noChangeAspect="1"/>
-          </p:cNvPicPr>
-          <p:nvPr/>
-        </p:nvPicPr>
-        <p:blipFill>
-          <a:blip r:embed="rId11" cstate="print">
-            <a:extLst>
-              <a:ext uri="{28A0092B-C50C-407E-A947-70E740481C1C}">
-                <a14:useLocalDpi xmlns:a14="http://schemas.microsoft.com/office/drawing/2010/main" val="0"/>
-              </a:ext>
-            </a:extLst>
-          </a:blip>
-          <a:stretch>
-            <a:fillRect/>
-          </a:stretch>
-        </p:blipFill>
-        <p:spPr>
-          <a:xfrm>
-            <a:off x="56548335" y="33834122"/>
-            <a:ext cx="1552773" cy="1358676"/>
-          </a:xfrm>
-          <a:prstGeom prst="rect">
-            <a:avLst/>
-          </a:prstGeom>
-        </p:spPr>
-      </p:pic>
       <p:sp>
         <p:nvSpPr>
           <p:cNvPr id="120" name="TextBox 119"/>
@@ -4759,7 +4180,7 @@
           <p:nvPr/>
         </p:nvPicPr>
         <p:blipFill rotWithShape="1">
-          <a:blip r:embed="rId12" cstate="print">
+          <a:blip r:embed="rId4" cstate="print">
             <a:extLst>
               <a:ext uri="{28A0092B-C50C-407E-A947-70E740481C1C}">
                 <a14:useLocalDpi xmlns:a14="http://schemas.microsoft.com/office/drawing/2010/main" val="0"/>
@@ -4823,8 +4244,17 @@
               <a:rPr lang="en-US" sz="3200" dirty="0">
                 <a:cs typeface="Times New Roman" panose="02020603050405020304" pitchFamily="18" charset="0"/>
               </a:rPr>
-              <a:t>Incorporate data from across many diverse online sources into one platform for extraction, exploration, visualization and analytics.</a:t>
-            </a:r>
+              <a:t>Incorporate data from across many diverse online sources into one platform for extraction, exploration, visualization and </a:t>
+            </a:r>
+            <a:r>
+              <a:rPr lang="en-US" sz="3200" dirty="0" smtClean="0">
+                <a:cs typeface="Times New Roman" panose="02020603050405020304" pitchFamily="18" charset="0"/>
+              </a:rPr>
+              <a:t>analytics</a:t>
+            </a:r>
+            <a:endParaRPr lang="en-US" sz="3200" dirty="0">
+              <a:cs typeface="Times New Roman" panose="02020603050405020304" pitchFamily="18" charset="0"/>
+            </a:endParaRPr>
           </a:p>
           <a:p>
             <a:pPr marL="457200" indent="-457200">
@@ -4850,7 +4280,13 @@
               <a:rPr lang="en-US" sz="3200" dirty="0" smtClean="0">
                 <a:cs typeface="Times New Roman" panose="02020603050405020304" pitchFamily="18" charset="0"/>
               </a:rPr>
-              <a:t>pre-existing metrics and be able to use these metrics as a part of their own economic indicators.</a:t>
+              <a:t>pre-existing metrics and be able to use these metrics as a part of their own economic </a:t>
+            </a:r>
+            <a:r>
+              <a:rPr lang="en-US" sz="3200" dirty="0" smtClean="0">
+                <a:cs typeface="Times New Roman" panose="02020603050405020304" pitchFamily="18" charset="0"/>
+              </a:rPr>
+              <a:t>indicators</a:t>
             </a:r>
             <a:endParaRPr lang="en-US" sz="3200" dirty="0">
               <a:cs typeface="Times New Roman" panose="02020603050405020304" pitchFamily="18" charset="0"/>
@@ -4890,8 +4326,17 @@
               <a:rPr lang="en-US" sz="3200" dirty="0">
                 <a:cs typeface="Times New Roman" panose="02020603050405020304" pitchFamily="18" charset="0"/>
               </a:rPr>
-              <a:t>     top technology states in the nation.</a:t>
-            </a:r>
+              <a:t>     top technology states in the </a:t>
+            </a:r>
+            <a:r>
+              <a:rPr lang="en-US" sz="3200" dirty="0" smtClean="0">
+                <a:cs typeface="Times New Roman" panose="02020603050405020304" pitchFamily="18" charset="0"/>
+              </a:rPr>
+              <a:t>nation</a:t>
+            </a:r>
+            <a:endParaRPr lang="en-US" sz="3200" dirty="0">
+              <a:cs typeface="Times New Roman" panose="02020603050405020304" pitchFamily="18" charset="0"/>
+            </a:endParaRPr>
           </a:p>
         </p:txBody>
       </p:sp>
@@ -4990,573 +4435,6 @@
           </a:fontRef>
         </p:style>
       </p:cxnSp>
-      <p:sp>
-        <p:nvSpPr>
-          <p:cNvPr id="82" name="Cloud 24"/>
-          <p:cNvSpPr/>
-          <p:nvPr/>
-        </p:nvSpPr>
-        <p:spPr>
-          <a:xfrm>
-            <a:off x="49321496" y="32417794"/>
-            <a:ext cx="2558647" cy="2214435"/>
-          </a:xfrm>
-          <a:prstGeom prst="cloud">
-            <a:avLst/>
-          </a:prstGeom>
-          <a:solidFill>
-            <a:schemeClr val="bg1">
-              <a:lumMod val="75000"/>
-            </a:schemeClr>
-          </a:solidFill>
-          <a:ln w="57150"/>
-        </p:spPr>
-        <p:style>
-          <a:lnRef idx="2">
-            <a:schemeClr val="dk1"/>
-          </a:lnRef>
-          <a:fillRef idx="1">
-            <a:schemeClr val="lt1"/>
-          </a:fillRef>
-          <a:effectRef idx="0">
-            <a:schemeClr val="dk1"/>
-          </a:effectRef>
-          <a:fontRef idx="minor">
-            <a:schemeClr val="dk1"/>
-          </a:fontRef>
-        </p:style>
-        <p:txBody>
-          <a:bodyPr rtlCol="0" anchor="ctr"/>
-          <a:lstStyle/>
-          <a:p>
-            <a:pPr algn="ctr"/>
-            <a:r>
-              <a:rPr lang="en-US" sz="3600" b="1" dirty="0">
-                <a:solidFill>
-                  <a:prstClr val="black"/>
-                </a:solidFill>
-              </a:rPr>
-              <a:t>Online Sources</a:t>
-            </a:r>
-          </a:p>
-        </p:txBody>
-      </p:sp>
-      <p:sp>
-        <p:nvSpPr>
-          <p:cNvPr id="70" name="Right Arrow 69"/>
-          <p:cNvSpPr/>
-          <p:nvPr/>
-        </p:nvSpPr>
-        <p:spPr>
-          <a:xfrm>
-            <a:off x="52184673" y="32916669"/>
-            <a:ext cx="1200444" cy="900333"/>
-          </a:xfrm>
-          <a:prstGeom prst="rightArrow">
-            <a:avLst/>
-          </a:prstGeom>
-          <a:solidFill>
-            <a:srgbClr val="800000"/>
-          </a:solidFill>
-          <a:ln w="76200">
-            <a:solidFill>
-              <a:schemeClr val="tx1"/>
-            </a:solidFill>
-          </a:ln>
-        </p:spPr>
-        <p:style>
-          <a:lnRef idx="2">
-            <a:schemeClr val="accent1">
-              <a:shade val="50000"/>
-            </a:schemeClr>
-          </a:lnRef>
-          <a:fillRef idx="1">
-            <a:schemeClr val="accent1"/>
-          </a:fillRef>
-          <a:effectRef idx="0">
-            <a:schemeClr val="accent1"/>
-          </a:effectRef>
-          <a:fontRef idx="minor">
-            <a:schemeClr val="lt1"/>
-          </a:fontRef>
-        </p:style>
-        <p:txBody>
-          <a:bodyPr rtlCol="0" anchor="ctr"/>
-          <a:lstStyle/>
-          <a:p>
-            <a:pPr algn="ctr"/>
-            <a:endParaRPr lang="en-US"/>
-          </a:p>
-        </p:txBody>
-      </p:sp>
-      <p:grpSp>
-        <p:nvGrpSpPr>
-          <p:cNvPr id="19" name="Group 18"/>
-          <p:cNvGrpSpPr/>
-          <p:nvPr/>
-        </p:nvGrpSpPr>
-        <p:grpSpPr>
-          <a:xfrm>
-            <a:off x="54171792" y="32315906"/>
-            <a:ext cx="2198752" cy="2750656"/>
-            <a:chOff x="40504950" y="25473238"/>
-            <a:chExt cx="2198752" cy="2750656"/>
-          </a:xfrm>
-        </p:grpSpPr>
-        <p:grpSp>
-          <p:nvGrpSpPr>
-            <p:cNvPr id="42" name="Group 41"/>
-            <p:cNvGrpSpPr/>
-            <p:nvPr/>
-          </p:nvGrpSpPr>
-          <p:grpSpPr>
-            <a:xfrm>
-              <a:off x="40507949" y="25473238"/>
-              <a:ext cx="2195753" cy="2750656"/>
-              <a:chOff x="56747621" y="26078132"/>
-              <a:chExt cx="3200402" cy="3436458"/>
-            </a:xfrm>
-            <a:solidFill>
-              <a:schemeClr val="bg1">
-                <a:lumMod val="65000"/>
-              </a:schemeClr>
-            </a:solidFill>
-          </p:grpSpPr>
-          <p:sp>
-            <p:nvSpPr>
-              <p:cNvPr id="68" name="Flowchart: Direct Access Storage 67"/>
-              <p:cNvSpPr/>
-              <p:nvPr/>
-            </p:nvSpPr>
-            <p:spPr>
-              <a:xfrm rot="16200000">
-                <a:off x="57662023" y="27228590"/>
-                <a:ext cx="1371598" cy="3200401"/>
-              </a:xfrm>
-              <a:prstGeom prst="flowChartMagneticDrum">
-                <a:avLst/>
-              </a:prstGeom>
-              <a:grpFill/>
-              <a:ln w="38100">
-                <a:solidFill>
-                  <a:schemeClr val="tx1"/>
-                </a:solidFill>
-              </a:ln>
-            </p:spPr>
-            <p:style>
-              <a:lnRef idx="2">
-                <a:schemeClr val="accent1">
-                  <a:shade val="50000"/>
-                </a:schemeClr>
-              </a:lnRef>
-              <a:fillRef idx="1">
-                <a:schemeClr val="accent1"/>
-              </a:fillRef>
-              <a:effectRef idx="0">
-                <a:schemeClr val="accent1"/>
-              </a:effectRef>
-              <a:fontRef idx="minor">
-                <a:schemeClr val="lt1"/>
-              </a:fontRef>
-            </p:style>
-            <p:txBody>
-              <a:bodyPr rtlCol="0" anchor="ctr"/>
-              <a:lstStyle/>
-              <a:p>
-                <a:pPr algn="ctr"/>
-                <a:endParaRPr lang="en-US"/>
-              </a:p>
-            </p:txBody>
-          </p:sp>
-          <p:sp>
-            <p:nvSpPr>
-              <p:cNvPr id="41" name="Flowchart: Direct Access Storage 40"/>
-              <p:cNvSpPr/>
-              <p:nvPr/>
-            </p:nvSpPr>
-            <p:spPr>
-              <a:xfrm rot="16200000">
-                <a:off x="57662023" y="26191358"/>
-                <a:ext cx="1371598" cy="3200402"/>
-              </a:xfrm>
-              <a:prstGeom prst="flowChartMagneticDrum">
-                <a:avLst/>
-              </a:prstGeom>
-              <a:grpFill/>
-              <a:ln w="38100">
-                <a:solidFill>
-                  <a:schemeClr val="tx1"/>
-                </a:solidFill>
-              </a:ln>
-            </p:spPr>
-            <p:style>
-              <a:lnRef idx="2">
-                <a:schemeClr val="accent1">
-                  <a:shade val="50000"/>
-                </a:schemeClr>
-              </a:lnRef>
-              <a:fillRef idx="1">
-                <a:schemeClr val="accent1"/>
-              </a:fillRef>
-              <a:effectRef idx="0">
-                <a:schemeClr val="accent1"/>
-              </a:effectRef>
-              <a:fontRef idx="minor">
-                <a:schemeClr val="lt1"/>
-              </a:fontRef>
-            </p:style>
-            <p:txBody>
-              <a:bodyPr rtlCol="0" anchor="ctr"/>
-              <a:lstStyle/>
-              <a:p>
-                <a:pPr algn="ctr"/>
-                <a:endParaRPr lang="en-US"/>
-              </a:p>
-            </p:txBody>
-          </p:sp>
-          <p:sp>
-            <p:nvSpPr>
-              <p:cNvPr id="64" name="Flowchart: Direct Access Storage 63"/>
-              <p:cNvSpPr/>
-              <p:nvPr/>
-            </p:nvSpPr>
-            <p:spPr>
-              <a:xfrm rot="16200000">
-                <a:off x="57662023" y="25163732"/>
-                <a:ext cx="1371599" cy="3200400"/>
-              </a:xfrm>
-              <a:prstGeom prst="flowChartMagneticDrum">
-                <a:avLst/>
-              </a:prstGeom>
-              <a:grpFill/>
-              <a:ln w="38100">
-                <a:solidFill>
-                  <a:schemeClr val="tx1"/>
-                </a:solidFill>
-              </a:ln>
-            </p:spPr>
-            <p:style>
-              <a:lnRef idx="2">
-                <a:schemeClr val="accent1">
-                  <a:shade val="50000"/>
-                </a:schemeClr>
-              </a:lnRef>
-              <a:fillRef idx="1">
-                <a:schemeClr val="accent1"/>
-              </a:fillRef>
-              <a:effectRef idx="0">
-                <a:schemeClr val="accent1"/>
-              </a:effectRef>
-              <a:fontRef idx="minor">
-                <a:schemeClr val="lt1"/>
-              </a:fontRef>
-            </p:style>
-            <p:txBody>
-              <a:bodyPr rtlCol="0" anchor="ctr"/>
-              <a:lstStyle/>
-              <a:p>
-                <a:pPr algn="ctr"/>
-                <a:endParaRPr lang="en-US"/>
-              </a:p>
-            </p:txBody>
-          </p:sp>
-        </p:grpSp>
-        <p:sp>
-          <p:nvSpPr>
-            <p:cNvPr id="18" name="TextBox 17"/>
-            <p:cNvSpPr txBox="1"/>
-            <p:nvPr/>
-          </p:nvSpPr>
-          <p:spPr>
-            <a:xfrm>
-              <a:off x="40504950" y="26604410"/>
-              <a:ext cx="2195752" cy="646331"/>
-            </a:xfrm>
-            <a:prstGeom prst="rect">
-              <a:avLst/>
-            </a:prstGeom>
-            <a:noFill/>
-          </p:spPr>
-          <p:txBody>
-            <a:bodyPr wrap="square" rtlCol="0">
-              <a:spAutoFit/>
-            </a:bodyPr>
-            <a:lstStyle/>
-            <a:p>
-              <a:pPr algn="ctr"/>
-              <a:r>
-                <a:rPr lang="en-US" sz="3600" b="1" dirty="0"/>
-                <a:t>Database</a:t>
-              </a:r>
-            </a:p>
-          </p:txBody>
-        </p:sp>
-      </p:grpSp>
-      <p:grpSp>
-        <p:nvGrpSpPr>
-          <p:cNvPr id="55" name="Group 54"/>
-          <p:cNvGrpSpPr/>
-          <p:nvPr/>
-        </p:nvGrpSpPr>
-        <p:grpSpPr>
-          <a:xfrm>
-            <a:off x="-8686800" y="3238999"/>
-            <a:ext cx="7164006" cy="14464105"/>
-            <a:chOff x="34540844" y="7181347"/>
-            <a:chExt cx="7164006" cy="14464105"/>
-          </a:xfrm>
-        </p:grpSpPr>
-        <p:grpSp>
-          <p:nvGrpSpPr>
-            <p:cNvPr id="54" name="Group 53"/>
-            <p:cNvGrpSpPr/>
-            <p:nvPr/>
-          </p:nvGrpSpPr>
-          <p:grpSpPr>
-            <a:xfrm>
-              <a:off x="34700611" y="7181347"/>
-              <a:ext cx="6898248" cy="14464105"/>
-              <a:chOff x="34700611" y="7181347"/>
-              <a:chExt cx="6898248" cy="14464105"/>
-            </a:xfrm>
-          </p:grpSpPr>
-          <p:pic>
-            <p:nvPicPr>
-              <p:cNvPr id="3" name="Picture 2"/>
-              <p:cNvPicPr>
-                <a:picLocks noChangeAspect="1"/>
-              </p:cNvPicPr>
-              <p:nvPr/>
-            </p:nvPicPr>
-            <p:blipFill rotWithShape="1">
-              <a:blip r:embed="rId13">
-                <a:extLst>
-                  <a:ext uri="{28A0092B-C50C-407E-A947-70E740481C1C}">
-                    <a14:useLocalDpi xmlns:a14="http://schemas.microsoft.com/office/drawing/2010/main" val="0"/>
-                  </a:ext>
-                </a:extLst>
-              </a:blip>
-              <a:srcRect t="18579"/>
-              <a:stretch/>
-            </p:blipFill>
-            <p:spPr>
-              <a:xfrm>
-                <a:off x="34742034" y="7181347"/>
-                <a:ext cx="6754715" cy="3789521"/>
-              </a:xfrm>
-              <a:prstGeom prst="rect">
-                <a:avLst/>
-              </a:prstGeom>
-            </p:spPr>
-          </p:pic>
-          <p:grpSp>
-            <p:nvGrpSpPr>
-              <p:cNvPr id="27" name="Group 26"/>
-              <p:cNvGrpSpPr/>
-              <p:nvPr/>
-            </p:nvGrpSpPr>
-            <p:grpSpPr>
-              <a:xfrm>
-                <a:off x="34700611" y="10391726"/>
-                <a:ext cx="6898248" cy="11253726"/>
-                <a:chOff x="34891993" y="19142715"/>
-                <a:chExt cx="7129718" cy="11253726"/>
-              </a:xfrm>
-            </p:grpSpPr>
-            <p:pic>
-              <p:nvPicPr>
-                <p:cNvPr id="31" name="Picture 30"/>
-                <p:cNvPicPr>
-                  <a:picLocks noChangeAspect="1"/>
-                </p:cNvPicPr>
-                <p:nvPr/>
-              </p:nvPicPr>
-              <p:blipFill rotWithShape="1">
-                <a:blip r:embed="rId14">
-                  <a:extLst>
-                    <a:ext uri="{28A0092B-C50C-407E-A947-70E740481C1C}">
-                      <a14:useLocalDpi xmlns:a14="http://schemas.microsoft.com/office/drawing/2010/main" val="0"/>
-                    </a:ext>
-                  </a:extLst>
-                </a:blip>
-                <a:srcRect t="22748"/>
-                <a:stretch/>
-              </p:blipFill>
-              <p:spPr>
-                <a:xfrm>
-                  <a:off x="34976400" y="26840090"/>
-                  <a:ext cx="6905318" cy="3556351"/>
-                </a:xfrm>
-                <a:prstGeom prst="rect">
-                  <a:avLst/>
-                </a:prstGeom>
-              </p:spPr>
-            </p:pic>
-            <p:sp>
-              <p:nvSpPr>
-                <p:cNvPr id="32" name="TextBox 31"/>
-                <p:cNvSpPr txBox="1"/>
-                <p:nvPr/>
-              </p:nvSpPr>
-              <p:spPr>
-                <a:xfrm>
-                  <a:off x="34891993" y="19142715"/>
-                  <a:ext cx="7129718" cy="954107"/>
-                </a:xfrm>
-                <a:prstGeom prst="rect">
-                  <a:avLst/>
-                </a:prstGeom>
-                <a:noFill/>
-              </p:spPr>
-              <p:txBody>
-                <a:bodyPr wrap="square" rtlCol="0">
-                  <a:spAutoFit/>
-                </a:bodyPr>
-                <a:lstStyle/>
-                <a:p>
-                  <a:pPr algn="ctr"/>
-                  <a:r>
-                    <a:rPr lang="en-US" sz="2800" dirty="0">
-                      <a:cs typeface="Arial" panose="020B0604020202020204" pitchFamily="34" charset="0"/>
-                    </a:rPr>
-                    <a:t>Number of Master’s Degrees awarded in STEM fields across selected states</a:t>
-                  </a:r>
-                </a:p>
-              </p:txBody>
-            </p:sp>
-          </p:grpSp>
-        </p:grpSp>
-        <p:grpSp>
-          <p:nvGrpSpPr>
-            <p:cNvPr id="53" name="Group 52"/>
-            <p:cNvGrpSpPr/>
-            <p:nvPr/>
-          </p:nvGrpSpPr>
-          <p:grpSpPr>
-            <a:xfrm>
-              <a:off x="34540844" y="11695285"/>
-              <a:ext cx="7164006" cy="6121356"/>
-              <a:chOff x="34574847" y="11362986"/>
-              <a:chExt cx="7164006" cy="6121356"/>
-            </a:xfrm>
-          </p:grpSpPr>
-          <p:grpSp>
-            <p:nvGrpSpPr>
-              <p:cNvPr id="29" name="Group 28"/>
-              <p:cNvGrpSpPr/>
-              <p:nvPr/>
-            </p:nvGrpSpPr>
-            <p:grpSpPr>
-              <a:xfrm>
-                <a:off x="34574847" y="11989607"/>
-                <a:ext cx="7164006" cy="5494735"/>
-                <a:chOff x="26512307" y="14196772"/>
-                <a:chExt cx="7404393" cy="5494735"/>
-              </a:xfrm>
-            </p:grpSpPr>
-            <p:sp>
-              <p:nvSpPr>
-                <p:cNvPr id="15" name="TextBox 14"/>
-                <p:cNvSpPr txBox="1"/>
-                <p:nvPr/>
-              </p:nvSpPr>
-              <p:spPr>
-                <a:xfrm>
-                  <a:off x="26512307" y="18737400"/>
-                  <a:ext cx="7404393" cy="954107"/>
-                </a:xfrm>
-                <a:prstGeom prst="rect">
-                  <a:avLst/>
-                </a:prstGeom>
-                <a:noFill/>
-              </p:spPr>
-              <p:txBody>
-                <a:bodyPr wrap="square" rtlCol="0">
-                  <a:spAutoFit/>
-                </a:bodyPr>
-                <a:lstStyle/>
-                <a:p>
-                  <a:pPr algn="ctr"/>
-                  <a:r>
-                    <a:rPr lang="en-US" sz="2800" dirty="0">
-                      <a:cs typeface="Arial" panose="020B0604020202020204" pitchFamily="34" charset="0"/>
-                    </a:rPr>
-                    <a:t>Percentage of High Tech in Total Employment</a:t>
-                  </a:r>
-                </a:p>
-                <a:p>
-                  <a:pPr algn="ctr"/>
-                  <a:r>
-                    <a:rPr lang="en-US" sz="2800" dirty="0">
-                      <a:cs typeface="Arial" panose="020B0604020202020204" pitchFamily="34" charset="0"/>
-                    </a:rPr>
-                    <a:t>across the United States</a:t>
-                  </a:r>
-                </a:p>
-              </p:txBody>
-            </p:sp>
-            <p:pic>
-              <p:nvPicPr>
-                <p:cNvPr id="26" name="Picture 25"/>
-                <p:cNvPicPr>
-                  <a:picLocks noChangeAspect="1"/>
-                </p:cNvPicPr>
-                <p:nvPr/>
-              </p:nvPicPr>
-              <p:blipFill>
-                <a:blip r:embed="rId15">
-                  <a:extLst>
-                    <a:ext uri="{28A0092B-C50C-407E-A947-70E740481C1C}">
-                      <a14:useLocalDpi xmlns:a14="http://schemas.microsoft.com/office/drawing/2010/main" val="0"/>
-                    </a:ext>
-                  </a:extLst>
-                </a:blip>
-                <a:stretch>
-                  <a:fillRect/>
-                </a:stretch>
-              </p:blipFill>
-              <p:spPr>
-                <a:xfrm>
-                  <a:off x="26755393" y="14196772"/>
-                  <a:ext cx="6847933" cy="4565288"/>
-                </a:xfrm>
-                <a:prstGeom prst="rect">
-                  <a:avLst/>
-                </a:prstGeom>
-              </p:spPr>
-            </p:pic>
-          </p:grpSp>
-          <p:pic>
-            <p:nvPicPr>
-              <p:cNvPr id="50" name="Picture 49"/>
-              <p:cNvPicPr>
-                <a:picLocks noChangeAspect="1"/>
-              </p:cNvPicPr>
-              <p:nvPr/>
-            </p:nvPicPr>
-            <p:blipFill rotWithShape="1">
-              <a:blip r:embed="rId16">
-                <a:extLst>
-                  <a:ext uri="{28A0092B-C50C-407E-A947-70E740481C1C}">
-                    <a14:useLocalDpi xmlns:a14="http://schemas.microsoft.com/office/drawing/2010/main" val="0"/>
-                  </a:ext>
-                </a:extLst>
-              </a:blip>
-              <a:srcRect l="3431" r="7108" b="87387"/>
-              <a:stretch/>
-            </p:blipFill>
-            <p:spPr>
-              <a:xfrm>
-                <a:off x="34878804" y="11362986"/>
-                <a:ext cx="6488085" cy="686021"/>
-              </a:xfrm>
-              <a:prstGeom prst="rect">
-                <a:avLst/>
-              </a:prstGeom>
-            </p:spPr>
-          </p:pic>
-        </p:grpSp>
-      </p:grpSp>
       <p:grpSp>
         <p:nvGrpSpPr>
           <p:cNvPr id="114" name="Group 113"/>
@@ -5684,7 +4562,6 @@
               <a:rPr lang="en-US" sz="2800" b="1" dirty="0" smtClean="0"/>
               <a:t>Acknowledgements:</a:t>
             </a:r>
-            <a:endParaRPr lang="en-US" sz="2800" b="1" dirty="0" smtClean="0"/>
           </a:p>
           <a:p>
             <a:pPr marL="457200" indent="-457200" algn="just">
@@ -5746,110 +4623,6 @@
           </a:p>
         </p:txBody>
       </p:sp>
-      <p:pic>
-        <p:nvPicPr>
-          <p:cNvPr id="122" name="Picture 3"/>
-          <p:cNvPicPr>
-            <a:picLocks noChangeAspect="1" noChangeArrowheads="1"/>
-          </p:cNvPicPr>
-          <p:nvPr/>
-        </p:nvPicPr>
-        <p:blipFill rotWithShape="1">
-          <a:blip r:embed="rId17">
-            <a:extLst>
-              <a:ext uri="{28A0092B-C50C-407E-A947-70E740481C1C}">
-                <a14:useLocalDpi xmlns:a14="http://schemas.microsoft.com/office/drawing/2010/main" val="0"/>
-              </a:ext>
-            </a:extLst>
-          </a:blip>
-          <a:srcRect t="18528" b="17281"/>
-          <a:stretch/>
-        </p:blipFill>
-        <p:spPr bwMode="auto">
-          <a:xfrm>
-            <a:off x="43776900" y="20010737"/>
-            <a:ext cx="16002000" cy="6419922"/>
-          </a:xfrm>
-          <a:prstGeom prst="rect">
-            <a:avLst/>
-          </a:prstGeom>
-          <a:noFill/>
-          <a:ln>
-            <a:noFill/>
-          </a:ln>
-          <a:extLst>
-            <a:ext uri="{909E8E84-426E-40DD-AFC4-6F175D3DCCD1}">
-              <a14:hiddenFill xmlns:a14="http://schemas.microsoft.com/office/drawing/2010/main">
-                <a:solidFill>
-                  <a:schemeClr val="accent1"/>
-                </a:solidFill>
-              </a14:hiddenFill>
-            </a:ext>
-            <a:ext uri="{91240B29-F687-4F45-9708-019B960494DF}">
-              <a14:hiddenLine xmlns:a14="http://schemas.microsoft.com/office/drawing/2010/main" w="9525">
-                <a:solidFill>
-                  <a:schemeClr val="tx1"/>
-                </a:solidFill>
-                <a:miter lim="800000"/>
-                <a:headEnd/>
-                <a:tailEnd/>
-              </a14:hiddenLine>
-            </a:ext>
-          </a:extLst>
-        </p:spPr>
-      </p:pic>
-      <p:pic>
-        <p:nvPicPr>
-          <p:cNvPr id="123" name="Picture 2"/>
-          <p:cNvPicPr>
-            <a:picLocks noChangeAspect="1" noChangeArrowheads="1"/>
-          </p:cNvPicPr>
-          <p:nvPr/>
-        </p:nvPicPr>
-        <p:blipFill rotWithShape="1">
-          <a:blip r:embed="rId18">
-            <a:extLst>
-              <a:ext uri="{28A0092B-C50C-407E-A947-70E740481C1C}">
-                <a14:useLocalDpi xmlns:a14="http://schemas.microsoft.com/office/drawing/2010/main" val="0"/>
-              </a:ext>
-            </a:extLst>
-          </a:blip>
-          <a:srcRect t="19516" b="17862"/>
-          <a:stretch/>
-        </p:blipFill>
-        <p:spPr bwMode="auto">
-          <a:xfrm>
-            <a:off x="43892480" y="2672493"/>
-            <a:ext cx="16002000" cy="6262992"/>
-          </a:xfrm>
-          <a:prstGeom prst="rect">
-            <a:avLst/>
-          </a:prstGeom>
-          <a:noFill/>
-          <a:ln>
-            <a:noFill/>
-          </a:ln>
-          <a:extLst>
-            <a:ext uri="{909E8E84-426E-40DD-AFC4-6F175D3DCCD1}">
-              <a14:hiddenFill xmlns:a14="http://schemas.microsoft.com/office/drawing/2010/main">
-                <a:solidFill>
-                  <a:schemeClr val="accent1"/>
-                </a:solidFill>
-              </a14:hiddenFill>
-            </a:ext>
-            <a:ext uri="{91240B29-F687-4F45-9708-019B960494DF}">
-              <a14:hiddenLine xmlns:a14="http://schemas.microsoft.com/office/drawing/2010/main" w="9525">
-                <a:solidFill>
-                  <a:schemeClr val="tx1"/>
-                </a:solidFill>
-                <a:miter lim="800000"/>
-                <a:headEnd/>
-                <a:tailEnd/>
-              </a14:hiddenLine>
-            </a:ext>
-          </a:extLst>
-        </p:spPr>
-      </p:pic>
       <p:pic>
         <p:nvPicPr>
           <p:cNvPr id="127" name="Picture 5"/>
@@ -5859,7 +4632,7 @@
           <p:nvPr/>
         </p:nvPicPr>
         <p:blipFill rotWithShape="1">
-          <a:blip r:embed="rId19">
+          <a:blip r:embed="rId5">
             <a:extLst>
               <a:ext uri="{28A0092B-C50C-407E-A947-70E740481C1C}">
                 <a14:useLocalDpi xmlns:a14="http://schemas.microsoft.com/office/drawing/2010/main" val="0"/>
@@ -5873,58 +4646,6 @@
           <a:xfrm>
             <a:off x="16075009" y="6003891"/>
             <a:ext cx="11722363" cy="6992495"/>
-          </a:xfrm>
-          <a:prstGeom prst="rect">
-            <a:avLst/>
-          </a:prstGeom>
-          <a:noFill/>
-          <a:ln>
-            <a:noFill/>
-          </a:ln>
-          <a:extLst>
-            <a:ext uri="{909E8E84-426E-40DD-AFC4-6F175D3DCCD1}">
-              <a14:hiddenFill xmlns:a14="http://schemas.microsoft.com/office/drawing/2010/main">
-                <a:solidFill>
-                  <a:schemeClr val="accent1"/>
-                </a:solidFill>
-              </a14:hiddenFill>
-            </a:ext>
-            <a:ext uri="{91240B29-F687-4F45-9708-019B960494DF}">
-              <a14:hiddenLine xmlns:a14="http://schemas.microsoft.com/office/drawing/2010/main" w="9525">
-                <a:solidFill>
-                  <a:schemeClr val="tx1"/>
-                </a:solidFill>
-                <a:miter lim="800000"/>
-                <a:headEnd/>
-                <a:tailEnd/>
-              </a14:hiddenLine>
-            </a:ext>
-          </a:extLst>
-        </p:spPr>
-      </p:pic>
-      <p:pic>
-        <p:nvPicPr>
-          <p:cNvPr id="125" name="Picture 4"/>
-          <p:cNvPicPr>
-            <a:picLocks noChangeAspect="1" noChangeArrowheads="1"/>
-          </p:cNvPicPr>
-          <p:nvPr/>
-        </p:nvPicPr>
-        <p:blipFill rotWithShape="1">
-          <a:blip r:embed="rId20">
-            <a:extLst>
-              <a:ext uri="{28A0092B-C50C-407E-A947-70E740481C1C}">
-                <a14:useLocalDpi xmlns:a14="http://schemas.microsoft.com/office/drawing/2010/main" val="0"/>
-              </a:ext>
-            </a:extLst>
-          </a:blip>
-          <a:srcRect l="12759" t="17850" r="13986" b="16999"/>
-          <a:stretch/>
-        </p:blipFill>
-        <p:spPr bwMode="auto">
-          <a:xfrm>
-            <a:off x="44348400" y="10458524"/>
-            <a:ext cx="11722363" cy="6515950"/>
           </a:xfrm>
           <a:prstGeom prst="rect">
             <a:avLst/>
@@ -6171,11 +4892,11 @@
           <p:nvPr/>
         </p:nvPicPr>
         <p:blipFill rotWithShape="1">
-          <a:blip r:embed="rId21">
+          <a:blip r:embed="rId6">
             <a:extLst>
               <a:ext uri="{BEBA8EAE-BF5A-486C-A8C5-ECC9F3942E4B}">
                 <a14:imgProps xmlns:a14="http://schemas.microsoft.com/office/drawing/2010/main">
-                  <a14:imgLayer r:embed="rId22">
+                  <a14:imgLayer r:embed="rId7">
                     <a14:imgEffect>
                       <a14:sharpenSoften amount="20000"/>
                     </a14:imgEffect>
@@ -6225,62 +4946,6 @@
       </p:pic>
       <p:pic>
         <p:nvPicPr>
-          <p:cNvPr id="1028" name="Picture 4"/>
-          <p:cNvPicPr>
-            <a:picLocks noChangeAspect="1" noChangeArrowheads="1"/>
-          </p:cNvPicPr>
-          <p:nvPr/>
-        </p:nvPicPr>
-        <p:blipFill rotWithShape="1">
-          <a:blip r:embed="rId23">
-            <a:extLst>
-              <a:ext uri="{BEBA8EAE-BF5A-486C-A8C5-ECC9F3942E4B}">
-                <a14:imgProps xmlns:a14="http://schemas.microsoft.com/office/drawing/2010/main">
-                  <a14:imgLayer r:embed="rId24">
-                    <a14:imgEffect>
-                      <a14:sharpenSoften amount="20000"/>
-                    </a14:imgEffect>
-                  </a14:imgLayer>
-                </a14:imgProps>
-              </a:ext>
-              <a:ext uri="{28A0092B-C50C-407E-A947-70E740481C1C}">
-                <a14:useLocalDpi xmlns:a14="http://schemas.microsoft.com/office/drawing/2010/main" val="0"/>
-              </a:ext>
-            </a:extLst>
-          </a:blip>
-          <a:srcRect l="23095" t="10381" r="4568" b="37563"/>
-          <a:stretch/>
-        </p:blipFill>
-        <p:spPr bwMode="auto">
-          <a:xfrm>
-            <a:off x="45063392" y="26932010"/>
-            <a:ext cx="11575318" cy="5206304"/>
-          </a:xfrm>
-          <a:prstGeom prst="rect">
-            <a:avLst/>
-          </a:prstGeom>
-          <a:noFill/>
-          <a:ln w="57150">
-            <a:solidFill>
-              <a:schemeClr val="tx1"/>
-            </a:solidFill>
-            <a:miter lim="800000"/>
-            <a:headEnd/>
-            <a:tailEnd/>
-          </a:ln>
-          <a:extLst>
-            <a:ext uri="{909E8E84-426E-40DD-AFC4-6F175D3DCCD1}">
-              <a14:hiddenFill xmlns:a14="http://schemas.microsoft.com/office/drawing/2010/main">
-                <a:solidFill>
-                  <a:schemeClr val="accent1"/>
-                </a:solidFill>
-              </a14:hiddenFill>
-            </a:ext>
-          </a:extLst>
-        </p:spPr>
-      </p:pic>
-      <p:pic>
-        <p:nvPicPr>
           <p:cNvPr id="162" name="Picture 161"/>
           <p:cNvPicPr>
             <a:picLocks noChangeAspect="1"/>
@@ -6288,7 +4953,7 @@
           <p:nvPr/>
         </p:nvPicPr>
         <p:blipFill>
-          <a:blip r:embed="rId25">
+          <a:blip r:embed="rId8">
             <a:extLst>
               <a:ext uri="{28A0092B-C50C-407E-A947-70E740481C1C}">
                 <a14:useLocalDpi xmlns:a14="http://schemas.microsoft.com/office/drawing/2010/main" val="0"/>
@@ -6318,7 +4983,7 @@
           <p:nvPr/>
         </p:nvPicPr>
         <p:blipFill rotWithShape="1">
-          <a:blip r:embed="rId26">
+          <a:blip r:embed="rId9">
             <a:extLst>
               <a:ext uri="{28A0092B-C50C-407E-A947-70E740481C1C}">
                 <a14:useLocalDpi xmlns:a14="http://schemas.microsoft.com/office/drawing/2010/main" val="0"/>
@@ -6346,7 +5011,7 @@
         </p:nvSpPr>
         <p:spPr>
           <a:xfrm>
-            <a:off x="30136635" y="5469812"/>
+            <a:off x="30267387" y="5826210"/>
             <a:ext cx="11609275" cy="5509200"/>
           </a:xfrm>
           <a:prstGeom prst="rect">
@@ -6444,7 +5109,7 @@
           <p:nvPr/>
         </p:nvPicPr>
         <p:blipFill rotWithShape="1">
-          <a:blip r:embed="rId27">
+          <a:blip r:embed="rId10">
             <a:extLst>
               <a:ext uri="{28A0092B-C50C-407E-A947-70E740481C1C}">
                 <a14:useLocalDpi xmlns:a14="http://schemas.microsoft.com/office/drawing/2010/main" val="0"/>
@@ -6552,8 +5217,12 @@
           <a:lstStyle/>
           <a:p>
             <a:r>
+              <a:rPr lang="en-US" sz="3200" dirty="0" smtClean="0"/>
+              <a:t>MATTERS </a:t>
+            </a:r>
+            <a:r>
               <a:rPr lang="en-US" sz="3200" dirty="0"/>
-              <a:t>MATTERS’ custom talent index displayed on home page</a:t>
+              <a:t>custom talent index displayed on home page</a:t>
             </a:r>
           </a:p>
         </p:txBody>
@@ -6689,7 +5358,7 @@
           <p:nvPr/>
         </p:nvPicPr>
         <p:blipFill>
-          <a:blip r:embed="rId28"/>
+          <a:blip r:embed="rId11"/>
           <a:stretch>
             <a:fillRect/>
           </a:stretch>

--- a/mqp_poster.pptx
+++ b/mqp_poster.pptx
@@ -4280,13 +4280,7 @@
               <a:rPr lang="en-US" sz="3200" dirty="0" smtClean="0">
                 <a:cs typeface="Times New Roman" panose="02020603050405020304" pitchFamily="18" charset="0"/>
               </a:rPr>
-              <a:t>pre-existing metrics and be able to use these metrics as a part of their own economic </a:t>
-            </a:r>
-            <a:r>
-              <a:rPr lang="en-US" sz="3200" dirty="0" smtClean="0">
-                <a:cs typeface="Times New Roman" panose="02020603050405020304" pitchFamily="18" charset="0"/>
-              </a:rPr>
-              <a:t>indicators</a:t>
+              <a:t>pre-existing metrics and be able to use these metrics as a part of their own economic indicators</a:t>
             </a:r>
             <a:endParaRPr lang="en-US" sz="3200" dirty="0">
               <a:cs typeface="Times New Roman" panose="02020603050405020304" pitchFamily="18" charset="0"/>
@@ -5221,8 +5215,12 @@
               <a:t>MATTERS </a:t>
             </a:r>
             <a:r>
+              <a:rPr lang="en-US" sz="3200" dirty="0" smtClean="0"/>
+              <a:t>custom quality index </a:t>
+            </a:r>
+            <a:r>
               <a:rPr lang="en-US" sz="3200" dirty="0"/>
-              <a:t>custom talent index displayed on home page</a:t>
+              <a:t>displayed on home page</a:t>
             </a:r>
           </a:p>
         </p:txBody>

--- a/mqp_poster.pptx
+++ b/mqp_poster.pptx
@@ -113,6 +113,16 @@
           </p15:clr>
         </p15:guide>
         <p15:guide id="2" pos="13824">
+          <p15:clr>
+            <a:srgbClr val="A4A3A4"/>
+          </p15:clr>
+        </p15:guide>
+        <p15:guide id="3" orient="horz" pos="3456">
+          <p15:clr>
+            <a:srgbClr val="A4A3A4"/>
+          </p15:clr>
+        </p15:guide>
+        <p15:guide id="4" pos="17568">
           <p15:clr>
             <a:srgbClr val="A4A3A4"/>
           </p15:clr>
@@ -4192,8 +4202,8 @@
         </p:blipFill>
         <p:spPr>
           <a:xfrm>
-            <a:off x="10058400" y="10824073"/>
-            <a:ext cx="3949641" cy="1987077"/>
+            <a:off x="10744200" y="10662202"/>
+            <a:ext cx="3492441" cy="1757058"/>
           </a:xfrm>
           <a:prstGeom prst="rect">
             <a:avLst/>
@@ -4209,7 +4219,7 @@
         <p:spPr>
           <a:xfrm>
             <a:off x="1280517" y="5792603"/>
-            <a:ext cx="12792374" cy="5632311"/>
+            <a:ext cx="12792374" cy="6617196"/>
           </a:xfrm>
           <a:prstGeom prst="rect">
             <a:avLst/>
@@ -4241,16 +4251,34 @@
               <a:buChar char="•"/>
             </a:pPr>
             <a:r>
+              <a:rPr lang="en-US" sz="3200" dirty="0" smtClean="0">
+                <a:cs typeface="Times New Roman" panose="02020603050405020304" pitchFamily="18" charset="0"/>
+              </a:rPr>
+              <a:t>The Massachusetts Technology, Talent, and Economic Reporting System (MATTERS) </a:t>
+            </a:r>
+            <a:r>
               <a:rPr lang="en-US" sz="3200" dirty="0">
                 <a:cs typeface="Times New Roman" panose="02020603050405020304" pitchFamily="18" charset="0"/>
               </a:rPr>
-              <a:t>Incorporate data from across many diverse online sources into one platform for extraction, exploration, visualization and </a:t>
+              <a:t>i</a:t>
             </a:r>
             <a:r>
               <a:rPr lang="en-US" sz="3200" dirty="0" smtClean="0">
                 <a:cs typeface="Times New Roman" panose="02020603050405020304" pitchFamily="18" charset="0"/>
               </a:rPr>
-              <a:t>analytics</a:t>
+              <a:t>ncorporates </a:t>
+            </a:r>
+            <a:r>
+              <a:rPr lang="en-US" sz="3200" dirty="0">
+                <a:cs typeface="Times New Roman" panose="02020603050405020304" pitchFamily="18" charset="0"/>
+              </a:rPr>
+              <a:t>data from across many diverse online sources into one platform for extraction, exploration, </a:t>
+            </a:r>
+            <a:r>
+              <a:rPr lang="en-US" sz="3200" dirty="0" smtClean="0">
+                <a:cs typeface="Times New Roman" panose="02020603050405020304" pitchFamily="18" charset="0"/>
+              </a:rPr>
+              <a:t>and visualization</a:t>
             </a:r>
             <a:endParaRPr lang="en-US" sz="3200" dirty="0">
               <a:cs typeface="Times New Roman" panose="02020603050405020304" pitchFamily="18" charset="0"/>
@@ -4271,16 +4299,10 @@
               <a:buChar char="•"/>
             </a:pPr>
             <a:r>
-              <a:rPr lang="en-US" sz="3200" dirty="0">
-                <a:cs typeface="Times New Roman" panose="02020603050405020304" pitchFamily="18" charset="0"/>
-              </a:rPr>
-              <a:t>Provide access to </a:t>
-            </a:r>
-            <a:r>
               <a:rPr lang="en-US" sz="3200" dirty="0" smtClean="0">
                 <a:cs typeface="Times New Roman" panose="02020603050405020304" pitchFamily="18" charset="0"/>
               </a:rPr>
-              <a:t>pre-existing metrics and be able to use these metrics as a part of their own economic indicators</a:t>
+              <a:t>Metric Builder tool provides users with the ability to use pre-existing metrics in the system as a part of their own economic indicators</a:t>
             </a:r>
             <a:endParaRPr lang="en-US" sz="3200" dirty="0">
               <a:cs typeface="Times New Roman" panose="02020603050405020304" pitchFamily="18" charset="0"/>
@@ -4301,26 +4323,76 @@
               <a:buChar char="•"/>
             </a:pPr>
             <a:r>
+              <a:rPr lang="en-US" sz="3200" dirty="0" smtClean="0">
+                <a:cs typeface="Times New Roman" panose="02020603050405020304" pitchFamily="18" charset="0"/>
+              </a:rPr>
+              <a:t>Access to rich collection of data and tools for </a:t>
+            </a:r>
+          </a:p>
+          <a:p>
+            <a:r>
               <a:rPr lang="en-US" sz="3200" dirty="0">
                 <a:cs typeface="Times New Roman" panose="02020603050405020304" pitchFamily="18" charset="0"/>
               </a:rPr>
-              <a:t>Help business leaders and policy makers evaluate </a:t>
-            </a:r>
-          </a:p>
-          <a:p>
+              <a:t> </a:t>
+            </a:r>
+            <a:r>
+              <a:rPr lang="en-US" sz="3200" dirty="0" smtClean="0">
+                <a:cs typeface="Times New Roman" panose="02020603050405020304" pitchFamily="18" charset="0"/>
+              </a:rPr>
+              <a:t>    exploration helps </a:t>
+            </a:r>
             <a:r>
               <a:rPr lang="en-US" sz="3200" dirty="0">
                 <a:cs typeface="Times New Roman" panose="02020603050405020304" pitchFamily="18" charset="0"/>
               </a:rPr>
-              <a:t>     the competitive position of Massachusetts among </a:t>
-            </a:r>
+              <a:t>business leaders and policy makers </a:t>
+            </a:r>
+            <a:endParaRPr lang="en-US" sz="3200" dirty="0" smtClean="0">
+              <a:cs typeface="Times New Roman" panose="02020603050405020304" pitchFamily="18" charset="0"/>
+            </a:endParaRPr>
           </a:p>
           <a:p>
             <a:r>
               <a:rPr lang="en-US" sz="3200" dirty="0">
                 <a:cs typeface="Times New Roman" panose="02020603050405020304" pitchFamily="18" charset="0"/>
               </a:rPr>
-              <a:t>     top technology states in the </a:t>
+              <a:t> </a:t>
+            </a:r>
+            <a:r>
+              <a:rPr lang="en-US" sz="3200" dirty="0" smtClean="0">
+                <a:cs typeface="Times New Roman" panose="02020603050405020304" pitchFamily="18" charset="0"/>
+              </a:rPr>
+              <a:t>    evaluate the </a:t>
+            </a:r>
+            <a:r>
+              <a:rPr lang="en-US" sz="3200" dirty="0">
+                <a:cs typeface="Times New Roman" panose="02020603050405020304" pitchFamily="18" charset="0"/>
+              </a:rPr>
+              <a:t>competitive position of Massachusetts </a:t>
+            </a:r>
+            <a:endParaRPr lang="en-US" sz="3200" dirty="0" smtClean="0">
+              <a:cs typeface="Times New Roman" panose="02020603050405020304" pitchFamily="18" charset="0"/>
+            </a:endParaRPr>
+          </a:p>
+          <a:p>
+            <a:r>
+              <a:rPr lang="en-US" sz="3200" dirty="0">
+                <a:cs typeface="Times New Roman" panose="02020603050405020304" pitchFamily="18" charset="0"/>
+              </a:rPr>
+              <a:t> </a:t>
+            </a:r>
+            <a:r>
+              <a:rPr lang="en-US" sz="3200" dirty="0" smtClean="0">
+                <a:cs typeface="Times New Roman" panose="02020603050405020304" pitchFamily="18" charset="0"/>
+              </a:rPr>
+              <a:t>    among top </a:t>
+            </a:r>
+            <a:r>
+              <a:rPr lang="en-US" sz="3200" dirty="0">
+                <a:cs typeface="Times New Roman" panose="02020603050405020304" pitchFamily="18" charset="0"/>
+              </a:rPr>
+              <a:t>technology states in the </a:t>
             </a:r>
             <a:r>
               <a:rPr lang="en-US" sz="3200" dirty="0" smtClean="0">
@@ -4617,58 +4689,6 @@
           </a:p>
         </p:txBody>
       </p:sp>
-      <p:pic>
-        <p:nvPicPr>
-          <p:cNvPr id="127" name="Picture 5"/>
-          <p:cNvPicPr>
-            <a:picLocks noChangeAspect="1" noChangeArrowheads="1"/>
-          </p:cNvPicPr>
-          <p:nvPr/>
-        </p:nvPicPr>
-        <p:blipFill rotWithShape="1">
-          <a:blip r:embed="rId5">
-            <a:extLst>
-              <a:ext uri="{28A0092B-C50C-407E-A947-70E740481C1C}">
-                <a14:useLocalDpi xmlns:a14="http://schemas.microsoft.com/office/drawing/2010/main" val="0"/>
-              </a:ext>
-            </a:extLst>
-          </a:blip>
-          <a:srcRect l="12687" t="17759" r="14057" b="12325"/>
-          <a:stretch/>
-        </p:blipFill>
-        <p:spPr bwMode="auto">
-          <a:xfrm>
-            <a:off x="16075009" y="6003891"/>
-            <a:ext cx="11722363" cy="6992495"/>
-          </a:xfrm>
-          <a:prstGeom prst="rect">
-            <a:avLst/>
-          </a:prstGeom>
-          <a:noFill/>
-          <a:ln>
-            <a:noFill/>
-          </a:ln>
-          <a:extLst>
-            <a:ext uri="{909E8E84-426E-40DD-AFC4-6F175D3DCCD1}">
-              <a14:hiddenFill xmlns:a14="http://schemas.microsoft.com/office/drawing/2010/main">
-                <a:solidFill>
-                  <a:schemeClr val="accent1"/>
-                </a:solidFill>
-              </a14:hiddenFill>
-            </a:ext>
-            <a:ext uri="{91240B29-F687-4F45-9708-019B960494DF}">
-              <a14:hiddenLine xmlns:a14="http://schemas.microsoft.com/office/drawing/2010/main" w="9525">
-                <a:solidFill>
-                  <a:schemeClr val="tx1"/>
-                </a:solidFill>
-                <a:miter lim="800000"/>
-                <a:headEnd/>
-                <a:tailEnd/>
-              </a14:hiddenLine>
-            </a:ext>
-          </a:extLst>
-        </p:spPr>
-      </p:pic>
       <p:grpSp>
         <p:nvGrpSpPr>
           <p:cNvPr id="135" name="Group 134"/>
@@ -4886,11 +4906,11 @@
           <p:nvPr/>
         </p:nvPicPr>
         <p:blipFill rotWithShape="1">
-          <a:blip r:embed="rId6">
+          <a:blip r:embed="rId5">
             <a:extLst>
               <a:ext uri="{BEBA8EAE-BF5A-486C-A8C5-ECC9F3942E4B}">
                 <a14:imgProps xmlns:a14="http://schemas.microsoft.com/office/drawing/2010/main">
-                  <a14:imgLayer r:embed="rId7">
+                  <a14:imgLayer r:embed="rId6">
                     <a14:imgEffect>
                       <a14:sharpenSoften amount="20000"/>
                     </a14:imgEffect>
@@ -4909,6 +4929,667 @@
           <a:xfrm>
             <a:off x="4530236" y="15203921"/>
             <a:ext cx="9201228" cy="6782500"/>
+          </a:xfrm>
+          <a:prstGeom prst="rect">
+            <a:avLst/>
+          </a:prstGeom>
+          <a:noFill/>
+          <a:ln w="9525">
+            <a:solidFill>
+              <a:schemeClr val="tx1"/>
+            </a:solidFill>
+            <a:miter lim="800000"/>
+            <a:headEnd/>
+            <a:tailEnd/>
+          </a:ln>
+          <a:extLst>
+            <a:ext uri="{909E8E84-426E-40DD-AFC4-6F175D3DCCD1}">
+              <a14:hiddenFill xmlns:a14="http://schemas.microsoft.com/office/drawing/2010/main">
+                <a:solidFill>
+                  <a:schemeClr val="accent1"/>
+                </a:solidFill>
+              </a14:hiddenFill>
+            </a:ext>
+          </a:extLst>
+        </p:spPr>
+      </p:pic>
+      <p:pic>
+        <p:nvPicPr>
+          <p:cNvPr id="162" name="Picture 161"/>
+          <p:cNvPicPr>
+            <a:picLocks noChangeAspect="1"/>
+          </p:cNvPicPr>
+          <p:nvPr/>
+        </p:nvPicPr>
+        <p:blipFill>
+          <a:blip r:embed="rId7">
+            <a:extLst>
+              <a:ext uri="{28A0092B-C50C-407E-A947-70E740481C1C}">
+                <a14:useLocalDpi xmlns:a14="http://schemas.microsoft.com/office/drawing/2010/main" val="0"/>
+              </a:ext>
+            </a:extLst>
+          </a:blip>
+          <a:stretch>
+            <a:fillRect/>
+          </a:stretch>
+        </p:blipFill>
+        <p:spPr>
+          <a:xfrm>
+            <a:off x="30315910" y="15113620"/>
+            <a:ext cx="11560752" cy="7177147"/>
+          </a:xfrm>
+          <a:prstGeom prst="rect">
+            <a:avLst/>
+          </a:prstGeom>
+          <a:ln w="28575">
+            <a:solidFill>
+              <a:schemeClr val="tx1"/>
+            </a:solidFill>
+          </a:ln>
+        </p:spPr>
+      </p:pic>
+      <p:sp>
+        <p:nvSpPr>
+          <p:cNvPr id="8" name="TextBox 7"/>
+          <p:cNvSpPr txBox="1"/>
+          <p:nvPr/>
+        </p:nvSpPr>
+        <p:spPr>
+          <a:xfrm>
+            <a:off x="30136635" y="5792603"/>
+            <a:ext cx="11609275" cy="6555641"/>
+          </a:xfrm>
+          <a:prstGeom prst="rect">
+            <a:avLst/>
+          </a:prstGeom>
+          <a:noFill/>
+        </p:spPr>
+        <p:txBody>
+          <a:bodyPr wrap="square" rtlCol="0">
+            <a:spAutoFit/>
+          </a:bodyPr>
+          <a:lstStyle/>
+          <a:p>
+            <a:pPr marL="0" lvl="1" algn="ctr"/>
+            <a:r>
+              <a:rPr lang="en-US" sz="3600" b="1" dirty="0" smtClean="0">
+                <a:cs typeface="Times New Roman" panose="02020603050405020304" pitchFamily="18" charset="0"/>
+              </a:rPr>
+              <a:t>Access to high fidelity </a:t>
+            </a:r>
+            <a:r>
+              <a:rPr lang="en-US" sz="3600" b="1" smtClean="0">
+                <a:cs typeface="Times New Roman" panose="02020603050405020304" pitchFamily="18" charset="0"/>
+              </a:rPr>
+              <a:t>data resource  </a:t>
+            </a:r>
+            <a:endParaRPr lang="en-US" sz="3600" b="1" dirty="0" smtClean="0">
+              <a:cs typeface="Times New Roman" panose="02020603050405020304" pitchFamily="18" charset="0"/>
+            </a:endParaRPr>
+          </a:p>
+          <a:p>
+            <a:endParaRPr lang="en-US" sz="3200" dirty="0" smtClean="0"/>
+          </a:p>
+          <a:p>
+            <a:pPr marL="457200" indent="-457200">
+              <a:buFont typeface="Arial" charset="0"/>
+              <a:buChar char="•"/>
+            </a:pPr>
+            <a:r>
+              <a:rPr lang="en-US" sz="3200" dirty="0" smtClean="0"/>
+              <a:t>Application Program Interface </a:t>
+            </a:r>
+            <a:r>
+              <a:rPr lang="en-US" sz="3200" dirty="0"/>
+              <a:t>(API) </a:t>
+            </a:r>
+            <a:r>
+              <a:rPr lang="en-US" sz="3200" dirty="0" smtClean="0"/>
+              <a:t>- </a:t>
+            </a:r>
+            <a:r>
+              <a:rPr lang="en-US" sz="3200" dirty="0"/>
+              <a:t>code that allows two software programs to communicate with each other</a:t>
+            </a:r>
+          </a:p>
+          <a:p>
+            <a:pPr marL="457200" indent="-457200">
+              <a:buFont typeface="Arial" charset="0"/>
+              <a:buChar char="•"/>
+            </a:pPr>
+            <a:endParaRPr lang="en-US" sz="3200" dirty="0"/>
+          </a:p>
+          <a:p>
+            <a:pPr marL="457200" indent="-457200">
+              <a:buFont typeface="Arial" charset="0"/>
+              <a:buChar char="•"/>
+            </a:pPr>
+            <a:r>
+              <a:rPr lang="en-US" sz="3200" dirty="0" smtClean="0"/>
+              <a:t>Allows other software systems to make use of MATTERS data and analytics</a:t>
+            </a:r>
+          </a:p>
+          <a:p>
+            <a:pPr marL="457200" indent="-457200">
+              <a:buFont typeface="Arial" charset="0"/>
+              <a:buChar char="•"/>
+            </a:pPr>
+            <a:endParaRPr lang="en-US" sz="3200" dirty="0" smtClean="0"/>
+          </a:p>
+          <a:p>
+            <a:pPr marL="457200" indent="-457200">
+              <a:buFont typeface="Arial" charset="0"/>
+              <a:buChar char="•"/>
+            </a:pPr>
+            <a:r>
+              <a:rPr lang="en-US" sz="3200" dirty="0" smtClean="0"/>
+              <a:t>API controller returns states and metrics information, as well as data for requested metrics, states and years.</a:t>
+            </a:r>
+          </a:p>
+          <a:p>
+            <a:pPr marL="457200" indent="-457200">
+              <a:buFont typeface="Arial" charset="0"/>
+              <a:buChar char="•"/>
+            </a:pPr>
+            <a:endParaRPr lang="en-US" sz="3200" dirty="0" smtClean="0"/>
+          </a:p>
+          <a:p>
+            <a:pPr marL="457200" indent="-457200">
+              <a:buFont typeface="Arial" charset="0"/>
+              <a:buChar char="•"/>
+            </a:pPr>
+            <a:r>
+              <a:rPr lang="en-US" sz="3200" dirty="0" smtClean="0"/>
+              <a:t>End users are programmers – they can easily use MATTERS data in their software</a:t>
+            </a:r>
+            <a:endParaRPr lang="en-US" sz="3200" dirty="0"/>
+          </a:p>
+        </p:txBody>
+      </p:sp>
+      <p:grpSp>
+        <p:nvGrpSpPr>
+          <p:cNvPr id="13" name="Group 12"/>
+          <p:cNvGrpSpPr/>
+          <p:nvPr/>
+        </p:nvGrpSpPr>
+        <p:grpSpPr>
+          <a:xfrm>
+            <a:off x="15801976" y="5523165"/>
+            <a:ext cx="11910555" cy="7874074"/>
+            <a:chOff x="14902287" y="5688383"/>
+            <a:chExt cx="12393475" cy="8193333"/>
+          </a:xfrm>
+        </p:grpSpPr>
+        <p:pic>
+          <p:nvPicPr>
+            <p:cNvPr id="6" name="Picture 5"/>
+            <p:cNvPicPr>
+              <a:picLocks noChangeAspect="1"/>
+            </p:cNvPicPr>
+            <p:nvPr/>
+          </p:nvPicPr>
+          <p:blipFill rotWithShape="1">
+            <a:blip r:embed="rId8">
+              <a:extLst>
+                <a:ext uri="{28A0092B-C50C-407E-A947-70E740481C1C}">
+                  <a14:useLocalDpi xmlns:a14="http://schemas.microsoft.com/office/drawing/2010/main" val="0"/>
+                </a:ext>
+              </a:extLst>
+            </a:blip>
+            <a:srcRect t="15865" r="16116" b="-4615"/>
+            <a:stretch/>
+          </p:blipFill>
+          <p:spPr>
+            <a:xfrm>
+              <a:off x="14902287" y="5688383"/>
+              <a:ext cx="9244385" cy="6922453"/>
+            </a:xfrm>
+            <a:prstGeom prst="rect">
+              <a:avLst/>
+            </a:prstGeom>
+            <a:ln w="38100">
+              <a:noFill/>
+            </a:ln>
+          </p:spPr>
+        </p:pic>
+        <p:pic>
+          <p:nvPicPr>
+            <p:cNvPr id="2" name="Picture 1"/>
+            <p:cNvPicPr>
+              <a:picLocks noChangeAspect="1"/>
+            </p:cNvPicPr>
+            <p:nvPr/>
+          </p:nvPicPr>
+          <p:blipFill rotWithShape="1">
+            <a:blip r:embed="rId9">
+              <a:extLst>
+                <a:ext uri="{28A0092B-C50C-407E-A947-70E740481C1C}">
+                  <a14:useLocalDpi xmlns:a14="http://schemas.microsoft.com/office/drawing/2010/main" val="0"/>
+                </a:ext>
+              </a:extLst>
+            </a:blip>
+            <a:srcRect t="-2" b="47829"/>
+            <a:stretch/>
+          </p:blipFill>
+          <p:spPr>
+            <a:xfrm>
+              <a:off x="19524024" y="8633147"/>
+              <a:ext cx="7771738" cy="5248569"/>
+            </a:xfrm>
+            <a:prstGeom prst="rect">
+              <a:avLst/>
+            </a:prstGeom>
+            <a:ln w="28575">
+              <a:solidFill>
+                <a:schemeClr val="tx1">
+                  <a:lumMod val="50000"/>
+                  <a:lumOff val="50000"/>
+                </a:schemeClr>
+              </a:solidFill>
+            </a:ln>
+          </p:spPr>
+        </p:pic>
+      </p:grpSp>
+      <p:sp>
+        <p:nvSpPr>
+          <p:cNvPr id="12" name="TextBox 11"/>
+          <p:cNvSpPr txBox="1"/>
+          <p:nvPr/>
+        </p:nvSpPr>
+        <p:spPr>
+          <a:xfrm>
+            <a:off x="15787955" y="13569431"/>
+            <a:ext cx="12185593" cy="584775"/>
+          </a:xfrm>
+          <a:prstGeom prst="rect">
+            <a:avLst/>
+          </a:prstGeom>
+          <a:noFill/>
+        </p:spPr>
+        <p:txBody>
+          <a:bodyPr wrap="square" rtlCol="0">
+            <a:spAutoFit/>
+          </a:bodyPr>
+          <a:lstStyle/>
+          <a:p>
+            <a:pPr algn="ctr"/>
+            <a:r>
+              <a:rPr lang="en-US" sz="3200" b="1" dirty="0"/>
+              <a:t>Outputting </a:t>
+            </a:r>
+            <a:r>
+              <a:rPr lang="en-US" sz="3200" b="1" dirty="0" smtClean="0"/>
+              <a:t>data extracted via the MATTERS API</a:t>
+            </a:r>
+            <a:endParaRPr lang="en-US" sz="3200" b="1" dirty="0"/>
+          </a:p>
+        </p:txBody>
+      </p:sp>
+      <p:sp>
+        <p:nvSpPr>
+          <p:cNvPr id="14" name="TextBox 13"/>
+          <p:cNvSpPr txBox="1"/>
+          <p:nvPr/>
+        </p:nvSpPr>
+        <p:spPr>
+          <a:xfrm>
+            <a:off x="15942618" y="30782544"/>
+            <a:ext cx="11769914" cy="584775"/>
+          </a:xfrm>
+          <a:prstGeom prst="rect">
+            <a:avLst/>
+          </a:prstGeom>
+          <a:noFill/>
+        </p:spPr>
+        <p:txBody>
+          <a:bodyPr wrap="square" rtlCol="0">
+            <a:spAutoFit/>
+          </a:bodyPr>
+          <a:lstStyle/>
+          <a:p>
+            <a:pPr algn="ctr"/>
+            <a:r>
+              <a:rPr lang="en-US" sz="3200" b="1" dirty="0"/>
+              <a:t>Visualizing custom made metrics in the </a:t>
+            </a:r>
+            <a:r>
+              <a:rPr lang="en-US" sz="3200" b="1" dirty="0" smtClean="0"/>
+              <a:t>MATTERS Data </a:t>
+            </a:r>
+            <a:r>
+              <a:rPr lang="en-US" sz="3200" b="1" dirty="0"/>
+              <a:t>Explorer</a:t>
+            </a:r>
+          </a:p>
+        </p:txBody>
+      </p:sp>
+      <p:sp>
+        <p:nvSpPr>
+          <p:cNvPr id="17" name="TextBox 16"/>
+          <p:cNvSpPr txBox="1"/>
+          <p:nvPr/>
+        </p:nvSpPr>
+        <p:spPr>
+          <a:xfrm>
+            <a:off x="16075009" y="22413547"/>
+            <a:ext cx="11722363" cy="584773"/>
+          </a:xfrm>
+          <a:prstGeom prst="rect">
+            <a:avLst/>
+          </a:prstGeom>
+          <a:noFill/>
+        </p:spPr>
+        <p:txBody>
+          <a:bodyPr wrap="square" rtlCol="0">
+            <a:spAutoFit/>
+          </a:bodyPr>
+          <a:lstStyle/>
+          <a:p>
+            <a:pPr algn="ctr"/>
+            <a:r>
+              <a:rPr lang="en-US" sz="3200" b="1" dirty="0" smtClean="0"/>
+              <a:t>MATTERS </a:t>
+            </a:r>
+            <a:r>
+              <a:rPr lang="en-US" sz="3200" b="1" dirty="0"/>
+              <a:t>custom </a:t>
+            </a:r>
+            <a:r>
+              <a:rPr lang="en-US" sz="3200" b="1" dirty="0" smtClean="0"/>
+              <a:t>quality </a:t>
+            </a:r>
+            <a:r>
+              <a:rPr lang="en-US" sz="3200" b="1" dirty="0"/>
+              <a:t>index displayed on home page</a:t>
+            </a:r>
+          </a:p>
+        </p:txBody>
+      </p:sp>
+      <p:sp>
+        <p:nvSpPr>
+          <p:cNvPr id="93" name="TextBox 92"/>
+          <p:cNvSpPr txBox="1"/>
+          <p:nvPr/>
+        </p:nvSpPr>
+        <p:spPr>
+          <a:xfrm>
+            <a:off x="1512146" y="24913183"/>
+            <a:ext cx="12792374" cy="6001643"/>
+          </a:xfrm>
+          <a:prstGeom prst="rect">
+            <a:avLst/>
+          </a:prstGeom>
+          <a:noFill/>
+        </p:spPr>
+        <p:txBody>
+          <a:bodyPr wrap="square" rtlCol="0">
+            <a:spAutoFit/>
+          </a:bodyPr>
+          <a:lstStyle/>
+          <a:p>
+            <a:pPr marL="0" lvl="1" algn="ctr"/>
+            <a:r>
+              <a:rPr lang="en-US" sz="3200" b="1" dirty="0">
+                <a:cs typeface="Times New Roman" panose="02020603050405020304" pitchFamily="18" charset="0"/>
+              </a:rPr>
+              <a:t>Metric Builder and API Documentation User Studies</a:t>
+            </a:r>
+          </a:p>
+          <a:p>
+            <a:endParaRPr lang="en-US" sz="3200" dirty="0">
+              <a:cs typeface="Times New Roman" panose="02020603050405020304" pitchFamily="18" charset="0"/>
+            </a:endParaRPr>
+          </a:p>
+          <a:p>
+            <a:pPr marL="457200" indent="-457200">
+              <a:buFont typeface="Arial" panose="020B0604020202020204" pitchFamily="34" charset="0"/>
+              <a:buChar char="•"/>
+            </a:pPr>
+            <a:r>
+              <a:rPr lang="en-US" sz="3200" dirty="0">
+                <a:cs typeface="Times New Roman" panose="02020603050405020304" pitchFamily="18" charset="0"/>
+              </a:rPr>
+              <a:t>14 WPI students took part in a user study to test both the Metric Builder and API Documentation</a:t>
+            </a:r>
+          </a:p>
+          <a:p>
+            <a:pPr marL="457200" indent="-457200">
+              <a:buFont typeface="Arial" panose="020B0604020202020204" pitchFamily="34" charset="0"/>
+              <a:buChar char="•"/>
+            </a:pPr>
+            <a:endParaRPr lang="en-US" sz="3200" dirty="0">
+              <a:cs typeface="Times New Roman" panose="02020603050405020304" pitchFamily="18" charset="0"/>
+            </a:endParaRPr>
+          </a:p>
+          <a:p>
+            <a:pPr marL="457200" indent="-457200">
+              <a:buFont typeface="Arial" panose="020B0604020202020204" pitchFamily="34" charset="0"/>
+              <a:buChar char="•"/>
+            </a:pPr>
+            <a:r>
+              <a:rPr lang="en-US" sz="3200" dirty="0">
+                <a:cs typeface="Times New Roman" panose="02020603050405020304" pitchFamily="18" charset="0"/>
+              </a:rPr>
+              <a:t>Students rated the ease of use of both features through a survey and provided additional feedback</a:t>
+            </a:r>
+          </a:p>
+          <a:p>
+            <a:endParaRPr lang="en-US" sz="3200" dirty="0" smtClean="0">
+              <a:cs typeface="Times New Roman" panose="02020603050405020304" pitchFamily="18" charset="0"/>
+            </a:endParaRPr>
+          </a:p>
+          <a:p>
+            <a:r>
+              <a:rPr lang="en-US" sz="3200" b="1" dirty="0" smtClean="0">
+                <a:cs typeface="Times New Roman" panose="02020603050405020304" pitchFamily="18" charset="0"/>
+              </a:rPr>
+              <a:t>Results:</a:t>
+            </a:r>
+          </a:p>
+          <a:p>
+            <a:pPr marL="514350" indent="-514350">
+              <a:buFont typeface="+mj-lt"/>
+              <a:buAutoNum type="arabicPeriod"/>
+            </a:pPr>
+            <a:r>
+              <a:rPr lang="en-US" sz="3200" dirty="0" smtClean="0">
+                <a:cs typeface="Times New Roman" panose="02020603050405020304" pitchFamily="18" charset="0"/>
+              </a:rPr>
+              <a:t>Overall, found to be very intuitive</a:t>
+            </a:r>
+          </a:p>
+          <a:p>
+            <a:pPr marL="514350" indent="-514350">
+              <a:buFont typeface="+mj-lt"/>
+              <a:buAutoNum type="arabicPeriod"/>
+            </a:pPr>
+            <a:r>
+              <a:rPr lang="en-US" sz="3200" dirty="0" smtClean="0">
+                <a:cs typeface="Times New Roman" panose="02020603050405020304" pitchFamily="18" charset="0"/>
+              </a:rPr>
+              <a:t>API Documentation link was put in an easier to locate place at the footer</a:t>
+            </a:r>
+          </a:p>
+          <a:p>
+            <a:pPr marL="514350" indent="-514350">
+              <a:buFont typeface="+mj-lt"/>
+              <a:buAutoNum type="arabicPeriod"/>
+            </a:pPr>
+            <a:r>
+              <a:rPr lang="en-US" sz="3200" dirty="0" smtClean="0">
+                <a:cs typeface="Times New Roman" panose="02020603050405020304" pitchFamily="18" charset="0"/>
+              </a:rPr>
+              <a:t>Edit feature of custom metric made easier to find from Explorer page</a:t>
+            </a:r>
+            <a:endParaRPr lang="en-US" sz="3200" dirty="0">
+              <a:cs typeface="Times New Roman" panose="02020603050405020304" pitchFamily="18" charset="0"/>
+            </a:endParaRPr>
+          </a:p>
+        </p:txBody>
+      </p:sp>
+      <p:pic>
+        <p:nvPicPr>
+          <p:cNvPr id="20" name="Picture 19"/>
+          <p:cNvPicPr>
+            <a:picLocks noChangeAspect="1"/>
+          </p:cNvPicPr>
+          <p:nvPr/>
+        </p:nvPicPr>
+        <p:blipFill rotWithShape="1">
+          <a:blip r:embed="rId10"/>
+          <a:srcRect r="1675"/>
+          <a:stretch/>
+        </p:blipFill>
+        <p:spPr>
+          <a:xfrm>
+            <a:off x="15942617" y="24025309"/>
+            <a:ext cx="11722363" cy="6159895"/>
+          </a:xfrm>
+          <a:prstGeom prst="rect">
+            <a:avLst/>
+          </a:prstGeom>
+          <a:ln w="28575">
+            <a:noFill/>
+          </a:ln>
+        </p:spPr>
+      </p:pic>
+      <p:sp>
+        <p:nvSpPr>
+          <p:cNvPr id="21" name="TextBox 20"/>
+          <p:cNvSpPr txBox="1"/>
+          <p:nvPr/>
+        </p:nvSpPr>
+        <p:spPr>
+          <a:xfrm>
+            <a:off x="1276234" y="15154620"/>
+            <a:ext cx="3254002" cy="6986528"/>
+          </a:xfrm>
+          <a:prstGeom prst="rect">
+            <a:avLst/>
+          </a:prstGeom>
+          <a:noFill/>
+        </p:spPr>
+        <p:txBody>
+          <a:bodyPr wrap="square" rtlCol="0">
+            <a:spAutoFit/>
+          </a:bodyPr>
+          <a:lstStyle/>
+          <a:p>
+            <a:pPr marL="342900" indent="-342900">
+              <a:buFont typeface="Arial" panose="020B0604020202020204" pitchFamily="34" charset="0"/>
+              <a:buChar char="•"/>
+            </a:pPr>
+            <a:r>
+              <a:rPr lang="en-US" sz="2800" dirty="0"/>
+              <a:t>Create custom indices using pre-existing metrics</a:t>
+            </a:r>
+          </a:p>
+          <a:p>
+            <a:pPr marL="342900" indent="-342900">
+              <a:buFont typeface="Arial" panose="020B0604020202020204" pitchFamily="34" charset="0"/>
+              <a:buChar char="•"/>
+            </a:pPr>
+            <a:endParaRPr lang="en-US" sz="2800" dirty="0"/>
+          </a:p>
+          <a:p>
+            <a:pPr marL="342900" indent="-342900">
+              <a:buFont typeface="Arial" panose="020B0604020202020204" pitchFamily="34" charset="0"/>
+              <a:buChar char="•"/>
+            </a:pPr>
+            <a:r>
+              <a:rPr lang="en-US" sz="2800" dirty="0"/>
+              <a:t>Assign weights to components and normalize</a:t>
+            </a:r>
+          </a:p>
+          <a:p>
+            <a:pPr marL="342900" indent="-342900">
+              <a:buFont typeface="Arial" panose="020B0604020202020204" pitchFamily="34" charset="0"/>
+              <a:buChar char="•"/>
+            </a:pPr>
+            <a:endParaRPr lang="en-US" sz="2800" dirty="0"/>
+          </a:p>
+          <a:p>
+            <a:pPr marL="342900" indent="-342900">
+              <a:buFont typeface="Arial" panose="020B0604020202020204" pitchFamily="34" charset="0"/>
+              <a:buChar char="•"/>
+            </a:pPr>
+            <a:r>
+              <a:rPr lang="en-US" sz="2800" dirty="0"/>
+              <a:t>Edit or delete your </a:t>
+            </a:r>
+            <a:r>
+              <a:rPr lang="en-US" sz="2800" dirty="0" smtClean="0"/>
+              <a:t>metric</a:t>
+            </a:r>
+            <a:endParaRPr lang="en-US" sz="2800" dirty="0"/>
+          </a:p>
+          <a:p>
+            <a:pPr marL="342900" indent="-342900">
+              <a:buFont typeface="Arial" panose="020B0604020202020204" pitchFamily="34" charset="0"/>
+              <a:buChar char="•"/>
+            </a:pPr>
+            <a:endParaRPr lang="en-US" sz="2800" dirty="0"/>
+          </a:p>
+          <a:p>
+            <a:pPr marL="342900" indent="-342900">
+              <a:buFont typeface="Arial" panose="020B0604020202020204" pitchFamily="34" charset="0"/>
+              <a:buChar char="•"/>
+            </a:pPr>
+            <a:r>
+              <a:rPr lang="en-US" sz="2800" dirty="0"/>
+              <a:t>Save your metric</a:t>
+            </a:r>
+          </a:p>
+          <a:p>
+            <a:pPr marL="342900" indent="-342900">
+              <a:buFont typeface="Arial" panose="020B0604020202020204" pitchFamily="34" charset="0"/>
+              <a:buChar char="•"/>
+            </a:pPr>
+            <a:endParaRPr lang="en-US" sz="2800" dirty="0"/>
+          </a:p>
+          <a:p>
+            <a:pPr marL="342900" indent="-342900">
+              <a:buFont typeface="Arial" panose="020B0604020202020204" pitchFamily="34" charset="0"/>
+              <a:buChar char="•"/>
+            </a:pPr>
+            <a:r>
+              <a:rPr lang="en-US" sz="2800" dirty="0"/>
+              <a:t>Visualize your custom </a:t>
+            </a:r>
+            <a:r>
+              <a:rPr lang="en-US" sz="2800" dirty="0" smtClean="0"/>
+              <a:t>metric </a:t>
+            </a:r>
+            <a:r>
+              <a:rPr lang="en-US" sz="2800" dirty="0"/>
+              <a:t>seamlessly</a:t>
+            </a:r>
+          </a:p>
+        </p:txBody>
+      </p:sp>
+      <p:pic>
+        <p:nvPicPr>
+          <p:cNvPr id="127" name="Picture 5"/>
+          <p:cNvPicPr>
+            <a:picLocks noChangeAspect="1" noChangeArrowheads="1"/>
+          </p:cNvPicPr>
+          <p:nvPr/>
+        </p:nvPicPr>
+        <p:blipFill rotWithShape="1">
+          <a:blip r:embed="rId11">
+            <a:extLst>
+              <a:ext uri="{28A0092B-C50C-407E-A947-70E740481C1C}">
+                <a14:useLocalDpi xmlns:a14="http://schemas.microsoft.com/office/drawing/2010/main" val="0"/>
+              </a:ext>
+            </a:extLst>
+          </a:blip>
+          <a:srcRect l="12687" t="17759" r="14057" b="12325"/>
+          <a:stretch/>
+        </p:blipFill>
+        <p:spPr bwMode="auto">
+          <a:xfrm>
+            <a:off x="16009408" y="15098923"/>
+            <a:ext cx="11722363" cy="6992495"/>
           </a:xfrm>
           <a:prstGeom prst="rect">
             <a:avLst/>
@@ -4938,553 +5619,6 @@
           </a:extLst>
         </p:spPr>
       </p:pic>
-      <p:pic>
-        <p:nvPicPr>
-          <p:cNvPr id="162" name="Picture 161"/>
-          <p:cNvPicPr>
-            <a:picLocks noChangeAspect="1"/>
-          </p:cNvPicPr>
-          <p:nvPr/>
-        </p:nvPicPr>
-        <p:blipFill>
-          <a:blip r:embed="rId8">
-            <a:extLst>
-              <a:ext uri="{28A0092B-C50C-407E-A947-70E740481C1C}">
-                <a14:useLocalDpi xmlns:a14="http://schemas.microsoft.com/office/drawing/2010/main" val="0"/>
-              </a:ext>
-            </a:extLst>
-          </a:blip>
-          <a:stretch>
-            <a:fillRect/>
-          </a:stretch>
-        </p:blipFill>
-        <p:spPr>
-          <a:xfrm>
-            <a:off x="30315910" y="15113620"/>
-            <a:ext cx="11560752" cy="7177147"/>
-          </a:xfrm>
-          <a:prstGeom prst="rect">
-            <a:avLst/>
-          </a:prstGeom>
-        </p:spPr>
-      </p:pic>
-      <p:pic>
-        <p:nvPicPr>
-          <p:cNvPr id="6" name="Picture 5"/>
-          <p:cNvPicPr>
-            <a:picLocks noChangeAspect="1"/>
-          </p:cNvPicPr>
-          <p:nvPr/>
-        </p:nvPicPr>
-        <p:blipFill rotWithShape="1">
-          <a:blip r:embed="rId9">
-            <a:extLst>
-              <a:ext uri="{28A0092B-C50C-407E-A947-70E740481C1C}">
-                <a14:useLocalDpi xmlns:a14="http://schemas.microsoft.com/office/drawing/2010/main" val="0"/>
-              </a:ext>
-            </a:extLst>
-          </a:blip>
-          <a:srcRect t="15865" r="16116" b="-4615"/>
-          <a:stretch/>
-        </p:blipFill>
-        <p:spPr>
-          <a:xfrm>
-            <a:off x="15215807" y="14515719"/>
-            <a:ext cx="9985390" cy="7477338"/>
-          </a:xfrm>
-          <a:prstGeom prst="rect">
-            <a:avLst/>
-          </a:prstGeom>
-        </p:spPr>
-      </p:pic>
-      <p:sp>
-        <p:nvSpPr>
-          <p:cNvPr id="8" name="TextBox 7"/>
-          <p:cNvSpPr txBox="1"/>
-          <p:nvPr/>
-        </p:nvSpPr>
-        <p:spPr>
-          <a:xfrm>
-            <a:off x="30267387" y="5826210"/>
-            <a:ext cx="11609275" cy="5509200"/>
-          </a:xfrm>
-          <a:prstGeom prst="rect">
-            <a:avLst/>
-          </a:prstGeom>
-          <a:noFill/>
-        </p:spPr>
-        <p:txBody>
-          <a:bodyPr wrap="square" rtlCol="0">
-            <a:spAutoFit/>
-          </a:bodyPr>
-          <a:lstStyle/>
-          <a:p>
-            <a:pPr marL="457200" indent="-457200">
-              <a:buFont typeface="Arial" charset="0"/>
-              <a:buChar char="•"/>
-            </a:pPr>
-            <a:r>
-              <a:rPr lang="en-US" sz="3200" dirty="0" smtClean="0"/>
-              <a:t>Application Program Interface </a:t>
-            </a:r>
-            <a:r>
-              <a:rPr lang="en-US" sz="3200" dirty="0"/>
-              <a:t>(API) </a:t>
-            </a:r>
-            <a:r>
-              <a:rPr lang="en-US" sz="3200" dirty="0" smtClean="0"/>
-              <a:t>- </a:t>
-            </a:r>
-            <a:r>
-              <a:rPr lang="en-US" sz="3200" dirty="0"/>
-              <a:t>code that allows two software programs to communicate with each other</a:t>
-            </a:r>
-          </a:p>
-          <a:p>
-            <a:pPr marL="457200" indent="-457200">
-              <a:buFont typeface="Arial" charset="0"/>
-              <a:buChar char="•"/>
-            </a:pPr>
-            <a:endParaRPr lang="en-US" sz="3200" dirty="0"/>
-          </a:p>
-          <a:p>
-            <a:pPr marL="457200" indent="-457200">
-              <a:buFont typeface="Arial" charset="0"/>
-              <a:buChar char="•"/>
-            </a:pPr>
-            <a:r>
-              <a:rPr lang="en-US" sz="3200" dirty="0" smtClean="0"/>
-              <a:t>Allows other software systems to make use of MATTERS data and analytics</a:t>
-            </a:r>
-          </a:p>
-          <a:p>
-            <a:pPr marL="457200" indent="-457200">
-              <a:buFont typeface="Arial" charset="0"/>
-              <a:buChar char="•"/>
-            </a:pPr>
-            <a:endParaRPr lang="en-US" sz="3200" dirty="0" smtClean="0"/>
-          </a:p>
-          <a:p>
-            <a:pPr marL="457200" indent="-457200">
-              <a:buFont typeface="Arial" charset="0"/>
-              <a:buChar char="•"/>
-            </a:pPr>
-            <a:r>
-              <a:rPr lang="en-US" sz="3200" dirty="0" smtClean="0"/>
-              <a:t>API controller returns states and metrics information, as well as data for requested metrics, states and years.</a:t>
-            </a:r>
-          </a:p>
-          <a:p>
-            <a:pPr marL="457200" indent="-457200">
-              <a:buFont typeface="Arial" charset="0"/>
-              <a:buChar char="•"/>
-            </a:pPr>
-            <a:endParaRPr lang="en-US" sz="3200" dirty="0" smtClean="0"/>
-          </a:p>
-          <a:p>
-            <a:pPr marL="457200" indent="-457200">
-              <a:buFont typeface="Arial" charset="0"/>
-              <a:buChar char="•"/>
-            </a:pPr>
-            <a:r>
-              <a:rPr lang="en-US" sz="3200" dirty="0" smtClean="0"/>
-              <a:t>End users are programmers – they can easily use MATTERS data in their software</a:t>
-            </a:r>
-            <a:endParaRPr lang="en-US" sz="3200" dirty="0"/>
-          </a:p>
-        </p:txBody>
-      </p:sp>
-      <p:pic>
-        <p:nvPicPr>
-          <p:cNvPr id="2" name="Picture 1"/>
-          <p:cNvPicPr>
-            <a:picLocks noChangeAspect="1"/>
-          </p:cNvPicPr>
-          <p:nvPr/>
-        </p:nvPicPr>
-        <p:blipFill rotWithShape="1">
-          <a:blip r:embed="rId10">
-            <a:extLst>
-              <a:ext uri="{28A0092B-C50C-407E-A947-70E740481C1C}">
-                <a14:useLocalDpi xmlns:a14="http://schemas.microsoft.com/office/drawing/2010/main" val="0"/>
-              </a:ext>
-            </a:extLst>
-          </a:blip>
-          <a:srcRect t="-2" b="47829"/>
-          <a:stretch/>
-        </p:blipFill>
-        <p:spPr>
-          <a:xfrm>
-            <a:off x="19837544" y="17460483"/>
-            <a:ext cx="8394700" cy="5669280"/>
-          </a:xfrm>
-          <a:prstGeom prst="rect">
-            <a:avLst/>
-          </a:prstGeom>
-          <a:ln>
-            <a:solidFill>
-              <a:schemeClr val="bg1">
-                <a:lumMod val="65000"/>
-              </a:schemeClr>
-            </a:solidFill>
-          </a:ln>
-        </p:spPr>
-      </p:pic>
-      <p:sp>
-        <p:nvSpPr>
-          <p:cNvPr id="12" name="TextBox 11"/>
-          <p:cNvSpPr txBox="1"/>
-          <p:nvPr/>
-        </p:nvSpPr>
-        <p:spPr>
-          <a:xfrm>
-            <a:off x="15518968" y="14028253"/>
-            <a:ext cx="4661247" cy="584775"/>
-          </a:xfrm>
-          <a:prstGeom prst="rect">
-            <a:avLst/>
-          </a:prstGeom>
-          <a:noFill/>
-        </p:spPr>
-        <p:txBody>
-          <a:bodyPr wrap="square" rtlCol="0">
-            <a:spAutoFit/>
-          </a:bodyPr>
-          <a:lstStyle/>
-          <a:p>
-            <a:r>
-              <a:rPr lang="en-US" sz="3200" dirty="0"/>
-              <a:t>Outputting extracted data</a:t>
-            </a:r>
-          </a:p>
-        </p:txBody>
-      </p:sp>
-      <p:sp>
-        <p:nvSpPr>
-          <p:cNvPr id="14" name="TextBox 13"/>
-          <p:cNvSpPr txBox="1"/>
-          <p:nvPr/>
-        </p:nvSpPr>
-        <p:spPr>
-          <a:xfrm>
-            <a:off x="16075009" y="23831254"/>
-            <a:ext cx="9126188" cy="584775"/>
-          </a:xfrm>
-          <a:prstGeom prst="rect">
-            <a:avLst/>
-          </a:prstGeom>
-          <a:noFill/>
-        </p:spPr>
-        <p:txBody>
-          <a:bodyPr wrap="square" rtlCol="0">
-            <a:spAutoFit/>
-          </a:bodyPr>
-          <a:lstStyle/>
-          <a:p>
-            <a:r>
-              <a:rPr lang="en-US" sz="3200" dirty="0"/>
-              <a:t>Visualizing custom made metrics in the Data Explorer</a:t>
-            </a:r>
-          </a:p>
-        </p:txBody>
-      </p:sp>
-      <p:sp>
-        <p:nvSpPr>
-          <p:cNvPr id="17" name="TextBox 16"/>
-          <p:cNvSpPr txBox="1"/>
-          <p:nvPr/>
-        </p:nvSpPr>
-        <p:spPr>
-          <a:xfrm>
-            <a:off x="16852474" y="13066012"/>
-            <a:ext cx="10443288" cy="584775"/>
-          </a:xfrm>
-          <a:prstGeom prst="rect">
-            <a:avLst/>
-          </a:prstGeom>
-          <a:noFill/>
-        </p:spPr>
-        <p:txBody>
-          <a:bodyPr wrap="square" rtlCol="0">
-            <a:spAutoFit/>
-          </a:bodyPr>
-          <a:lstStyle/>
-          <a:p>
-            <a:r>
-              <a:rPr lang="en-US" sz="3200" dirty="0" smtClean="0"/>
-              <a:t>MATTERS </a:t>
-            </a:r>
-            <a:r>
-              <a:rPr lang="en-US" sz="3200" dirty="0" smtClean="0"/>
-              <a:t>custom quality index </a:t>
-            </a:r>
-            <a:r>
-              <a:rPr lang="en-US" sz="3200" dirty="0"/>
-              <a:t>displayed on home page</a:t>
-            </a:r>
-          </a:p>
-        </p:txBody>
-      </p:sp>
-      <p:sp>
-        <p:nvSpPr>
-          <p:cNvPr id="93" name="TextBox 92"/>
-          <p:cNvSpPr txBox="1"/>
-          <p:nvPr/>
-        </p:nvSpPr>
-        <p:spPr>
-          <a:xfrm>
-            <a:off x="1512146" y="24913183"/>
-            <a:ext cx="12792374" cy="6001643"/>
-          </a:xfrm>
-          <a:prstGeom prst="rect">
-            <a:avLst/>
-          </a:prstGeom>
-          <a:noFill/>
-        </p:spPr>
-        <p:txBody>
-          <a:bodyPr wrap="square" rtlCol="0">
-            <a:spAutoFit/>
-          </a:bodyPr>
-          <a:lstStyle/>
-          <a:p>
-            <a:pPr marL="0" lvl="1" algn="ctr"/>
-            <a:r>
-              <a:rPr lang="en-US" sz="3200" b="1" dirty="0">
-                <a:cs typeface="Times New Roman" panose="02020603050405020304" pitchFamily="18" charset="0"/>
-              </a:rPr>
-              <a:t>Metric Builder and API Documentation User Studies</a:t>
-            </a:r>
-          </a:p>
-          <a:p>
-            <a:endParaRPr lang="en-US" sz="3200" dirty="0">
-              <a:cs typeface="Times New Roman" panose="02020603050405020304" pitchFamily="18" charset="0"/>
-            </a:endParaRPr>
-          </a:p>
-          <a:p>
-            <a:pPr marL="457200" indent="-457200">
-              <a:buFont typeface="Arial" panose="020B0604020202020204" pitchFamily="34" charset="0"/>
-              <a:buChar char="•"/>
-            </a:pPr>
-            <a:r>
-              <a:rPr lang="en-US" sz="3200" dirty="0">
-                <a:cs typeface="Times New Roman" panose="02020603050405020304" pitchFamily="18" charset="0"/>
-              </a:rPr>
-              <a:t>14 WPI students took part in a user study to test both the Metric Builder and API Documentation</a:t>
-            </a:r>
-          </a:p>
-          <a:p>
-            <a:pPr marL="457200" indent="-457200">
-              <a:buFont typeface="Arial" panose="020B0604020202020204" pitchFamily="34" charset="0"/>
-              <a:buChar char="•"/>
-            </a:pPr>
-            <a:endParaRPr lang="en-US" sz="3200" dirty="0">
-              <a:cs typeface="Times New Roman" panose="02020603050405020304" pitchFamily="18" charset="0"/>
-            </a:endParaRPr>
-          </a:p>
-          <a:p>
-            <a:pPr marL="457200" indent="-457200">
-              <a:buFont typeface="Arial" panose="020B0604020202020204" pitchFamily="34" charset="0"/>
-              <a:buChar char="•"/>
-            </a:pPr>
-            <a:r>
-              <a:rPr lang="en-US" sz="3200" dirty="0">
-                <a:cs typeface="Times New Roman" panose="02020603050405020304" pitchFamily="18" charset="0"/>
-              </a:rPr>
-              <a:t>Students rated the ease of use of both features through a survey and provided additional feedback</a:t>
-            </a:r>
-          </a:p>
-          <a:p>
-            <a:endParaRPr lang="en-US" sz="3200" dirty="0" smtClean="0">
-              <a:cs typeface="Times New Roman" panose="02020603050405020304" pitchFamily="18" charset="0"/>
-            </a:endParaRPr>
-          </a:p>
-          <a:p>
-            <a:r>
-              <a:rPr lang="en-US" sz="3200" b="1" dirty="0" smtClean="0">
-                <a:cs typeface="Times New Roman" panose="02020603050405020304" pitchFamily="18" charset="0"/>
-              </a:rPr>
-              <a:t>Results:</a:t>
-            </a:r>
-          </a:p>
-          <a:p>
-            <a:pPr marL="514350" indent="-514350">
-              <a:buFont typeface="+mj-lt"/>
-              <a:buAutoNum type="arabicPeriod"/>
-            </a:pPr>
-            <a:r>
-              <a:rPr lang="en-US" sz="3200" dirty="0" smtClean="0">
-                <a:cs typeface="Times New Roman" panose="02020603050405020304" pitchFamily="18" charset="0"/>
-              </a:rPr>
-              <a:t>Overall, found to be very intuitive</a:t>
-            </a:r>
-          </a:p>
-          <a:p>
-            <a:pPr marL="514350" indent="-514350">
-              <a:buFont typeface="+mj-lt"/>
-              <a:buAutoNum type="arabicPeriod"/>
-            </a:pPr>
-            <a:r>
-              <a:rPr lang="en-US" sz="3200" dirty="0" smtClean="0">
-                <a:cs typeface="Times New Roman" panose="02020603050405020304" pitchFamily="18" charset="0"/>
-              </a:rPr>
-              <a:t>API Documentation link was put in an easier to locate place at the footer</a:t>
-            </a:r>
-          </a:p>
-          <a:p>
-            <a:pPr marL="514350" indent="-514350">
-              <a:buFont typeface="+mj-lt"/>
-              <a:buAutoNum type="arabicPeriod"/>
-            </a:pPr>
-            <a:r>
-              <a:rPr lang="en-US" sz="3200" dirty="0" smtClean="0">
-                <a:cs typeface="Times New Roman" panose="02020603050405020304" pitchFamily="18" charset="0"/>
-              </a:rPr>
-              <a:t>Edit feature of custom metric made easier to find from Explorer page</a:t>
-            </a:r>
-            <a:endParaRPr lang="en-US" sz="3200" dirty="0">
-              <a:cs typeface="Times New Roman" panose="02020603050405020304" pitchFamily="18" charset="0"/>
-            </a:endParaRPr>
-          </a:p>
-        </p:txBody>
-      </p:sp>
-      <p:pic>
-        <p:nvPicPr>
-          <p:cNvPr id="20" name="Picture 19"/>
-          <p:cNvPicPr>
-            <a:picLocks noChangeAspect="1"/>
-          </p:cNvPicPr>
-          <p:nvPr/>
-        </p:nvPicPr>
-        <p:blipFill>
-          <a:blip r:embed="rId11"/>
-          <a:stretch>
-            <a:fillRect/>
-          </a:stretch>
-        </p:blipFill>
-        <p:spPr>
-          <a:xfrm>
-            <a:off x="15940582" y="24547809"/>
-            <a:ext cx="11662726" cy="6025893"/>
-          </a:xfrm>
-          <a:prstGeom prst="rect">
-            <a:avLst/>
-          </a:prstGeom>
-        </p:spPr>
-      </p:pic>
-      <p:sp>
-        <p:nvSpPr>
-          <p:cNvPr id="21" name="TextBox 20"/>
-          <p:cNvSpPr txBox="1"/>
-          <p:nvPr/>
-        </p:nvSpPr>
-        <p:spPr>
-          <a:xfrm>
-            <a:off x="1276234" y="15154620"/>
-            <a:ext cx="3254002" cy="6986528"/>
-          </a:xfrm>
-          <a:prstGeom prst="rect">
-            <a:avLst/>
-          </a:prstGeom>
-          <a:noFill/>
-        </p:spPr>
-        <p:txBody>
-          <a:bodyPr wrap="square" rtlCol="0">
-            <a:spAutoFit/>
-          </a:bodyPr>
-          <a:lstStyle/>
-          <a:p>
-            <a:pPr marL="342900" indent="-342900">
-              <a:buFont typeface="Arial" panose="020B0604020202020204" pitchFamily="34" charset="0"/>
-              <a:buChar char="•"/>
-            </a:pPr>
-            <a:r>
-              <a:rPr lang="en-US" sz="2800" dirty="0"/>
-              <a:t>Create custom indices using pre-existing metrics</a:t>
-            </a:r>
-          </a:p>
-          <a:p>
-            <a:pPr marL="342900" indent="-342900">
-              <a:buFont typeface="Arial" panose="020B0604020202020204" pitchFamily="34" charset="0"/>
-              <a:buChar char="•"/>
-            </a:pPr>
-            <a:endParaRPr lang="en-US" sz="2800" dirty="0"/>
-          </a:p>
-          <a:p>
-            <a:pPr marL="342900" indent="-342900">
-              <a:buFont typeface="Arial" panose="020B0604020202020204" pitchFamily="34" charset="0"/>
-              <a:buChar char="•"/>
-            </a:pPr>
-            <a:r>
-              <a:rPr lang="en-US" sz="2800" dirty="0"/>
-              <a:t>Assign weights to components and normalize</a:t>
-            </a:r>
-          </a:p>
-          <a:p>
-            <a:pPr marL="342900" indent="-342900">
-              <a:buFont typeface="Arial" panose="020B0604020202020204" pitchFamily="34" charset="0"/>
-              <a:buChar char="•"/>
-            </a:pPr>
-            <a:endParaRPr lang="en-US" sz="2800" dirty="0"/>
-          </a:p>
-          <a:p>
-            <a:pPr marL="342900" indent="-342900">
-              <a:buFont typeface="Arial" panose="020B0604020202020204" pitchFamily="34" charset="0"/>
-              <a:buChar char="•"/>
-            </a:pPr>
-            <a:r>
-              <a:rPr lang="en-US" sz="2800" dirty="0"/>
-              <a:t>Edit or delete your </a:t>
-            </a:r>
-            <a:r>
-              <a:rPr lang="en-US" sz="2800" dirty="0" smtClean="0"/>
-              <a:t>metric</a:t>
-            </a:r>
-            <a:endParaRPr lang="en-US" sz="2800" dirty="0"/>
-          </a:p>
-          <a:p>
-            <a:pPr marL="342900" indent="-342900">
-              <a:buFont typeface="Arial" panose="020B0604020202020204" pitchFamily="34" charset="0"/>
-              <a:buChar char="•"/>
-            </a:pPr>
-            <a:endParaRPr lang="en-US" sz="2800" dirty="0"/>
-          </a:p>
-          <a:p>
-            <a:pPr marL="342900" indent="-342900">
-              <a:buFont typeface="Arial" panose="020B0604020202020204" pitchFamily="34" charset="0"/>
-              <a:buChar char="•"/>
-            </a:pPr>
-            <a:r>
-              <a:rPr lang="en-US" sz="2800" dirty="0"/>
-              <a:t>Save your metric</a:t>
-            </a:r>
-          </a:p>
-          <a:p>
-            <a:pPr marL="342900" indent="-342900">
-              <a:buFont typeface="Arial" panose="020B0604020202020204" pitchFamily="34" charset="0"/>
-              <a:buChar char="•"/>
-            </a:pPr>
-            <a:endParaRPr lang="en-US" sz="2800" dirty="0"/>
-          </a:p>
-          <a:p>
-            <a:pPr marL="342900" indent="-342900">
-              <a:buFont typeface="Arial" panose="020B0604020202020204" pitchFamily="34" charset="0"/>
-              <a:buChar char="•"/>
-            </a:pPr>
-            <a:r>
-              <a:rPr lang="en-US" sz="2800" dirty="0"/>
-              <a:t>Visualize your custom </a:t>
-            </a:r>
-            <a:r>
-              <a:rPr lang="en-US" sz="2800" dirty="0" smtClean="0"/>
-              <a:t>metric </a:t>
-            </a:r>
-            <a:r>
-              <a:rPr lang="en-US" sz="2800" dirty="0"/>
-              <a:t>seamlessly</a:t>
-            </a:r>
-          </a:p>
-        </p:txBody>
-      </p:sp>
     </p:spTree>
     <p:extLst>
       <p:ext uri="{BB962C8B-B14F-4D97-AF65-F5344CB8AC3E}">
@@ -5495,6 +5629,13 @@
   <p:clrMapOvr>
     <a:masterClrMapping/>
   </p:clrMapOvr>
+  <p:timing>
+    <p:tnLst>
+      <p:par>
+        <p:cTn id="1" dur="indefinite" restart="never" nodeType="tmRoot"/>
+      </p:par>
+    </p:tnLst>
+  </p:timing>
 </p:sld>
 </file>
 
